--- a/受控文档/PPT/PRD2018-G14-UML工具：StarUML.pptx
+++ b/受控文档/PPT/PRD2018-G14-UML工具：StarUML.pptx
@@ -5,75 +5,77 @@
     <p:sldMasterId id="2147483648" r:id="rId1"/>
   </p:sldMasterIdLst>
   <p:notesMasterIdLst>
-    <p:notesMasterId r:id="rId8"/>
+    <p:notesMasterId r:id="rId53"/>
   </p:notesMasterIdLst>
   <p:sldIdLst>
-    <p:sldId id="258" r:id="rId3"/>
-    <p:sldId id="275" r:id="rId4"/>
-    <p:sldId id="260" r:id="rId5"/>
-    <p:sldId id="289" r:id="rId6"/>
-    <p:sldId id="290" r:id="rId7"/>
-    <p:sldId id="291" r:id="rId9"/>
-    <p:sldId id="292" r:id="rId10"/>
-    <p:sldId id="293" r:id="rId11"/>
-    <p:sldId id="296" r:id="rId12"/>
-    <p:sldId id="294" r:id="rId13"/>
-    <p:sldId id="297" r:id="rId14"/>
-    <p:sldId id="295" r:id="rId15"/>
-    <p:sldId id="298" r:id="rId16"/>
-    <p:sldId id="299" r:id="rId17"/>
-    <p:sldId id="300" r:id="rId18"/>
-    <p:sldId id="301" r:id="rId19"/>
-    <p:sldId id="302" r:id="rId20"/>
-    <p:sldId id="303" r:id="rId21"/>
-    <p:sldId id="307" r:id="rId22"/>
-    <p:sldId id="308" r:id="rId23"/>
-    <p:sldId id="309" r:id="rId24"/>
-    <p:sldId id="310" r:id="rId25"/>
-    <p:sldId id="311" r:id="rId26"/>
-    <p:sldId id="312" r:id="rId27"/>
-    <p:sldId id="313" r:id="rId28"/>
-    <p:sldId id="314" r:id="rId29"/>
-    <p:sldId id="315" r:id="rId30"/>
-    <p:sldId id="316" r:id="rId31"/>
-    <p:sldId id="317" r:id="rId32"/>
-    <p:sldId id="318" r:id="rId33"/>
-    <p:sldId id="319" r:id="rId34"/>
-    <p:sldId id="320" r:id="rId35"/>
-    <p:sldId id="321" r:id="rId36"/>
-    <p:sldId id="322" r:id="rId37"/>
-    <p:sldId id="323" r:id="rId38"/>
-    <p:sldId id="324" r:id="rId39"/>
-    <p:sldId id="325" r:id="rId40"/>
-    <p:sldId id="339" r:id="rId41"/>
-    <p:sldId id="326" r:id="rId42"/>
-    <p:sldId id="327" r:id="rId43"/>
-    <p:sldId id="328" r:id="rId44"/>
-    <p:sldId id="329" r:id="rId45"/>
-    <p:sldId id="330" r:id="rId46"/>
-    <p:sldId id="332" r:id="rId47"/>
-    <p:sldId id="333" r:id="rId48"/>
-    <p:sldId id="334" r:id="rId49"/>
-    <p:sldId id="335" r:id="rId50"/>
-    <p:sldId id="336" r:id="rId51"/>
-    <p:sldId id="337" r:id="rId52"/>
-    <p:sldId id="338" r:id="rId53"/>
-    <p:sldId id="276" r:id="rId54"/>
+    <p:sldId id="258" r:id="rId2"/>
+    <p:sldId id="275" r:id="rId3"/>
+    <p:sldId id="260" r:id="rId4"/>
+    <p:sldId id="289" r:id="rId5"/>
+    <p:sldId id="290" r:id="rId6"/>
+    <p:sldId id="291" r:id="rId7"/>
+    <p:sldId id="292" r:id="rId8"/>
+    <p:sldId id="293" r:id="rId9"/>
+    <p:sldId id="296" r:id="rId10"/>
+    <p:sldId id="294" r:id="rId11"/>
+    <p:sldId id="297" r:id="rId12"/>
+    <p:sldId id="295" r:id="rId13"/>
+    <p:sldId id="298" r:id="rId14"/>
+    <p:sldId id="299" r:id="rId15"/>
+    <p:sldId id="300" r:id="rId16"/>
+    <p:sldId id="301" r:id="rId17"/>
+    <p:sldId id="302" r:id="rId18"/>
+    <p:sldId id="303" r:id="rId19"/>
+    <p:sldId id="307" r:id="rId20"/>
+    <p:sldId id="308" r:id="rId21"/>
+    <p:sldId id="309" r:id="rId22"/>
+    <p:sldId id="310" r:id="rId23"/>
+    <p:sldId id="311" r:id="rId24"/>
+    <p:sldId id="312" r:id="rId25"/>
+    <p:sldId id="313" r:id="rId26"/>
+    <p:sldId id="314" r:id="rId27"/>
+    <p:sldId id="315" r:id="rId28"/>
+    <p:sldId id="316" r:id="rId29"/>
+    <p:sldId id="317" r:id="rId30"/>
+    <p:sldId id="318" r:id="rId31"/>
+    <p:sldId id="319" r:id="rId32"/>
+    <p:sldId id="320" r:id="rId33"/>
+    <p:sldId id="321" r:id="rId34"/>
+    <p:sldId id="322" r:id="rId35"/>
+    <p:sldId id="323" r:id="rId36"/>
+    <p:sldId id="324" r:id="rId37"/>
+    <p:sldId id="325" r:id="rId38"/>
+    <p:sldId id="339" r:id="rId39"/>
+    <p:sldId id="326" r:id="rId40"/>
+    <p:sldId id="327" r:id="rId41"/>
+    <p:sldId id="328" r:id="rId42"/>
+    <p:sldId id="329" r:id="rId43"/>
+    <p:sldId id="330" r:id="rId44"/>
+    <p:sldId id="332" r:id="rId45"/>
+    <p:sldId id="333" r:id="rId46"/>
+    <p:sldId id="334" r:id="rId47"/>
+    <p:sldId id="335" r:id="rId48"/>
+    <p:sldId id="336" r:id="rId49"/>
+    <p:sldId id="337" r:id="rId50"/>
+    <p:sldId id="338" r:id="rId51"/>
+    <p:sldId id="276" r:id="rId52"/>
   </p:sldIdLst>
   <p:sldSz cx="12192000" cy="6858000"/>
   <p:notesSz cx="6858000" cy="9144000"/>
   <p:embeddedFontLst>
     <p:embeddedFont>
-      <p:font typeface="等线" panose="02010600030101010101" charset="-122"/>
-      <p:regular r:id="rId58"/>
+      <p:font typeface="微软雅黑" panose="020B0503020204020204" pitchFamily="34" charset="-122"/>
+      <p:regular r:id="rId54"/>
+      <p:bold r:id="rId55"/>
     </p:embeddedFont>
     <p:embeddedFont>
-      <p:font typeface="微软雅黑" panose="020B0503020204020204" charset="-122"/>
-      <p:regular r:id="rId59"/>
+      <p:font typeface="等线 Light" panose="02010600030101010101" pitchFamily="2" charset="-122"/>
+      <p:regular r:id="rId56"/>
     </p:embeddedFont>
     <p:embeddedFont>
-      <p:font typeface="等线 Light" panose="02010600030101010101" charset="-122"/>
-      <p:regular r:id="rId60"/>
+      <p:font typeface="等线" panose="02010600030101010101" pitchFamily="2" charset="-122"/>
+      <p:regular r:id="rId57"/>
+      <p:bold r:id="rId58"/>
     </p:embeddedFont>
   </p:embeddedFontLst>
   <p:defaultTextStyle>
@@ -256,6 +258,7 @@
           <a:p>
             <a:fld id="{A109EA2A-4C48-4C61-B30A-DAB1A3E93B21}" type="datetimeFigureOut">
               <a:rPr lang="zh-CN" altLang="en-US" smtClean="0"/>
+              <a:t>2018/11/13</a:t>
             </a:fld>
             <a:endParaRPr lang="zh-CN" altLang="en-US"/>
           </a:p>
@@ -322,7 +325,6 @@
               <a:rPr lang="zh-CN" altLang="en-US" smtClean="0"/>
               <a:t>编辑母版文本样式</a:t>
             </a:r>
-            <a:endParaRPr lang="zh-CN" altLang="en-US" smtClean="0"/>
           </a:p>
           <a:p>
             <a:pPr lvl="1"/>
@@ -330,7 +332,6 @@
               <a:rPr lang="zh-CN" altLang="en-US" smtClean="0"/>
               <a:t>第二级</a:t>
             </a:r>
-            <a:endParaRPr lang="zh-CN" altLang="en-US" smtClean="0"/>
           </a:p>
           <a:p>
             <a:pPr lvl="2"/>
@@ -338,7 +339,6 @@
               <a:rPr lang="zh-CN" altLang="en-US" smtClean="0"/>
               <a:t>第三级</a:t>
             </a:r>
-            <a:endParaRPr lang="zh-CN" altLang="en-US" smtClean="0"/>
           </a:p>
           <a:p>
             <a:pPr lvl="3"/>
@@ -346,7 +346,6 @@
               <a:rPr lang="zh-CN" altLang="en-US" smtClean="0"/>
               <a:t>第四级</a:t>
             </a:r>
-            <a:endParaRPr lang="zh-CN" altLang="en-US" smtClean="0"/>
           </a:p>
           <a:p>
             <a:pPr lvl="4"/>
@@ -418,12 +417,18 @@
           <a:p>
             <a:fld id="{74B31000-9408-426B-B873-D4C066E48AF8}" type="slidenum">
               <a:rPr lang="zh-CN" altLang="en-US" smtClean="0"/>
+              <a:t>‹#›</a:t>
             </a:fld>
             <a:endParaRPr lang="zh-CN" altLang="en-US"/>
           </a:p>
         </p:txBody>
       </p:sp>
     </p:spTree>
+    <p:extLst>
+      <p:ext uri="{BB962C8B-B14F-4D97-AF65-F5344CB8AC3E}">
+        <p14:creationId xmlns:p14="http://schemas.microsoft.com/office/powerpoint/2010/main" val="2585225699"/>
+      </p:ext>
+    </p:extLst>
   </p:cSld>
   <p:clrMap bg1="lt1" tx1="dk1" bg2="lt2" tx2="dk2" accent1="accent1" accent2="accent2" accent3="accent3" accent4="accent4" accent5="accent5" accent6="accent6" hlink="hlink" folHlink="folHlink"/>
   <p:notesStyle>
@@ -530,11 +535,20 @@
         <p:cNvGrpSpPr/>
         <p:nvPr/>
       </p:nvGrpSpPr>
-      <p:grpSpPr/>
+      <p:grpSpPr>
+        <a:xfrm>
+          <a:off x="0" y="0"/>
+          <a:ext cx="0" cy="0"/>
+          <a:chOff x="0" y="0"/>
+          <a:chExt cx="0" cy="0"/>
+        </a:xfrm>
+      </p:grpSpPr>
       <p:sp>
         <p:nvSpPr>
           <p:cNvPr id="2" name="幻灯片图像占位符 1"/>
-          <p:cNvSpPr/>
+          <p:cNvSpPr>
+            <a:spLocks noGrp="1" noRot="1" noChangeAspect="1"/>
+          </p:cNvSpPr>
           <p:nvPr>
             <p:ph type="sldImg" idx="2"/>
           </p:nvPr>
@@ -544,7 +558,9 @@
       <p:sp>
         <p:nvSpPr>
           <p:cNvPr id="3" name="文本占位符 2"/>
-          <p:cNvSpPr/>
+          <p:cNvSpPr>
+            <a:spLocks noGrp="1"/>
+          </p:cNvSpPr>
           <p:nvPr>
             <p:ph type="body" idx="3"/>
           </p:nvPr>
@@ -552,6 +568,7 @@
         <p:spPr/>
         <p:txBody>
           <a:bodyPr/>
+          <a:lstStyle/>
           <a:p>
             <a:endParaRPr lang="zh-CN" altLang="en-US"/>
           </a:p>
@@ -574,11 +591,20 @@
         <p:cNvGrpSpPr/>
         <p:nvPr/>
       </p:nvGrpSpPr>
-      <p:grpSpPr/>
+      <p:grpSpPr>
+        <a:xfrm>
+          <a:off x="0" y="0"/>
+          <a:ext cx="0" cy="0"/>
+          <a:chOff x="0" y="0"/>
+          <a:chExt cx="0" cy="0"/>
+        </a:xfrm>
+      </p:grpSpPr>
       <p:sp>
         <p:nvSpPr>
           <p:cNvPr id="2" name="幻灯片图像占位符 1"/>
-          <p:cNvSpPr/>
+          <p:cNvSpPr>
+            <a:spLocks noGrp="1" noRot="1" noChangeAspect="1"/>
+          </p:cNvSpPr>
           <p:nvPr>
             <p:ph type="sldImg" idx="2"/>
           </p:nvPr>
@@ -588,7 +614,9 @@
       <p:sp>
         <p:nvSpPr>
           <p:cNvPr id="3" name="文本占位符 2"/>
-          <p:cNvSpPr/>
+          <p:cNvSpPr>
+            <a:spLocks noGrp="1"/>
+          </p:cNvSpPr>
           <p:nvPr>
             <p:ph type="body" idx="3"/>
           </p:nvPr>
@@ -596,6 +624,7 @@
         <p:spPr/>
         <p:txBody>
           <a:bodyPr/>
+          <a:lstStyle/>
           <a:p>
             <a:endParaRPr lang="zh-CN" altLang="en-US"/>
           </a:p>
@@ -618,11 +647,20 @@
         <p:cNvGrpSpPr/>
         <p:nvPr/>
       </p:nvGrpSpPr>
-      <p:grpSpPr/>
+      <p:grpSpPr>
+        <a:xfrm>
+          <a:off x="0" y="0"/>
+          <a:ext cx="0" cy="0"/>
+          <a:chOff x="0" y="0"/>
+          <a:chExt cx="0" cy="0"/>
+        </a:xfrm>
+      </p:grpSpPr>
       <p:sp>
         <p:nvSpPr>
           <p:cNvPr id="2" name="幻灯片图像占位符 1"/>
-          <p:cNvSpPr/>
+          <p:cNvSpPr>
+            <a:spLocks noGrp="1" noRot="1" noChangeAspect="1"/>
+          </p:cNvSpPr>
           <p:nvPr>
             <p:ph type="sldImg" idx="2"/>
           </p:nvPr>
@@ -632,7 +670,9 @@
       <p:sp>
         <p:nvSpPr>
           <p:cNvPr id="3" name="文本占位符 2"/>
-          <p:cNvSpPr/>
+          <p:cNvSpPr>
+            <a:spLocks noGrp="1"/>
+          </p:cNvSpPr>
           <p:nvPr>
             <p:ph type="body" idx="3"/>
           </p:nvPr>
@@ -640,6 +680,7 @@
         <p:spPr/>
         <p:txBody>
           <a:bodyPr/>
+          <a:lstStyle/>
           <a:p>
             <a:endParaRPr lang="zh-CN" altLang="en-US"/>
           </a:p>
@@ -662,11 +703,20 @@
         <p:cNvGrpSpPr/>
         <p:nvPr/>
       </p:nvGrpSpPr>
-      <p:grpSpPr/>
+      <p:grpSpPr>
+        <a:xfrm>
+          <a:off x="0" y="0"/>
+          <a:ext cx="0" cy="0"/>
+          <a:chOff x="0" y="0"/>
+          <a:chExt cx="0" cy="0"/>
+        </a:xfrm>
+      </p:grpSpPr>
       <p:sp>
         <p:nvSpPr>
           <p:cNvPr id="2" name="幻灯片图像占位符 1"/>
-          <p:cNvSpPr/>
+          <p:cNvSpPr>
+            <a:spLocks noGrp="1" noRot="1" noChangeAspect="1"/>
+          </p:cNvSpPr>
           <p:nvPr>
             <p:ph type="sldImg" idx="2"/>
           </p:nvPr>
@@ -676,7 +726,9 @@
       <p:sp>
         <p:nvSpPr>
           <p:cNvPr id="3" name="文本占位符 2"/>
-          <p:cNvSpPr/>
+          <p:cNvSpPr>
+            <a:spLocks noGrp="1"/>
+          </p:cNvSpPr>
           <p:nvPr>
             <p:ph type="body" idx="3"/>
           </p:nvPr>
@@ -684,6 +736,7 @@
         <p:spPr/>
         <p:txBody>
           <a:bodyPr/>
+          <a:lstStyle/>
           <a:p>
             <a:endParaRPr lang="zh-CN" altLang="en-US"/>
           </a:p>
@@ -706,11 +759,20 @@
         <p:cNvGrpSpPr/>
         <p:nvPr/>
       </p:nvGrpSpPr>
-      <p:grpSpPr/>
+      <p:grpSpPr>
+        <a:xfrm>
+          <a:off x="0" y="0"/>
+          <a:ext cx="0" cy="0"/>
+          <a:chOff x="0" y="0"/>
+          <a:chExt cx="0" cy="0"/>
+        </a:xfrm>
+      </p:grpSpPr>
       <p:sp>
         <p:nvSpPr>
           <p:cNvPr id="2" name="幻灯片图像占位符 1"/>
-          <p:cNvSpPr/>
+          <p:cNvSpPr>
+            <a:spLocks noGrp="1" noRot="1" noChangeAspect="1"/>
+          </p:cNvSpPr>
           <p:nvPr>
             <p:ph type="sldImg" idx="2"/>
           </p:nvPr>
@@ -720,7 +782,9 @@
       <p:sp>
         <p:nvSpPr>
           <p:cNvPr id="3" name="文本占位符 2"/>
-          <p:cNvSpPr/>
+          <p:cNvSpPr>
+            <a:spLocks noGrp="1"/>
+          </p:cNvSpPr>
           <p:nvPr>
             <p:ph type="body" idx="3"/>
           </p:nvPr>
@@ -728,6 +792,7 @@
         <p:spPr/>
         <p:txBody>
           <a:bodyPr/>
+          <a:lstStyle/>
           <a:p>
             <a:endParaRPr lang="zh-CN" altLang="en-US"/>
           </a:p>
@@ -797,7 +862,7 @@
     <p:bg>
       <p:bgPr>
         <a:blipFill dpi="0" rotWithShape="1">
-          <a:blip r:embed="rId3">
+          <a:blip r:embed="rId4">
             <a:lum/>
           </a:blip>
           <a:srcRect/>
@@ -1418,12 +1483,6 @@
               </a:rPr>
               <a:t>建模工具简介</a:t>
             </a:r>
-            <a:endParaRPr lang="zh-CN" altLang="en-US" sz="3600" b="1" dirty="0">
-              <a:solidFill>
-                <a:schemeClr val="bg1"/>
-              </a:solidFill>
-              <a:latin typeface="Gotham Rounded Medium" panose="02000000000000000000" pitchFamily="50" charset="0"/>
-            </a:endParaRPr>
           </a:p>
         </p:txBody>
       </p:sp>
@@ -1774,6 +1833,7 @@
           </p:style>
           <p:txBody>
             <a:bodyPr rtlCol="0" anchor="ctr"/>
+            <a:lstStyle/>
             <a:p>
               <a:pPr algn="ctr"/>
               <a:endParaRPr lang="zh-CN" altLang="en-US"/>
@@ -1799,6 +1859,7 @@
             <a:bodyPr wrap="square">
               <a:spAutoFit/>
             </a:bodyPr>
+            <a:lstStyle/>
             <a:p>
               <a:r>
                 <a:rPr lang="en-US" altLang="zh-CN" sz="2000" b="1" dirty="0">
@@ -1832,11 +1893,6 @@
                 </a:rPr>
                 <a:t>fice Visio中的各种图表可了解、操作和共享企业内组织系统、资源和流程的有关信息。</a:t>
               </a:r>
-              <a:endParaRPr lang="zh-CN" altLang="en-US" sz="2000" b="1" dirty="0">
-                <a:solidFill>
-                  <a:schemeClr val="bg1"/>
-                </a:solidFill>
-              </a:endParaRPr>
             </a:p>
             <a:p>
               <a:endParaRPr lang="zh-CN" altLang="en-US" sz="2000" b="1" dirty="0">
@@ -1910,11 +1966,6 @@
                 </a:rPr>
                 <a:t>，</a:t>
               </a:r>
-              <a:endParaRPr lang="zh-CN" altLang="en-US" sz="2000" b="1" dirty="0">
-                <a:solidFill>
-                  <a:schemeClr val="bg1"/>
-                </a:solidFill>
-              </a:endParaRPr>
             </a:p>
             <a:p>
               <a:r>
@@ -1957,11 +2008,6 @@
                 </a:rPr>
                 <a:t>这也是微软的传统)，所以用于图形语义的描述比较方便，但是用于软件开发过程的选代开发则力不从心。</a:t>
               </a:r>
-              <a:endParaRPr lang="zh-CN" altLang="en-US" sz="2000" b="1" dirty="0">
-                <a:solidFill>
-                  <a:schemeClr val="bg1"/>
-                </a:solidFill>
-              </a:endParaRPr>
             </a:p>
           </p:txBody>
         </p:sp>
@@ -2206,7 +2252,7 @@
           <p:nvPr/>
         </p:nvPicPr>
         <p:blipFill>
-          <a:blip r:embed="rId1"/>
+          <a:blip r:embed="rId3"/>
           <a:stretch>
             <a:fillRect/>
           </a:stretch>
@@ -2459,6 +2505,7 @@
           </p:style>
           <p:txBody>
             <a:bodyPr rtlCol="0" anchor="ctr"/>
+            <a:lstStyle/>
             <a:p>
               <a:pPr algn="ctr"/>
               <a:endParaRPr lang="zh-CN" altLang="en-US"/>
@@ -2484,6 +2531,7 @@
             <a:bodyPr wrap="square">
               <a:spAutoFit/>
             </a:bodyPr>
+            <a:lstStyle/>
             <a:p>
               <a:endParaRPr lang="zh-CN" altLang="en-US" sz="2000" b="1" dirty="0">
                 <a:solidFill>
@@ -2588,11 +2636,6 @@
                 </a:rPr>
                 <a:t>。它可与许多流行的数据库设计软件，如PowerBuilder、Delphi、VB等相配合使用来缩短开发时间和使系统设计更优化。</a:t>
               </a:r>
-              <a:endParaRPr lang="zh-CN" altLang="en-US" sz="2000" b="1" dirty="0">
-                <a:solidFill>
-                  <a:schemeClr val="bg1"/>
-                </a:solidFill>
-              </a:endParaRPr>
             </a:p>
             <a:p>
               <a:r>
@@ -2627,11 +2670,6 @@
                 </a:rPr>
                 <a:t>的支持。</a:t>
               </a:r>
-              <a:endParaRPr lang="zh-CN" altLang="en-US" sz="2000" b="1" dirty="0">
-                <a:solidFill>
-                  <a:schemeClr val="bg1"/>
-                </a:solidFill>
-              </a:endParaRPr>
             </a:p>
             <a:p>
               <a:r>
@@ -2666,11 +2704,6 @@
                 </a:rPr>
                 <a:t>。PowerDesigner 运行在Microsoft Windows平台上，并提供了Eclipse 插件。</a:t>
               </a:r>
-              <a:endParaRPr lang="zh-CN" altLang="en-US" sz="2000" b="1" dirty="0">
-                <a:solidFill>
-                  <a:schemeClr val="bg1"/>
-                </a:solidFill>
-              </a:endParaRPr>
             </a:p>
           </p:txBody>
         </p:sp>
@@ -2905,6 +2938,7 @@
           </p:style>
           <p:txBody>
             <a:bodyPr rtlCol="0" anchor="ctr"/>
+            <a:lstStyle/>
             <a:p>
               <a:pPr algn="ctr"/>
               <a:endParaRPr lang="zh-CN" altLang="en-US"/>
@@ -2930,6 +2964,7 @@
             <a:bodyPr wrap="square">
               <a:spAutoFit/>
             </a:bodyPr>
+            <a:lstStyle/>
             <a:p>
               <a:pPr algn="l"/>
               <a:r>
@@ -2952,11 +2987,6 @@
                 </a:rPr>
                 <a:t>PowerDesigner对数据库建模的支持非常好，支持了90%左右的数据库，但对</a:t>
               </a:r>
-              <a:endParaRPr lang="zh-CN" altLang="en-US" sz="2000" b="1" dirty="0">
-                <a:solidFill>
-                  <a:schemeClr val="bg1"/>
-                </a:solidFill>
-              </a:endParaRPr>
             </a:p>
             <a:p>
               <a:pPr algn="l"/>
@@ -2992,11 +3022,6 @@
                 </a:rPr>
                 <a:t>建模使用的各种图的支持不尽人意，虽然在近几个版本上有所加强，但使用它来进行</a:t>
               </a:r>
-              <a:endParaRPr lang="zh-CN" altLang="en-US" sz="2000" b="1" dirty="0">
-                <a:solidFill>
-                  <a:schemeClr val="bg1"/>
-                </a:solidFill>
-              </a:endParaRPr>
             </a:p>
             <a:p>
               <a:pPr algn="l"/>
@@ -3016,11 +3041,6 @@
                 </a:rPr>
                 <a:t>UML开发的人并不是很多，很多人都是用它米进行数据库的建模。</a:t>
               </a:r>
-              <a:endParaRPr lang="zh-CN" altLang="en-US" sz="2000" b="1" dirty="0">
-                <a:solidFill>
-                  <a:schemeClr val="bg1"/>
-                </a:solidFill>
-              </a:endParaRPr>
             </a:p>
             <a:p>
               <a:pPr algn="l"/>
@@ -3048,11 +3068,6 @@
                 </a:rPr>
                 <a:t>但不可否认的是，使用UML分析，PowerDesigner可以生成代码，并对Sybase的</a:t>
               </a:r>
-              <a:endParaRPr lang="zh-CN" altLang="en-US" sz="2000" b="1" dirty="0">
-                <a:solidFill>
-                  <a:schemeClr val="bg1"/>
-                </a:solidFill>
-              </a:endParaRPr>
             </a:p>
             <a:p>
               <a:pPr algn="l"/>
@@ -3072,11 +3087,6 @@
                 </a:rPr>
                 <a:t>产品、C++、Java、VB、C#有很好的支持。</a:t>
               </a:r>
-              <a:endParaRPr lang="zh-CN" altLang="en-US" sz="2000" b="1" dirty="0">
-                <a:solidFill>
-                  <a:schemeClr val="bg1"/>
-                </a:solidFill>
-              </a:endParaRPr>
             </a:p>
           </p:txBody>
         </p:sp>
@@ -3313,6 +3323,7 @@
           </p:style>
           <p:txBody>
             <a:bodyPr rtlCol="0" anchor="ctr"/>
+            <a:lstStyle/>
             <a:p>
               <a:pPr algn="ctr"/>
               <a:endParaRPr lang="zh-CN" altLang="en-US"/>
@@ -3338,6 +3349,7 @@
             <a:bodyPr wrap="square">
               <a:spAutoFit/>
             </a:bodyPr>
+            <a:lstStyle/>
             <a:p>
               <a:r>
                 <a:rPr lang="en-US" altLang="zh-CN" sz="2000" b="1" dirty="0">
@@ -3371,11 +3383,6 @@
                 </a:rPr>
                 <a:t>开发工具，是由韩国公司主导开发出来的产品，可以直接到StarUML网站下载。</a:t>
               </a:r>
-              <a:endParaRPr lang="zh-CN" altLang="en-US" sz="2000" b="1" dirty="0">
-                <a:solidFill>
-                  <a:schemeClr val="bg1"/>
-                </a:solidFill>
-              </a:endParaRPr>
             </a:p>
             <a:p>
               <a:r>
@@ -3394,11 +3401,6 @@
                 </a:rPr>
                 <a:t>StarUML是一种创建UML类图，生成类图和其他类型的统一建模语言(UML)图表的工具。StarUML 发展快、灵活、可扩展性强。</a:t>
               </a:r>
-              <a:endParaRPr lang="zh-CN" altLang="en-US" sz="2000" b="1" dirty="0">
-                <a:solidFill>
-                  <a:schemeClr val="bg1"/>
-                </a:solidFill>
-              </a:endParaRPr>
             </a:p>
             <a:p>
               <a:endParaRPr lang="zh-CN" altLang="en-US" sz="2000" b="1" dirty="0">
@@ -3439,11 +3441,6 @@
                 </a:rPr>
                 <a:t>      UML2.0分为两大类：结构图(Structure Diagram)和行为图(Behavior Diagram)共13种图。结构图用于对系统的静态结构建模，包括类图、组合结构图、构件图、部署图、对象图和包图；行为图用于对系统的动态行为建模，包括实例图、交互图(顺序图、通信图、交互概览图、计时图)、活动图和状态机图。StarUML可支持这些图的绘制。</a:t>
               </a:r>
-              <a:endParaRPr lang="zh-CN" altLang="en-US" sz="2000" b="1" dirty="0">
-                <a:solidFill>
-                  <a:schemeClr val="bg1"/>
-                </a:solidFill>
-              </a:endParaRPr>
             </a:p>
             <a:p>
               <a:r>
@@ -3462,11 +3459,6 @@
                 </a:rPr>
                 <a:t> 2.完全免费</a:t>
               </a:r>
-              <a:endParaRPr lang="zh-CN" altLang="en-US" sz="2000" b="1" dirty="0">
-                <a:solidFill>
-                  <a:schemeClr val="tx1"/>
-                </a:solidFill>
-              </a:endParaRPr>
             </a:p>
             <a:p>
               <a:r>
@@ -3477,11 +3469,6 @@
                 </a:rPr>
                 <a:t>      StarUML是一套开放源码的软件，不仅免费自由下载，连代码都免费开放。</a:t>
               </a:r>
-              <a:endParaRPr lang="zh-CN" altLang="en-US" sz="2000" b="1" dirty="0">
-                <a:solidFill>
-                  <a:schemeClr val="bg1"/>
-                </a:solidFill>
-              </a:endParaRPr>
             </a:p>
           </p:txBody>
         </p:sp>
@@ -3716,6 +3703,7 @@
           </p:style>
           <p:txBody>
             <a:bodyPr rtlCol="0" anchor="ctr"/>
+            <a:lstStyle/>
             <a:p>
               <a:pPr algn="ctr"/>
               <a:endParaRPr lang="zh-CN" altLang="en-US"/>
@@ -3741,6 +3729,7 @@
             <a:bodyPr wrap="square">
               <a:spAutoFit/>
             </a:bodyPr>
+            <a:lstStyle/>
             <a:p>
               <a:pPr algn="l"/>
               <a:r>
@@ -3759,11 +3748,6 @@
                 </a:rPr>
                 <a:t>3.多种格式</a:t>
               </a:r>
-              <a:endParaRPr lang="zh-CN" altLang="en-US" sz="2000" b="1" dirty="0">
-                <a:solidFill>
-                  <a:schemeClr val="tx1"/>
-                </a:solidFill>
-              </a:endParaRPr>
             </a:p>
             <a:p>
               <a:pPr algn="l"/>
@@ -3791,11 +3775,6 @@
                 </a:rPr>
                 <a:t>的语法规则，不支持违反语法的动作。</a:t>
               </a:r>
-              <a:endParaRPr lang="zh-CN" altLang="en-US" sz="2000" b="1" dirty="0">
-                <a:solidFill>
-                  <a:schemeClr val="bg1"/>
-                </a:solidFill>
-              </a:endParaRPr>
             </a:p>
             <a:p>
               <a:pPr algn="l"/>
@@ -3831,11 +3810,6 @@
                 </a:rPr>
                 <a:t>      无论是把设计模型转换成代码，还是把代码转换为设计模型，都是一项非常复杂的工作。正向和逆向工程这两方面结合在一起，定义为双向工程。双向工程提供了一种机制，它使系统架构或者设计模型与代码之间进行双向交换。</a:t>
               </a:r>
-              <a:endParaRPr lang="zh-CN" altLang="en-US" sz="2000" b="1" dirty="0">
-                <a:solidFill>
-                  <a:schemeClr val="bg1"/>
-                </a:solidFill>
-              </a:endParaRPr>
             </a:p>
             <a:p>
               <a:pPr algn="l"/>
@@ -3863,11 +3837,6 @@
                 </a:rPr>
                 <a:t>，开发者不需要编写类、属性、方法代码。一般情况下，开发人员将系统设计细化到一定的级别，然后应用正向工程。</a:t>
               </a:r>
-              <a:endParaRPr lang="zh-CN" altLang="en-US" sz="2000" b="1" dirty="0">
-                <a:solidFill>
-                  <a:schemeClr val="bg1"/>
-                </a:solidFill>
-              </a:endParaRPr>
             </a:p>
             <a:p>
               <a:pPr algn="l"/>
@@ -3895,11 +3864,6 @@
                 </a:rPr>
                 <a:t>。 在选代开发周期中，一旦某个模型作为迭代的一部分被修改,采用正向工程把新的类、方法、属性加入代码；同时，一旦某些代码被修改，采用逆向工程，将修改后的代码转换为设计模型。</a:t>
               </a:r>
-              <a:endParaRPr lang="zh-CN" altLang="en-US" sz="2000" b="1" dirty="0">
-                <a:solidFill>
-                  <a:schemeClr val="bg1"/>
-                </a:solidFill>
-              </a:endParaRPr>
             </a:p>
             <a:p>
               <a:pPr algn="l"/>
@@ -3943,11 +3907,6 @@
                 </a:rPr>
                 <a:t>是想要解析源码时，可以通过反转的类图来理解，不再需要查看一行又一行的代码，这将节省大量的时间和精力。</a:t>
               </a:r>
-              <a:endParaRPr lang="zh-CN" altLang="en-US" sz="2000" b="1" dirty="0">
-                <a:solidFill>
-                  <a:schemeClr val="bg1"/>
-                </a:solidFill>
-              </a:endParaRPr>
             </a:p>
           </p:txBody>
         </p:sp>
@@ -4184,6 +4143,7 @@
           </p:style>
           <p:txBody>
             <a:bodyPr rtlCol="0" anchor="ctr"/>
+            <a:lstStyle/>
             <a:p>
               <a:pPr algn="ctr"/>
               <a:endParaRPr lang="zh-CN" altLang="en-US"/>
@@ -4209,6 +4169,7 @@
             <a:bodyPr wrap="square">
               <a:spAutoFit/>
             </a:bodyPr>
+            <a:lstStyle/>
             <a:p>
               <a:r>
                 <a:rPr lang="en-US" sz="2000" b="1" dirty="0">
@@ -4226,11 +4187,6 @@
                 </a:rPr>
                 <a:t>5.支持XMI</a:t>
               </a:r>
-              <a:endParaRPr sz="2000" b="1" dirty="0">
-                <a:solidFill>
-                  <a:schemeClr val="tx1"/>
-                </a:solidFill>
-              </a:endParaRPr>
             </a:p>
             <a:p>
               <a:r>
@@ -4289,11 +4245,6 @@
                 </a:rPr>
                 <a:t>模型。</a:t>
               </a:r>
-              <a:endParaRPr sz="2000" b="1" dirty="0">
-                <a:solidFill>
-                  <a:schemeClr val="bg1"/>
-                </a:solidFill>
-              </a:endParaRPr>
             </a:p>
             <a:p>
               <a:r>
@@ -4312,11 +4263,6 @@
                 </a:rPr>
                 <a:t> 6.导人Rose文件</a:t>
               </a:r>
-              <a:endParaRPr sz="2000" b="1" dirty="0">
-                <a:solidFill>
-                  <a:schemeClr val="tx1"/>
-                </a:solidFill>
-              </a:endParaRPr>
             </a:p>
             <a:p>
               <a:r>
@@ -4327,11 +4273,6 @@
                 </a:rPr>
                 <a:t>      StarUML可以读取Rational Rose生成的文件，让原先Rose的用户可以转而使用免费的StarUMI。早期Rational Rose是市场占有率最高的UML开发工具，同时也是相当昂贵的工具。由于Rational Rose非常闻名，后来被IBM收购了。</a:t>
               </a:r>
-              <a:endParaRPr sz="2000" b="1" dirty="0">
-                <a:solidFill>
-                  <a:schemeClr val="bg1"/>
-                </a:solidFill>
-              </a:endParaRPr>
             </a:p>
             <a:p>
               <a:r>
@@ -4397,11 +4338,6 @@
                 </a:rPr>
                 <a:t>也支持三种常用的EJB模式，分别为EntityEJB、MessageDrivenEJB、SessionEJB。</a:t>
               </a:r>
-              <a:endParaRPr sz="2000" b="1" dirty="0">
-                <a:solidFill>
-                  <a:schemeClr val="bg1"/>
-                </a:solidFill>
-              </a:endParaRPr>
             </a:p>
           </p:txBody>
         </p:sp>
@@ -4562,9 +4498,6 @@
               </a:rPr>
               <a:t>StarUML</a:t>
             </a:r>
-            <a:endParaRPr lang="en-US" sz="2800" dirty="0" smtClean="0">
-              <a:sym typeface="+mn-ea"/>
-            </a:endParaRPr>
           </a:p>
           <a:p>
             <a:pPr algn="l"/>
@@ -4592,7 +4525,7 @@
           <p:nvPr/>
         </p:nvPicPr>
         <p:blipFill>
-          <a:blip r:embed="rId1"/>
+          <a:blip r:embed="rId2"/>
           <a:stretch>
             <a:fillRect/>
           </a:stretch>
@@ -4827,6 +4760,7 @@
           </p:style>
           <p:txBody>
             <a:bodyPr rtlCol="0" anchor="ctr"/>
+            <a:lstStyle/>
             <a:p>
               <a:pPr algn="ctr"/>
               <a:endParaRPr lang="zh-CN" altLang="en-US"/>
@@ -4852,6 +4786,7 @@
             <a:bodyPr wrap="square">
               <a:spAutoFit/>
             </a:bodyPr>
+            <a:lstStyle/>
             <a:p>
               <a:r>
                 <a:rPr lang="en-US" sz="2000" b="1" dirty="0">
@@ -4893,11 +4828,6 @@
                 </a:rPr>
                 <a:t>模式分别是什么：</a:t>
               </a:r>
-              <a:endParaRPr lang="zh-CN" altLang="en-US" sz="2800" b="1" dirty="0">
-                <a:solidFill>
-                  <a:schemeClr val="bg1"/>
-                </a:solidFill>
-              </a:endParaRPr>
             </a:p>
           </p:txBody>
         </p:sp>
@@ -4926,7 +4856,14 @@
         <p:cNvGrpSpPr/>
         <p:nvPr/>
       </p:nvGrpSpPr>
-      <p:grpSpPr/>
+      <p:grpSpPr>
+        <a:xfrm>
+          <a:off x="0" y="0"/>
+          <a:ext cx="0" cy="0"/>
+          <a:chOff x="0" y="0"/>
+          <a:chExt cx="0" cy="0"/>
+        </a:xfrm>
+      </p:grpSpPr>
       <p:sp>
         <p:nvSpPr>
           <p:cNvPr id="4" name="椭圆 3"/>
@@ -5051,7 +4988,7 @@
           <a:p>
             <a:pPr algn="ctr" fontAlgn="auto"/>
             <a:r>
-              <a:rPr lang="en-US" sz="2800" noProof="1" dirty="0" smtClean="0">
+              <a:rPr lang="en-US" sz="2800" noProof="1" smtClean="0">
                 <a:solidFill>
                   <a:schemeClr val="bg1"/>
                 </a:solidFill>
@@ -5069,7 +5006,7 @@
               <a:t>3.2</a:t>
             </a:r>
             <a:r>
-              <a:rPr lang="en-US" altLang="zh-CN" sz="2800" noProof="1" dirty="0" smtClean="0">
+              <a:rPr lang="en-US" altLang="zh-CN" sz="2800" noProof="1" smtClean="0">
                 <a:solidFill>
                   <a:schemeClr val="bg1"/>
                 </a:solidFill>
@@ -5087,7 +5024,7 @@
               <a:t>StarUML</a:t>
             </a:r>
             <a:r>
-              <a:rPr lang="zh-CN" altLang="en-US" sz="2800" noProof="1" dirty="0" smtClean="0">
+              <a:rPr lang="zh-CN" altLang="en-US" sz="2800" noProof="1" smtClean="0">
                 <a:solidFill>
                   <a:schemeClr val="bg1"/>
                 </a:solidFill>
@@ -5104,21 +5041,6 @@
               </a:rPr>
               <a:t>的安装和配置</a:t>
             </a:r>
-            <a:endParaRPr lang="zh-CN" altLang="en-US" sz="2800" noProof="1" dirty="0" smtClean="0">
-              <a:solidFill>
-                <a:schemeClr val="bg1"/>
-              </a:solidFill>
-              <a:effectLst>
-                <a:outerShdw blurRad="38100" dist="38100" dir="2700000" algn="tl">
-                  <a:srgbClr val="000000">
-                    <a:alpha val="43137"/>
-                  </a:srgbClr>
-                </a:outerShdw>
-              </a:effectLst>
-              <a:latin typeface="+mj-lt"/>
-              <a:ea typeface="+mn-ea"/>
-              <a:cs typeface="Arial" panose="020B0604020202020204" pitchFamily="34" charset="0"/>
-            </a:endParaRPr>
           </a:p>
         </p:txBody>
       </p:sp>
@@ -5145,6 +5067,7 @@
           <a:bodyPr wrap="square" anchor="t">
             <a:spAutoFit/>
           </a:bodyPr>
+          <a:lstStyle/>
           <a:p>
             <a:r>
               <a:rPr lang="zh-CN" altLang="en-US" sz="1200" dirty="0">
@@ -5167,10 +5090,6 @@
               </a:rPr>
               <a:t>版本</a:t>
             </a:r>
-            <a:endParaRPr lang="zh-CN" altLang="en-US" sz="1200" dirty="0">
-              <a:latin typeface="等线" panose="02010600030101010101" charset="-122"/>
-              <a:ea typeface="等线" panose="02010600030101010101" charset="-122"/>
-            </a:endParaRPr>
           </a:p>
         </p:txBody>
       </p:sp>
@@ -5197,6 +5116,7 @@
           <a:bodyPr wrap="none" anchor="t">
             <a:spAutoFit/>
           </a:bodyPr>
+          <a:lstStyle/>
           <a:p>
             <a:r>
               <a:rPr lang="zh-CN" altLang="zh-CN" sz="2000" b="1" dirty="0">
@@ -5205,10 +5125,6 @@
               </a:rPr>
               <a:t>简述</a:t>
             </a:r>
-            <a:endParaRPr lang="zh-CN" altLang="zh-CN" sz="2000" b="1" dirty="0">
-              <a:latin typeface="等线" panose="02010600030101010101" charset="-122"/>
-              <a:ea typeface="等线" panose="02010600030101010101" charset="-122"/>
-            </a:endParaRPr>
           </a:p>
         </p:txBody>
       </p:sp>
@@ -5455,9 +5371,6 @@
               </a:rPr>
               <a:t>UML</a:t>
             </a:r>
-            <a:endParaRPr lang="en-US" altLang="zh-CN" sz="2800" dirty="0" smtClean="0">
-              <a:latin typeface="+mj-lt"/>
-            </a:endParaRPr>
           </a:p>
           <a:p>
             <a:pPr algn="ctr"/>
@@ -5467,9 +5380,6 @@
               </a:rPr>
               <a:t>建模工具</a:t>
             </a:r>
-            <a:endParaRPr lang="zh-CN" altLang="en-US" sz="2800" dirty="0" smtClean="0">
-              <a:latin typeface="+mj-lt"/>
-            </a:endParaRPr>
           </a:p>
         </p:txBody>
       </p:sp>
@@ -5502,9 +5412,6 @@
               </a:rPr>
               <a:t>StarUML</a:t>
             </a:r>
-            <a:endParaRPr lang="en-US" sz="2800" dirty="0" smtClean="0">
-              <a:latin typeface="+mj-lt"/>
-            </a:endParaRPr>
           </a:p>
           <a:p>
             <a:pPr algn="ctr"/>
@@ -5514,9 +5421,6 @@
               </a:rPr>
               <a:t>安装与配置</a:t>
             </a:r>
-            <a:endParaRPr lang="zh-CN" altLang="en-US" sz="2800" dirty="0">
-              <a:latin typeface="+mj-lt"/>
-            </a:endParaRPr>
           </a:p>
         </p:txBody>
       </p:sp>
@@ -5555,9 +5459,6 @@
               </a:rPr>
               <a:t>StarUML</a:t>
             </a:r>
-            <a:endParaRPr lang="en-US" altLang="zh-CN" sz="2800" dirty="0" smtClean="0">
-              <a:latin typeface="+mj-lt"/>
-            </a:endParaRPr>
           </a:p>
           <a:p>
             <a:pPr algn="ctr"/>
@@ -5567,9 +5468,6 @@
               </a:rPr>
               <a:t>建模</a:t>
             </a:r>
-            <a:endParaRPr lang="zh-CN" altLang="en-US" sz="2800" dirty="0" smtClean="0">
-              <a:latin typeface="+mj-lt"/>
-            </a:endParaRPr>
           </a:p>
         </p:txBody>
       </p:sp>
@@ -5602,9 +5500,6 @@
               </a:rPr>
               <a:t>双向工程</a:t>
             </a:r>
-            <a:endParaRPr lang="zh-CN" sz="2800" dirty="0" smtClean="0">
-              <a:latin typeface="+mj-lt"/>
-            </a:endParaRPr>
           </a:p>
         </p:txBody>
       </p:sp>
@@ -5700,20 +5595,6 @@
               </a:rPr>
               <a:t>Contents</a:t>
             </a:r>
-            <a:endParaRPr lang="en-US" altLang="zh-CN" sz="4800" dirty="0">
-              <a:solidFill>
-                <a:schemeClr val="bg1"/>
-              </a:solidFill>
-              <a:effectLst>
-                <a:outerShdw blurRad="38100" dist="38100" dir="2700000" algn="tl">
-                  <a:srgbClr val="000000">
-                    <a:alpha val="43137"/>
-                  </a:srgbClr>
-                </a:outerShdw>
-              </a:effectLst>
-              <a:latin typeface="+mj-lt"/>
-              <a:cs typeface="Arial" panose="020B0604020202020204" pitchFamily="34" charset="0"/>
-            </a:endParaRPr>
           </a:p>
         </p:txBody>
       </p:sp>
@@ -6146,7 +6027,14 @@
         <p:cNvGrpSpPr/>
         <p:nvPr/>
       </p:nvGrpSpPr>
-      <p:grpSpPr/>
+      <p:grpSpPr>
+        <a:xfrm>
+          <a:off x="0" y="0"/>
+          <a:ext cx="0" cy="0"/>
+          <a:chOff x="0" y="0"/>
+          <a:chExt cx="0" cy="0"/>
+        </a:xfrm>
+      </p:grpSpPr>
       <p:sp>
         <p:nvSpPr>
           <p:cNvPr id="5" name="矩形 4"/>
@@ -6190,18 +6078,17 @@
           <a:p>
             <a:pPr algn="ctr" fontAlgn="auto"/>
             <a:r>
-              <a:rPr lang="zh-CN" altLang="en-US" strike="noStrike" noProof="1" dirty="0"/>
+              <a:rPr lang="zh-CN" altLang="en-US" strike="noStrike" noProof="1"/>
               <a:t>网上下载</a:t>
             </a:r>
             <a:r>
-              <a:rPr lang="en-US" altLang="zh-CN" strike="noStrike" noProof="1" dirty="0"/>
+              <a:rPr lang="en-US" altLang="zh-CN" strike="noStrike" noProof="1"/>
               <a:t>StarUML</a:t>
             </a:r>
             <a:r>
-              <a:rPr lang="zh-CN" altLang="en-US" strike="noStrike" noProof="1" dirty="0"/>
+              <a:rPr lang="zh-CN" altLang="en-US" strike="noStrike" noProof="1"/>
               <a:t>安装包</a:t>
             </a:r>
-            <a:endParaRPr lang="zh-CN" altLang="en-US" strike="noStrike" noProof="1" dirty="0"/>
           </a:p>
         </p:txBody>
       </p:sp>
@@ -6248,10 +6135,9 @@
           <a:p>
             <a:pPr algn="ctr" fontAlgn="auto"/>
             <a:r>
-              <a:rPr lang="zh-CN" altLang="en-US" strike="noStrike" noProof="1" dirty="0"/>
+              <a:rPr lang="zh-CN" altLang="en-US" strike="noStrike" noProof="1"/>
               <a:t>接受协议</a:t>
             </a:r>
-            <a:endParaRPr lang="zh-CN" altLang="en-US" strike="noStrike" noProof="1" dirty="0"/>
           </a:p>
         </p:txBody>
       </p:sp>
@@ -6298,10 +6184,9 @@
           <a:p>
             <a:pPr algn="ctr" fontAlgn="auto"/>
             <a:r>
-              <a:rPr lang="zh-CN" strike="noStrike" noProof="1" dirty="0"/>
+              <a:rPr lang="zh-CN" strike="noStrike" noProof="1"/>
               <a:t>选择路径</a:t>
             </a:r>
-            <a:endParaRPr lang="zh-CN" strike="noStrike" noProof="1" dirty="0"/>
           </a:p>
         </p:txBody>
       </p:sp>
@@ -6328,6 +6213,7 @@
           <a:bodyPr wrap="square" anchor="t">
             <a:spAutoFit/>
           </a:bodyPr>
+          <a:lstStyle/>
           <a:p>
             <a:pPr marL="285750" indent="-285750">
               <a:buClr>
@@ -6346,13 +6232,6 @@
               </a:rPr>
               <a:t>网址https://staruml.en.softonic.com/</a:t>
             </a:r>
-            <a:endParaRPr lang="zh-CN" altLang="en-US" sz="1400" dirty="0">
-              <a:solidFill>
-                <a:srgbClr val="4D402B"/>
-              </a:solidFill>
-              <a:latin typeface="等线" panose="02010600030101010101" charset="-122"/>
-              <a:ea typeface="等线" panose="02010600030101010101" charset="-122"/>
-            </a:endParaRPr>
           </a:p>
           <a:p>
             <a:pPr marL="285750" indent="-285750">
@@ -6382,13 +6261,6 @@
               </a:rPr>
               <a:t>download</a:t>
             </a:r>
-            <a:endParaRPr lang="en-US" altLang="zh-CN" sz="1400" dirty="0">
-              <a:solidFill>
-                <a:srgbClr val="4D402B"/>
-              </a:solidFill>
-              <a:latin typeface="等线" panose="02010600030101010101" charset="-122"/>
-              <a:ea typeface="等线" panose="02010600030101010101" charset="-122"/>
-            </a:endParaRPr>
           </a:p>
           <a:p>
             <a:pPr marL="285750" indent="-285750">
@@ -6408,13 +6280,6 @@
               </a:rPr>
               <a:t>下载</a:t>
             </a:r>
-            <a:endParaRPr lang="zh-CN" altLang="en-US" sz="1400" dirty="0">
-              <a:solidFill>
-                <a:srgbClr val="4D402B"/>
-              </a:solidFill>
-              <a:latin typeface="等线" panose="02010600030101010101" charset="-122"/>
-              <a:ea typeface="等线" panose="02010600030101010101" charset="-122"/>
-            </a:endParaRPr>
           </a:p>
           <a:p>
             <a:pPr marL="285750" indent="-285750">
@@ -6431,10 +6296,6 @@
               </a:rPr>
               <a:t>打开安装包</a:t>
             </a:r>
-            <a:endParaRPr lang="zh-CN" altLang="en-US" sz="1400" dirty="0">
-              <a:latin typeface="等线" panose="02010600030101010101" charset="-122"/>
-              <a:ea typeface="等线" panose="02010600030101010101" charset="-122"/>
-            </a:endParaRPr>
           </a:p>
         </p:txBody>
       </p:sp>
@@ -6461,6 +6322,7 @@
           <a:bodyPr wrap="square" anchor="t">
             <a:spAutoFit/>
           </a:bodyPr>
+          <a:lstStyle/>
           <a:p>
             <a:pPr marL="285750" indent="-285750">
               <a:buClr>
@@ -6479,13 +6341,6 @@
               </a:rPr>
               <a:t>选择接受</a:t>
             </a:r>
-            <a:endParaRPr lang="zh-CN" altLang="en-US" sz="1400" dirty="0">
-              <a:solidFill>
-                <a:srgbClr val="4D402B"/>
-              </a:solidFill>
-              <a:latin typeface="等线" panose="02010600030101010101" charset="-122"/>
-              <a:ea typeface="等线" panose="02010600030101010101" charset="-122"/>
-            </a:endParaRPr>
           </a:p>
           <a:p>
             <a:pPr marL="285750" indent="-285750">
@@ -6515,13 +6370,6 @@
               </a:rPr>
               <a:t>Next</a:t>
             </a:r>
-            <a:endParaRPr lang="en-US" altLang="zh-CN" sz="1400" dirty="0">
-              <a:solidFill>
-                <a:srgbClr val="4D402B"/>
-              </a:solidFill>
-              <a:latin typeface="等线" panose="02010600030101010101" charset="-122"/>
-              <a:ea typeface="等线" panose="02010600030101010101" charset="-122"/>
-            </a:endParaRPr>
           </a:p>
           <a:p>
             <a:pPr>
@@ -6569,7 +6417,7 @@
               <a:buChar char="l"/>
             </a:pPr>
             <a:r>
-              <a:rPr lang="zh-CN" altLang="en-US" sz="1400" strike="noStrike" noProof="1" dirty="0">
+              <a:rPr lang="zh-CN" altLang="en-US" sz="1400" strike="noStrike" noProof="1">
                 <a:solidFill>
                   <a:srgbClr val="4D402B"/>
                 </a:solidFill>
@@ -6580,7 +6428,7 @@
               <a:t>对话框中的界面为默认路径，如需修改需点击</a:t>
             </a:r>
             <a:r>
-              <a:rPr lang="en-US" altLang="zh-CN" sz="1400" strike="noStrike" noProof="1" dirty="0">
+              <a:rPr lang="en-US" altLang="zh-CN" sz="1400" strike="noStrike" noProof="1">
                 <a:solidFill>
                   <a:srgbClr val="4D402B"/>
                 </a:solidFill>
@@ -6590,14 +6438,6 @@
               </a:rPr>
               <a:t>browse</a:t>
             </a:r>
-            <a:endParaRPr lang="en-US" altLang="zh-CN" sz="1400" strike="noStrike" noProof="1" dirty="0">
-              <a:solidFill>
-                <a:srgbClr val="4D402B"/>
-              </a:solidFill>
-              <a:latin typeface="+mn-lt"/>
-              <a:ea typeface="+mn-ea"/>
-              <a:cs typeface="+mn-cs"/>
-            </a:endParaRPr>
           </a:p>
           <a:p>
             <a:pPr indent="0" fontAlgn="auto">
@@ -6607,7 +6447,7 @@
               <a:buFont typeface="Wingdings" panose="05000000000000000000" pitchFamily="2" charset="2"/>
               <a:buNone/>
             </a:pPr>
-            <a:endParaRPr lang="en-US" altLang="zh-CN" sz="1400" strike="noStrike" noProof="1" dirty="0">
+            <a:endParaRPr lang="en-US" altLang="zh-CN" sz="1400" strike="noStrike" noProof="1">
               <a:solidFill>
                 <a:srgbClr val="4D402B"/>
               </a:solidFill>
@@ -6621,7 +6461,7 @@
               <a:buFont typeface="Wingdings" panose="05000000000000000000" pitchFamily="2" charset="2"/>
               <a:buNone/>
             </a:pPr>
-            <a:endParaRPr lang="zh-CN" altLang="en-US" sz="1400" strike="noStrike" noProof="1" dirty="0">
+            <a:endParaRPr lang="zh-CN" altLang="en-US" sz="1400" strike="noStrike" noProof="1">
               <a:solidFill>
                 <a:srgbClr val="4D402B"/>
               </a:solidFill>
@@ -6748,6 +6588,7 @@
           <a:bodyPr wrap="none" anchor="t">
             <a:spAutoFit/>
           </a:bodyPr>
+          <a:lstStyle/>
           <a:p>
             <a:r>
               <a:rPr lang="en-US" altLang="zh-CN" sz="2000" b="1" dirty="0">
@@ -6779,13 +6620,6 @@
               </a:rPr>
               <a:t>示例</a:t>
             </a:r>
-            <a:endParaRPr lang="zh-CN" altLang="zh-CN" sz="2000" b="1" dirty="0">
-              <a:solidFill>
-                <a:srgbClr val="404040"/>
-              </a:solidFill>
-              <a:latin typeface="等线" panose="02010600030101010101" charset="-122"/>
-              <a:ea typeface="等线" panose="02010600030101010101" charset="-122"/>
-            </a:endParaRPr>
           </a:p>
         </p:txBody>
       </p:sp>
@@ -6798,7 +6632,7 @@
           <p:nvPr/>
         </p:nvPicPr>
         <p:blipFill>
-          <a:blip r:embed="rId1"/>
+          <a:blip r:embed="rId2"/>
           <a:stretch>
             <a:fillRect/>
           </a:stretch>
@@ -6822,7 +6656,7 @@
           <p:nvPr/>
         </p:nvPicPr>
         <p:blipFill>
-          <a:blip r:embed="rId2"/>
+          <a:blip r:embed="rId3"/>
           <a:stretch>
             <a:fillRect/>
           </a:stretch>
@@ -6846,7 +6680,7 @@
           <p:nvPr/>
         </p:nvPicPr>
         <p:blipFill>
-          <a:blip r:embed="rId3"/>
+          <a:blip r:embed="rId4"/>
           <a:stretch>
             <a:fillRect/>
           </a:stretch>
@@ -6878,7 +6712,14 @@
         <p:cNvGrpSpPr/>
         <p:nvPr/>
       </p:nvGrpSpPr>
-      <p:grpSpPr/>
+      <p:grpSpPr>
+        <a:xfrm>
+          <a:off x="0" y="0"/>
+          <a:ext cx="0" cy="0"/>
+          <a:chOff x="0" y="0"/>
+          <a:chExt cx="0" cy="0"/>
+        </a:xfrm>
+      </p:grpSpPr>
       <p:sp>
         <p:nvSpPr>
           <p:cNvPr id="5" name="矩形 4"/>
@@ -6922,10 +6763,9 @@
           <a:p>
             <a:pPr algn="ctr" fontAlgn="auto"/>
             <a:r>
-              <a:rPr lang="zh-CN" strike="noStrike" noProof="1" dirty="0"/>
+              <a:rPr lang="zh-CN" strike="noStrike" noProof="1"/>
               <a:t>选择文件夹</a:t>
             </a:r>
-            <a:endParaRPr lang="zh-CN" strike="noStrike" noProof="1" dirty="0"/>
           </a:p>
         </p:txBody>
       </p:sp>
@@ -6972,10 +6812,9 @@
           <a:p>
             <a:pPr algn="ctr" fontAlgn="auto"/>
             <a:r>
-              <a:rPr lang="zh-CN" strike="noStrike" noProof="1" dirty="0"/>
+              <a:rPr lang="zh-CN" strike="noStrike" noProof="1"/>
               <a:t>选择创建快捷方式</a:t>
             </a:r>
-            <a:endParaRPr lang="zh-CN" strike="noStrike" noProof="1" dirty="0"/>
           </a:p>
         </p:txBody>
       </p:sp>
@@ -7022,10 +6861,9 @@
           <a:p>
             <a:pPr algn="ctr" fontAlgn="auto"/>
             <a:r>
-              <a:rPr lang="zh-CN" strike="noStrike" noProof="1" dirty="0"/>
+              <a:rPr lang="zh-CN" strike="noStrike" noProof="1"/>
               <a:t>成功安装</a:t>
             </a:r>
-            <a:endParaRPr lang="zh-CN" strike="noStrike" noProof="1" dirty="0"/>
           </a:p>
         </p:txBody>
       </p:sp>
@@ -7148,6 +6986,7 @@
           <a:bodyPr wrap="none" anchor="t">
             <a:spAutoFit/>
           </a:bodyPr>
+          <a:lstStyle/>
           <a:p>
             <a:r>
               <a:rPr lang="en-US" altLang="zh-CN" sz="2000" b="1" dirty="0">
@@ -7179,13 +7018,6 @@
               </a:rPr>
               <a:t>示例</a:t>
             </a:r>
-            <a:endParaRPr lang="zh-CN" altLang="zh-CN" sz="2000" b="1" dirty="0">
-              <a:solidFill>
-                <a:srgbClr val="404040"/>
-              </a:solidFill>
-              <a:latin typeface="等线" panose="02010600030101010101" charset="-122"/>
-              <a:ea typeface="等线" panose="02010600030101010101" charset="-122"/>
-            </a:endParaRPr>
           </a:p>
         </p:txBody>
       </p:sp>
@@ -7212,6 +7044,7 @@
           <a:bodyPr wrap="none" anchor="t">
             <a:spAutoFit/>
           </a:bodyPr>
+          <a:lstStyle/>
           <a:p>
             <a:r>
               <a:rPr lang="en-US" altLang="zh-CN" sz="1100" dirty="0">
@@ -7272,7 +7105,7 @@
           <p:nvPr/>
         </p:nvPicPr>
         <p:blipFill>
-          <a:blip r:embed="rId1"/>
+          <a:blip r:embed="rId2"/>
           <a:stretch>
             <a:fillRect/>
           </a:stretch>
@@ -7296,7 +7129,7 @@
           <p:nvPr/>
         </p:nvPicPr>
         <p:blipFill>
-          <a:blip r:embed="rId2"/>
+          <a:blip r:embed="rId3"/>
           <a:stretch>
             <a:fillRect/>
           </a:stretch>
@@ -7320,7 +7153,7 @@
           <p:nvPr/>
         </p:nvPicPr>
         <p:blipFill>
-          <a:blip r:embed="rId3"/>
+          <a:blip r:embed="rId4"/>
           <a:stretch>
             <a:fillRect/>
           </a:stretch>
@@ -7352,7 +7185,14 @@
         <p:cNvGrpSpPr/>
         <p:nvPr/>
       </p:nvGrpSpPr>
-      <p:grpSpPr/>
+      <p:grpSpPr>
+        <a:xfrm>
+          <a:off x="0" y="0"/>
+          <a:ext cx="0" cy="0"/>
+          <a:chOff x="0" y="0"/>
+          <a:chExt cx="0" cy="0"/>
+        </a:xfrm>
+      </p:grpSpPr>
       <p:sp>
         <p:nvSpPr>
           <p:cNvPr id="7169" name="矩形 7"/>
@@ -7376,6 +7216,7 @@
           <a:bodyPr wrap="square" anchor="t">
             <a:spAutoFit/>
           </a:bodyPr>
+          <a:lstStyle/>
           <a:p>
             <a:pPr marL="285750" indent="-285750">
               <a:buClr>
@@ -7419,10 +7260,6 @@
               </a:rPr>
               <a:t>进行设置，设置成功就决定了工程所用的规则和约定，根据语言的关联选择合适的项</a:t>
             </a:r>
-            <a:endParaRPr lang="zh-CN" altLang="en-US" sz="1400" dirty="0">
-              <a:latin typeface="等线" panose="02010600030101010101" charset="-122"/>
-              <a:ea typeface="等线" panose="02010600030101010101" charset="-122"/>
-            </a:endParaRPr>
           </a:p>
         </p:txBody>
       </p:sp>
@@ -7545,6 +7382,7 @@
           <a:bodyPr wrap="none" anchor="t">
             <a:spAutoFit/>
           </a:bodyPr>
+          <a:lstStyle/>
           <a:p>
             <a:pPr algn="l"/>
             <a:r>
@@ -7618,6 +7456,7 @@
           <a:bodyPr wrap="none" anchor="t">
             <a:spAutoFit/>
           </a:bodyPr>
+          <a:lstStyle/>
           <a:p>
             <a:r>
               <a:rPr lang="en-US" altLang="zh-CN" sz="1100" dirty="0">
@@ -7678,7 +7517,7 @@
           <p:nvPr/>
         </p:nvPicPr>
         <p:blipFill>
-          <a:blip r:embed="rId1"/>
+          <a:blip r:embed="rId2"/>
           <a:stretch>
             <a:fillRect/>
           </a:stretch>
@@ -7909,20 +7748,6 @@
               </a:rPr>
               <a:t>建模</a:t>
             </a:r>
-            <a:endParaRPr lang="zh-CN" altLang="en-US" sz="4400" dirty="0" smtClean="0">
-              <a:solidFill>
-                <a:schemeClr val="bg1"/>
-              </a:solidFill>
-              <a:effectLst>
-                <a:outerShdw blurRad="38100" dist="38100" dir="2700000" algn="tl">
-                  <a:srgbClr val="000000">
-                    <a:alpha val="43137"/>
-                  </a:srgbClr>
-                </a:outerShdw>
-              </a:effectLst>
-              <a:latin typeface="+mj-lt"/>
-              <a:cs typeface="Arial" panose="020B0604020202020204" pitchFamily="34" charset="0"/>
-            </a:endParaRPr>
           </a:p>
         </p:txBody>
       </p:sp>
@@ -8028,7 +7853,6 @@
               <a:rPr lang="zh-CN" altLang="en-US" sz="1200" dirty="0"/>
               <a:t>）模式。</a:t>
             </a:r>
-            <a:endParaRPr lang="zh-CN" altLang="en-US" sz="1200" dirty="0"/>
           </a:p>
         </p:txBody>
       </p:sp>
@@ -8139,15 +7963,6 @@
               </a:rPr>
               <a:t>的开发界面主要由工具箱、绘图区、模型资源管理器和属性区等构成。</a:t>
             </a:r>
-            <a:endParaRPr lang="zh-CN" altLang="en-US" sz="1400" dirty="0">
-              <a:solidFill>
-                <a:schemeClr val="tx1">
-                  <a:lumMod val="75000"/>
-                  <a:lumOff val="25000"/>
-                </a:schemeClr>
-              </a:solidFill>
-              <a:latin typeface="+mj-lt"/>
-            </a:endParaRPr>
           </a:p>
         </p:txBody>
       </p:sp>
@@ -8290,14 +8105,6 @@
               </a:rPr>
               <a:t>主界面</a:t>
             </a:r>
-            <a:endParaRPr lang="zh-CN" altLang="en-US" sz="2000" b="1" dirty="0">
-              <a:solidFill>
-                <a:schemeClr val="tx1">
-                  <a:lumMod val="75000"/>
-                  <a:lumOff val="25000"/>
-                </a:schemeClr>
-              </a:solidFill>
-            </a:endParaRPr>
           </a:p>
         </p:txBody>
       </p:sp>
@@ -8310,7 +8117,7 @@
           <p:nvPr/>
         </p:nvPicPr>
         <p:blipFill>
-          <a:blip r:embed="rId1"/>
+          <a:blip r:embed="rId2"/>
           <a:stretch>
             <a:fillRect/>
           </a:stretch>
@@ -8364,7 +8171,7 @@
           <p:nvPr/>
         </p:nvGrpSpPr>
         <p:grpSpPr>
-          <a:xfrm rot="0">
+          <a:xfrm>
             <a:off x="1226185" y="1670050"/>
             <a:ext cx="4811395" cy="3610610"/>
             <a:chOff x="9682" y="4004"/>
@@ -8429,11 +8236,6 @@
                 </a:rPr>
                 <a:t>种图：类图、组合结构图、构件图、部署图、对象图、活动图、顺序图、通信图、交互概览图、计时图、用例图和状态机图。</a:t>
               </a:r>
-              <a:endParaRPr lang="zh-CN" altLang="en-US" sz="1600" dirty="0">
-                <a:latin typeface="宋体" panose="02010600030101010101" pitchFamily="2" charset="-122"/>
-                <a:ea typeface="宋体" panose="02010600030101010101" pitchFamily="2" charset="-122"/>
-                <a:cs typeface="宋体" panose="02010600030101010101" pitchFamily="2" charset="-122"/>
-              </a:endParaRPr>
             </a:p>
           </p:txBody>
         </p:sp>
@@ -8503,11 +8305,6 @@
                 </a:rPr>
                 <a:t>命令可以弹出如右图所示的菜单以供设计时选择。</a:t>
               </a:r>
-              <a:endParaRPr lang="zh-CN" altLang="en-US" dirty="0">
-                <a:latin typeface="宋体" panose="02010600030101010101" pitchFamily="2" charset="-122"/>
-                <a:ea typeface="宋体" panose="02010600030101010101" pitchFamily="2" charset="-122"/>
-                <a:cs typeface="宋体" panose="02010600030101010101" pitchFamily="2" charset="-122"/>
-              </a:endParaRPr>
             </a:p>
           </p:txBody>
         </p:sp>
@@ -8713,14 +8510,6 @@
                 </a:rPr>
                 <a:t>，图则是表示用户特定设计思想的可视元素的组合。</a:t>
               </a:r>
-              <a:endParaRPr lang="zh-CN" altLang="en-US" sz="1600" dirty="0">
-                <a:solidFill>
-                  <a:schemeClr val="tx1"/>
-                </a:solidFill>
-                <a:latin typeface="宋体" panose="02010600030101010101" pitchFamily="2" charset="-122"/>
-                <a:ea typeface="宋体" panose="02010600030101010101" pitchFamily="2" charset="-122"/>
-                <a:cs typeface="宋体" panose="02010600030101010101" pitchFamily="2" charset="-122"/>
-              </a:endParaRPr>
             </a:p>
           </p:txBody>
         </p:sp>
@@ -8864,14 +8653,6 @@
               </a:rPr>
               <a:t>的模型、视与图</a:t>
             </a:r>
-            <a:endParaRPr lang="zh-CN" altLang="en-US" sz="2000" b="1" dirty="0">
-              <a:solidFill>
-                <a:schemeClr val="tx1">
-                  <a:lumMod val="75000"/>
-                  <a:lumOff val="25000"/>
-                </a:schemeClr>
-              </a:solidFill>
-            </a:endParaRPr>
           </a:p>
         </p:txBody>
       </p:sp>
@@ -8884,7 +8665,7 @@
           <p:nvPr/>
         </p:nvPicPr>
         <p:blipFill>
-          <a:blip r:embed="rId1"/>
+          <a:blip r:embed="rId2"/>
           <a:stretch>
             <a:fillRect/>
           </a:stretch>
@@ -8989,15 +8770,6 @@
               </a:rPr>
               <a:t>中，项目是基本的管理单位。一个项目可以管理一个或多个软件模型，它是在任何模型中都存在的顶级的包。一般地说，一个项目保存在一个文件中。一个项目包含并管理如下表所示的三个子元素。</a:t>
             </a:r>
-            <a:endParaRPr lang="zh-CN" altLang="en-US" sz="2000" dirty="0">
-              <a:solidFill>
-                <a:schemeClr val="tx1">
-                  <a:lumMod val="75000"/>
-                  <a:lumOff val="25000"/>
-                </a:schemeClr>
-              </a:solidFill>
-              <a:latin typeface="+mj-lt"/>
-            </a:endParaRPr>
           </a:p>
         </p:txBody>
       </p:sp>
@@ -9140,14 +8912,6 @@
               </a:rPr>
               <a:t>建模的基本过程</a:t>
             </a:r>
-            <a:endParaRPr lang="zh-CN" altLang="en-US" sz="2000" b="1" dirty="0">
-              <a:solidFill>
-                <a:schemeClr val="tx1">
-                  <a:lumMod val="75000"/>
-                  <a:lumOff val="25000"/>
-                </a:schemeClr>
-              </a:solidFill>
-            </a:endParaRPr>
           </a:p>
         </p:txBody>
       </p:sp>
@@ -9159,7 +8923,7 @@
         </p:nvGraphicFramePr>
         <p:xfrm>
           <a:off x="1829435" y="3856990"/>
-          <a:ext cx="8533765" cy="1524000"/>
+          <a:ext cx="8533130" cy="1524000"/>
         </p:xfrm>
         <a:graphic>
           <a:graphicData uri="http://schemas.openxmlformats.org/drawingml/2006/table">
@@ -9175,6 +8939,7 @@
                 <a:tc>
                   <a:txBody>
                     <a:bodyPr/>
+                    <a:lstStyle/>
                     <a:p>
                       <a:pPr algn="ctr">
                         <a:buNone/>
@@ -9183,14 +8948,14 @@
                         <a:rPr lang="zh-CN" altLang="en-US"/>
                         <a:t>项目子元素</a:t>
                       </a:r>
-                      <a:endParaRPr lang="zh-CN" altLang="en-US"/>
                     </a:p>
                   </a:txBody>
-                  <a:tcPr anchor="ctr" anchorCtr="0"/>
+                  <a:tcPr anchor="ctr"/>
                 </a:tc>
                 <a:tc>
                   <a:txBody>
                     <a:bodyPr/>
+                    <a:lstStyle/>
                     <a:p>
                       <a:pPr algn="ctr">
                         <a:buNone/>
@@ -9199,16 +8964,16 @@
                         <a:rPr lang="zh-CN" altLang="en-US"/>
                         <a:t>描      述</a:t>
                       </a:r>
-                      <a:endParaRPr lang="zh-CN" altLang="en-US"/>
                     </a:p>
                   </a:txBody>
-                  <a:tcPr anchor="ctr" anchorCtr="0"/>
+                  <a:tcPr anchor="ctr"/>
                 </a:tc>
               </a:tr>
               <a:tr h="381000">
                 <a:tc>
                   <a:txBody>
                     <a:bodyPr/>
+                    <a:lstStyle/>
                     <a:p>
                       <a:pPr algn="ctr">
                         <a:buNone/>
@@ -9225,14 +8990,14 @@
                         <a:rPr lang="zh-CN" altLang="en-US"/>
                         <a:t>）</a:t>
                       </a:r>
-                      <a:endParaRPr lang="zh-CN" altLang="en-US"/>
                     </a:p>
                   </a:txBody>
-                  <a:tcPr anchor="ctr" anchorCtr="0"/>
+                  <a:tcPr anchor="ctr"/>
                 </a:tc>
                 <a:tc>
                   <a:txBody>
                     <a:bodyPr/>
+                    <a:lstStyle/>
                     <a:p>
                       <a:pPr algn="ctr">
                         <a:buNone/>
@@ -9241,16 +9006,16 @@
                         <a:rPr lang="zh-CN" altLang="en-US"/>
                         <a:t>管理一软件模型的元素</a:t>
                       </a:r>
-                      <a:endParaRPr lang="zh-CN" altLang="en-US"/>
                     </a:p>
                   </a:txBody>
-                  <a:tcPr anchor="ctr" anchorCtr="0"/>
+                  <a:tcPr anchor="ctr"/>
                 </a:tc>
               </a:tr>
               <a:tr h="381000">
                 <a:tc>
                   <a:txBody>
                     <a:bodyPr/>
+                    <a:lstStyle/>
                     <a:p>
                       <a:pPr algn="ctr">
                         <a:buNone/>
@@ -9267,14 +9032,14 @@
                         <a:rPr lang="zh-CN" altLang="en-US"/>
                         <a:t>）</a:t>
                       </a:r>
-                      <a:endParaRPr lang="zh-CN" altLang="en-US"/>
                     </a:p>
                   </a:txBody>
-                  <a:tcPr anchor="ctr" anchorCtr="0"/>
+                  <a:tcPr anchor="ctr"/>
                 </a:tc>
                 <a:tc>
                   <a:txBody>
                     <a:bodyPr/>
+                    <a:lstStyle/>
                     <a:p>
                       <a:pPr algn="ctr">
                         <a:buNone/>
@@ -9283,16 +9048,16 @@
                         <a:rPr lang="zh-CN" altLang="en-US"/>
                         <a:t>管理表示子系统的模型的元素</a:t>
                       </a:r>
-                      <a:endParaRPr lang="zh-CN" altLang="en-US"/>
                     </a:p>
                   </a:txBody>
-                  <a:tcPr anchor="ctr" anchorCtr="0"/>
+                  <a:tcPr anchor="ctr"/>
                 </a:tc>
               </a:tr>
               <a:tr h="381000">
                 <a:tc>
                   <a:txBody>
                     <a:bodyPr/>
+                    <a:lstStyle/>
                     <a:p>
                       <a:pPr algn="ctr">
                         <a:buNone/>
@@ -9309,14 +9074,14 @@
                         <a:rPr lang="zh-CN" altLang="en-US"/>
                         <a:t>）</a:t>
                       </a:r>
-                      <a:endParaRPr lang="zh-CN" altLang="en-US"/>
                     </a:p>
                   </a:txBody>
-                  <a:tcPr anchor="ctr" anchorCtr="0"/>
+                  <a:tcPr anchor="ctr"/>
                 </a:tc>
                 <a:tc>
                   <a:txBody>
                     <a:bodyPr/>
+                    <a:lstStyle/>
                     <a:p>
                       <a:pPr algn="ctr">
                         <a:buNone/>
@@ -9325,10 +9090,9 @@
                         <a:rPr lang="zh-CN" altLang="en-US"/>
                         <a:t>管理元素所需的最一般的元素</a:t>
                       </a:r>
-                      <a:endParaRPr lang="zh-CN" altLang="en-US"/>
                     </a:p>
                   </a:txBody>
-                  <a:tcPr anchor="ctr" anchorCtr="0"/>
+                  <a:tcPr anchor="ctr"/>
                 </a:tc>
               </a:tr>
             </a:tbl>
@@ -9376,7 +9140,7 @@
           <p:nvPr/>
         </p:nvPicPr>
         <p:blipFill>
-          <a:blip r:embed="rId1"/>
+          <a:blip r:embed="rId2"/>
           <a:srcRect/>
           <a:stretch>
             <a:fillRect/>
@@ -9438,7 +9202,6 @@
               <a:rPr lang="zh-CN" dirty="0"/>
               <a:t>创建新项目</a:t>
             </a:r>
-            <a:endParaRPr lang="zh-CN" dirty="0"/>
           </a:p>
         </p:txBody>
       </p:sp>
@@ -9615,237 +9378,6 @@
       <p:pic>
         <p:nvPicPr>
           <p:cNvPr id="3" name="图片占位符 5" descr="C:\Users\Foyer\Desktop\微信截图_20181021094632.png微信截图_20181021094632"/>
-          <p:cNvPicPr>
-            <a:picLocks noChangeAspect="1"/>
-          </p:cNvPicPr>
-          <p:nvPr/>
-        </p:nvPicPr>
-        <p:blipFill>
-          <a:blip r:embed="rId2"/>
-          <a:srcRect/>
-          <a:stretch>
-            <a:fillRect/>
-          </a:stretch>
-        </p:blipFill>
-        <p:spPr>
-          <a:xfrm>
-            <a:off x="8487410" y="1624330"/>
-            <a:ext cx="3670300" cy="2414905"/>
-          </a:xfrm>
-          <a:prstGeom prst="rect">
-            <a:avLst/>
-          </a:prstGeom>
-        </p:spPr>
-      </p:pic>
-      <p:sp>
-        <p:nvSpPr>
-          <p:cNvPr id="6" name="矩形 5"/>
-          <p:cNvSpPr/>
-          <p:nvPr/>
-        </p:nvSpPr>
-        <p:spPr>
-          <a:xfrm>
-            <a:off x="8487410" y="4229100"/>
-            <a:ext cx="3009900" cy="381000"/>
-          </a:xfrm>
-          <a:prstGeom prst="rect">
-            <a:avLst/>
-          </a:prstGeom>
-          <a:solidFill>
-            <a:srgbClr val="48A2A0"/>
-          </a:solidFill>
-          <a:ln>
-            <a:noFill/>
-          </a:ln>
-        </p:spPr>
-        <p:style>
-          <a:lnRef idx="2">
-            <a:schemeClr val="accent1">
-              <a:shade val="50000"/>
-            </a:schemeClr>
-          </a:lnRef>
-          <a:fillRef idx="1">
-            <a:schemeClr val="accent1"/>
-          </a:fillRef>
-          <a:effectRef idx="0">
-            <a:schemeClr val="accent1"/>
-          </a:effectRef>
-          <a:fontRef idx="minor">
-            <a:schemeClr val="lt1"/>
-          </a:fontRef>
-        </p:style>
-        <p:txBody>
-          <a:bodyPr rtlCol="0" anchor="ctr"/>
-          <a:lstStyle/>
-          <a:p>
-            <a:pPr algn="ctr"/>
-            <a:r>
-              <a:rPr lang="zh-CN" dirty="0"/>
-              <a:t>设置</a:t>
-            </a:r>
-            <a:r>
-              <a:rPr lang="en-US" altLang="zh-CN" dirty="0"/>
-              <a:t>Profile</a:t>
-            </a:r>
-            <a:endParaRPr lang="en-US" altLang="zh-CN" dirty="0"/>
-          </a:p>
-        </p:txBody>
-      </p:sp>
-      <p:sp>
-        <p:nvSpPr>
-          <p:cNvPr id="9" name="矩形 8"/>
-          <p:cNvSpPr/>
-          <p:nvPr/>
-        </p:nvSpPr>
-        <p:spPr>
-          <a:xfrm>
-            <a:off x="8487410" y="4592955"/>
-            <a:ext cx="3562350" cy="1599565"/>
-          </a:xfrm>
-          <a:prstGeom prst="rect">
-            <a:avLst/>
-          </a:prstGeom>
-        </p:spPr>
-        <p:txBody>
-          <a:bodyPr wrap="square">
-            <a:spAutoFit/>
-          </a:bodyPr>
-          <a:lstStyle/>
-          <a:p>
-            <a:pPr marL="285750" indent="-285750">
-              <a:buClr>
-                <a:srgbClr val="48A2A0"/>
-              </a:buClr>
-              <a:buFont typeface="Wingdings" panose="05000000000000000000" pitchFamily="2" charset="2"/>
-              <a:buChar char="l"/>
-            </a:pPr>
-            <a:r>
-              <a:rPr lang="zh-CN" altLang="en-US" sz="1400" dirty="0">
-                <a:solidFill>
-                  <a:srgbClr val="4D402B"/>
-                </a:solidFill>
-              </a:rPr>
-              <a:t>通过</a:t>
-            </a:r>
-            <a:r>
-              <a:rPr lang="en-US" altLang="zh-CN" sz="1400" dirty="0">
-                <a:solidFill>
-                  <a:srgbClr val="4D402B"/>
-                </a:solidFill>
-              </a:rPr>
-              <a:t>Model/Profile...</a:t>
-            </a:r>
-            <a:r>
-              <a:rPr lang="zh-CN" altLang="en-US" sz="1400" dirty="0">
-                <a:solidFill>
-                  <a:srgbClr val="4D402B"/>
-                </a:solidFill>
-              </a:rPr>
-              <a:t>菜单设置工程所需的</a:t>
-            </a:r>
-            <a:r>
-              <a:rPr lang="en-US" altLang="zh-CN" sz="1400" dirty="0">
-                <a:solidFill>
-                  <a:srgbClr val="4D402B"/>
-                </a:solidFill>
-              </a:rPr>
-              <a:t>profile</a:t>
-            </a:r>
-            <a:r>
-              <a:rPr lang="zh-CN" altLang="en-US" sz="1400" dirty="0">
-                <a:solidFill>
-                  <a:srgbClr val="4D402B"/>
-                </a:solidFill>
-              </a:rPr>
-              <a:t>。</a:t>
-            </a:r>
-            <a:endParaRPr lang="en-US" altLang="zh-CN" sz="1400" dirty="0">
-              <a:solidFill>
-                <a:srgbClr val="4D402B"/>
-              </a:solidFill>
-            </a:endParaRPr>
-          </a:p>
-          <a:p>
-            <a:pPr marL="285750" indent="-285750">
-              <a:buClr>
-                <a:srgbClr val="48A2A0"/>
-              </a:buClr>
-              <a:buFont typeface="Wingdings" panose="05000000000000000000" pitchFamily="2" charset="2"/>
-              <a:buChar char="l"/>
-            </a:pPr>
-            <a:r>
-              <a:rPr lang="zh-CN" altLang="en-US" sz="1400" dirty="0">
-                <a:solidFill>
-                  <a:srgbClr val="4D402B"/>
-                </a:solidFill>
-              </a:rPr>
-              <a:t>设置成功后就决定了工程所使用的规则和约定。</a:t>
-            </a:r>
-            <a:endParaRPr lang="en-US" altLang="zh-CN" sz="1400" dirty="0">
-              <a:solidFill>
-                <a:srgbClr val="4D402B"/>
-              </a:solidFill>
-            </a:endParaRPr>
-          </a:p>
-          <a:p>
-            <a:pPr marL="285750" indent="-285750">
-              <a:buClr>
-                <a:srgbClr val="48A2A0"/>
-              </a:buClr>
-              <a:buFont typeface="Wingdings" panose="05000000000000000000" pitchFamily="2" charset="2"/>
-              <a:buChar char="l"/>
-            </a:pPr>
-            <a:r>
-              <a:rPr lang="zh-CN" altLang="en-US" sz="1400" dirty="0">
-                <a:solidFill>
-                  <a:srgbClr val="4D402B"/>
-                </a:solidFill>
-              </a:rPr>
-              <a:t>根据语言的关联，可以选择适合的项，这里为了与</a:t>
-            </a:r>
-            <a:r>
-              <a:rPr lang="en-US" altLang="zh-CN" sz="1400" dirty="0">
-                <a:solidFill>
-                  <a:srgbClr val="4D402B"/>
-                </a:solidFill>
-              </a:rPr>
-              <a:t>Java</a:t>
-            </a:r>
-            <a:r>
-              <a:rPr lang="zh-CN" altLang="en-US" sz="1400" dirty="0">
-                <a:solidFill>
-                  <a:srgbClr val="4D402B"/>
-                </a:solidFill>
-              </a:rPr>
-              <a:t>语言关联，必须包含</a:t>
-            </a:r>
-            <a:r>
-              <a:rPr lang="en-US" altLang="zh-CN" sz="1400" dirty="0">
-                <a:solidFill>
-                  <a:srgbClr val="4D402B"/>
-                </a:solidFill>
-              </a:rPr>
-              <a:t>Java Profile</a:t>
-            </a:r>
-            <a:r>
-              <a:rPr lang="zh-CN" altLang="en-US" sz="1400" dirty="0">
-                <a:solidFill>
-                  <a:srgbClr val="4D402B"/>
-                </a:solidFill>
-              </a:rPr>
-              <a:t>项。</a:t>
-            </a:r>
-            <a:endParaRPr lang="zh-CN" altLang="en-US" sz="1400" dirty="0">
-              <a:solidFill>
-                <a:srgbClr val="4D402B"/>
-              </a:solidFill>
-            </a:endParaRPr>
-          </a:p>
-        </p:txBody>
-      </p:sp>
-      <p:pic>
-        <p:nvPicPr>
-          <p:cNvPr id="4" name="图片占位符 6" descr="C:\Users\Foyer\Desktop\微信截图_20181021101442.png微信截图_20181021101442"/>
           <p:cNvPicPr>
             <a:picLocks noChangeAspect="1"/>
           </p:cNvPicPr>
@@ -9860,8 +9392,8 @@
         </p:blipFill>
         <p:spPr>
           <a:xfrm>
-            <a:off x="4314190" y="1624965"/>
-            <a:ext cx="3780790" cy="2413635"/>
+            <a:off x="8487410" y="1624330"/>
+            <a:ext cx="3670300" cy="2414905"/>
           </a:xfrm>
           <a:prstGeom prst="rect">
             <a:avLst/>
@@ -9870,13 +9402,13 @@
       </p:pic>
       <p:sp>
         <p:nvSpPr>
-          <p:cNvPr id="7" name="矩形 6"/>
+          <p:cNvPr id="6" name="矩形 5"/>
           <p:cNvSpPr/>
           <p:nvPr/>
         </p:nvSpPr>
         <p:spPr>
           <a:xfrm>
-            <a:off x="4314190" y="4211955"/>
+            <a:off x="8487410" y="4229100"/>
             <a:ext cx="3009900" cy="381000"/>
           </a:xfrm>
           <a:prstGeom prst="rect">
@@ -9911,10 +9443,234 @@
           <a:p>
             <a:pPr algn="ctr"/>
             <a:r>
+              <a:rPr lang="zh-CN" dirty="0"/>
+              <a:t>设置</a:t>
+            </a:r>
+            <a:r>
+              <a:rPr lang="en-US" altLang="zh-CN" dirty="0"/>
+              <a:t>Profile</a:t>
+            </a:r>
+          </a:p>
+        </p:txBody>
+      </p:sp>
+      <p:sp>
+        <p:nvSpPr>
+          <p:cNvPr id="9" name="矩形 8"/>
+          <p:cNvSpPr/>
+          <p:nvPr/>
+        </p:nvSpPr>
+        <p:spPr>
+          <a:xfrm>
+            <a:off x="8487410" y="4592955"/>
+            <a:ext cx="3562350" cy="1599565"/>
+          </a:xfrm>
+          <a:prstGeom prst="rect">
+            <a:avLst/>
+          </a:prstGeom>
+        </p:spPr>
+        <p:txBody>
+          <a:bodyPr wrap="square">
+            <a:spAutoFit/>
+          </a:bodyPr>
+          <a:lstStyle/>
+          <a:p>
+            <a:pPr marL="285750" indent="-285750">
+              <a:buClr>
+                <a:srgbClr val="48A2A0"/>
+              </a:buClr>
+              <a:buFont typeface="Wingdings" panose="05000000000000000000" pitchFamily="2" charset="2"/>
+              <a:buChar char="l"/>
+            </a:pPr>
+            <a:r>
+              <a:rPr lang="zh-CN" altLang="en-US" sz="1400" dirty="0">
+                <a:solidFill>
+                  <a:srgbClr val="4D402B"/>
+                </a:solidFill>
+              </a:rPr>
+              <a:t>通过</a:t>
+            </a:r>
+            <a:r>
+              <a:rPr lang="en-US" altLang="zh-CN" sz="1400" dirty="0">
+                <a:solidFill>
+                  <a:srgbClr val="4D402B"/>
+                </a:solidFill>
+              </a:rPr>
+              <a:t>Model/Profile...</a:t>
+            </a:r>
+            <a:r>
+              <a:rPr lang="zh-CN" altLang="en-US" sz="1400" dirty="0">
+                <a:solidFill>
+                  <a:srgbClr val="4D402B"/>
+                </a:solidFill>
+              </a:rPr>
+              <a:t>菜单设置工程所需的</a:t>
+            </a:r>
+            <a:r>
+              <a:rPr lang="en-US" altLang="zh-CN" sz="1400" dirty="0">
+                <a:solidFill>
+                  <a:srgbClr val="4D402B"/>
+                </a:solidFill>
+              </a:rPr>
+              <a:t>profile</a:t>
+            </a:r>
+            <a:r>
+              <a:rPr lang="zh-CN" altLang="en-US" sz="1400" dirty="0">
+                <a:solidFill>
+                  <a:srgbClr val="4D402B"/>
+                </a:solidFill>
+              </a:rPr>
+              <a:t>。</a:t>
+            </a:r>
+            <a:endParaRPr lang="en-US" altLang="zh-CN" sz="1400" dirty="0">
+              <a:solidFill>
+                <a:srgbClr val="4D402B"/>
+              </a:solidFill>
+            </a:endParaRPr>
+          </a:p>
+          <a:p>
+            <a:pPr marL="285750" indent="-285750">
+              <a:buClr>
+                <a:srgbClr val="48A2A0"/>
+              </a:buClr>
+              <a:buFont typeface="Wingdings" panose="05000000000000000000" pitchFamily="2" charset="2"/>
+              <a:buChar char="l"/>
+            </a:pPr>
+            <a:r>
+              <a:rPr lang="zh-CN" altLang="en-US" sz="1400" dirty="0">
+                <a:solidFill>
+                  <a:srgbClr val="4D402B"/>
+                </a:solidFill>
+              </a:rPr>
+              <a:t>设置成功后就决定了工程所使用的规则和约定。</a:t>
+            </a:r>
+            <a:endParaRPr lang="en-US" altLang="zh-CN" sz="1400" dirty="0">
+              <a:solidFill>
+                <a:srgbClr val="4D402B"/>
+              </a:solidFill>
+            </a:endParaRPr>
+          </a:p>
+          <a:p>
+            <a:pPr marL="285750" indent="-285750">
+              <a:buClr>
+                <a:srgbClr val="48A2A0"/>
+              </a:buClr>
+              <a:buFont typeface="Wingdings" panose="05000000000000000000" pitchFamily="2" charset="2"/>
+              <a:buChar char="l"/>
+            </a:pPr>
+            <a:r>
+              <a:rPr lang="zh-CN" altLang="en-US" sz="1400" dirty="0">
+                <a:solidFill>
+                  <a:srgbClr val="4D402B"/>
+                </a:solidFill>
+              </a:rPr>
+              <a:t>根据语言的关联，可以选择适合的项，这里为了与</a:t>
+            </a:r>
+            <a:r>
+              <a:rPr lang="en-US" altLang="zh-CN" sz="1400" dirty="0">
+                <a:solidFill>
+                  <a:srgbClr val="4D402B"/>
+                </a:solidFill>
+              </a:rPr>
+              <a:t>Java</a:t>
+            </a:r>
+            <a:r>
+              <a:rPr lang="zh-CN" altLang="en-US" sz="1400" dirty="0">
+                <a:solidFill>
+                  <a:srgbClr val="4D402B"/>
+                </a:solidFill>
+              </a:rPr>
+              <a:t>语言关联，必须包含</a:t>
+            </a:r>
+            <a:r>
+              <a:rPr lang="en-US" altLang="zh-CN" sz="1400" dirty="0">
+                <a:solidFill>
+                  <a:srgbClr val="4D402B"/>
+                </a:solidFill>
+              </a:rPr>
+              <a:t>Java Profile</a:t>
+            </a:r>
+            <a:r>
+              <a:rPr lang="zh-CN" altLang="en-US" sz="1400" dirty="0">
+                <a:solidFill>
+                  <a:srgbClr val="4D402B"/>
+                </a:solidFill>
+              </a:rPr>
+              <a:t>项。</a:t>
+            </a:r>
+          </a:p>
+        </p:txBody>
+      </p:sp>
+      <p:pic>
+        <p:nvPicPr>
+          <p:cNvPr id="4" name="图片占位符 6" descr="C:\Users\Foyer\Desktop\微信截图_20181021101442.png微信截图_20181021101442"/>
+          <p:cNvPicPr>
+            <a:picLocks noChangeAspect="1"/>
+          </p:cNvPicPr>
+          <p:nvPr/>
+        </p:nvPicPr>
+        <p:blipFill>
+          <a:blip r:embed="rId4"/>
+          <a:srcRect/>
+          <a:stretch>
+            <a:fillRect/>
+          </a:stretch>
+        </p:blipFill>
+        <p:spPr>
+          <a:xfrm>
+            <a:off x="4314190" y="1624965"/>
+            <a:ext cx="3780790" cy="2413635"/>
+          </a:xfrm>
+          <a:prstGeom prst="rect">
+            <a:avLst/>
+          </a:prstGeom>
+        </p:spPr>
+      </p:pic>
+      <p:sp>
+        <p:nvSpPr>
+          <p:cNvPr id="7" name="矩形 6"/>
+          <p:cNvSpPr/>
+          <p:nvPr/>
+        </p:nvSpPr>
+        <p:spPr>
+          <a:xfrm>
+            <a:off x="4314190" y="4211955"/>
+            <a:ext cx="3009900" cy="381000"/>
+          </a:xfrm>
+          <a:prstGeom prst="rect">
+            <a:avLst/>
+          </a:prstGeom>
+          <a:solidFill>
+            <a:srgbClr val="48A2A0"/>
+          </a:solidFill>
+          <a:ln>
+            <a:noFill/>
+          </a:ln>
+        </p:spPr>
+        <p:style>
+          <a:lnRef idx="2">
+            <a:schemeClr val="accent1">
+              <a:shade val="50000"/>
+            </a:schemeClr>
+          </a:lnRef>
+          <a:fillRef idx="1">
+            <a:schemeClr val="accent1"/>
+          </a:fillRef>
+          <a:effectRef idx="0">
+            <a:schemeClr val="accent1"/>
+          </a:effectRef>
+          <a:fontRef idx="minor">
+            <a:schemeClr val="lt1"/>
+          </a:fontRef>
+        </p:style>
+        <p:txBody>
+          <a:bodyPr rtlCol="0" anchor="ctr"/>
+          <a:lstStyle/>
+          <a:p>
+            <a:pPr algn="ctr"/>
+            <a:r>
               <a:rPr lang="zh-CN" altLang="en-US" dirty="0"/>
               <a:t>打开项目</a:t>
             </a:r>
-            <a:endParaRPr lang="zh-CN" altLang="en-US" dirty="0"/>
           </a:p>
         </p:txBody>
       </p:sp>
@@ -10163,14 +9919,6 @@
               </a:rPr>
               <a:t>建模的基本过程</a:t>
             </a:r>
-            <a:endParaRPr lang="zh-CN" altLang="en-US" sz="2000" b="1" dirty="0">
-              <a:solidFill>
-                <a:schemeClr val="tx1">
-                  <a:lumMod val="75000"/>
-                  <a:lumOff val="25000"/>
-                </a:schemeClr>
-              </a:solidFill>
-            </a:endParaRPr>
           </a:p>
         </p:txBody>
       </p:sp>
@@ -10194,6 +9942,7 @@
           <a:bodyPr wrap="none" rtlCol="0">
             <a:spAutoFit/>
           </a:bodyPr>
+          <a:lstStyle/>
           <a:p>
             <a:r>
               <a:rPr lang="en-US" altLang="zh-CN" b="1"/>
@@ -10215,7 +9964,6 @@
               <a:rPr lang="en-US" altLang="zh-CN" b="1"/>
               <a:t>Profile</a:t>
             </a:r>
-            <a:endParaRPr lang="en-US" altLang="zh-CN" b="1"/>
           </a:p>
         </p:txBody>
       </p:sp>
@@ -10301,11 +10049,6 @@
               </a:rPr>
               <a:t>功能与特征的扩充。模块的创建可以是几种新扩充元素 结合。不但可以为某用途对一个独立的模块配置扩充元素，而且还可以在统一模块中创建同一类型的扩充元素。</a:t>
             </a:r>
-            <a:endParaRPr lang="zh-CN" altLang="en-US" dirty="0">
-              <a:solidFill>
-                <a:srgbClr val="4D402B"/>
-              </a:solidFill>
-            </a:endParaRPr>
           </a:p>
         </p:txBody>
       </p:sp>
@@ -10341,7 +10084,6 @@
               <a:rPr lang="zh-CN" altLang="en-US" sz="1600" dirty="0"/>
               <a:t>扩展主菜单或弹出菜单。</a:t>
             </a:r>
-            <a:endParaRPr lang="zh-CN" altLang="en-US" sz="1600" dirty="0"/>
           </a:p>
           <a:p>
             <a:pPr marL="228600" indent="-228600">
@@ -10363,7 +10105,6 @@
               <a:rPr lang="zh-CN" altLang="en-US" sz="1600" dirty="0"/>
               <a:t>）。</a:t>
             </a:r>
-            <a:endParaRPr lang="zh-CN" altLang="en-US" sz="1600" dirty="0"/>
           </a:p>
           <a:p>
             <a:pPr marL="228600" indent="-228600">
@@ -10385,7 +10126,6 @@
               <a:rPr lang="zh-CN" altLang="en-US" sz="1600" dirty="0"/>
               <a:t>）。</a:t>
             </a:r>
-            <a:endParaRPr lang="zh-CN" altLang="en-US" sz="1600" dirty="0"/>
           </a:p>
           <a:p>
             <a:pPr marL="228600" indent="-228600">
@@ -10415,7 +10155,6 @@
               <a:rPr lang="zh-CN" altLang="en-US" sz="1600" dirty="0"/>
               <a:t>）的扩充添加新元素。</a:t>
             </a:r>
-            <a:endParaRPr lang="zh-CN" altLang="en-US" sz="1600" dirty="0"/>
           </a:p>
           <a:p>
             <a:pPr marL="228600" indent="-228600">
@@ -10437,7 +10176,6 @@
               <a:rPr lang="zh-CN" altLang="en-US" sz="1600" dirty="0"/>
               <a:t>服务器或简单的脚本文件实现新的功能。</a:t>
             </a:r>
-            <a:endParaRPr lang="zh-CN" altLang="en-US" sz="1600" dirty="0"/>
           </a:p>
           <a:p>
             <a:pPr marL="228600" indent="-228600">
@@ -10451,7 +10189,6 @@
               <a:rPr lang="zh-CN" altLang="en-US" sz="1600" dirty="0"/>
               <a:t>与其他应用程序集成。</a:t>
             </a:r>
-            <a:endParaRPr lang="zh-CN" altLang="en-US" sz="1600" dirty="0"/>
           </a:p>
           <a:p>
             <a:pPr marL="228600" indent="-228600">
@@ -10473,7 +10210,6 @@
               <a:rPr lang="zh-CN" altLang="en-US" sz="1600" dirty="0"/>
               <a:t>）功能。</a:t>
             </a:r>
-            <a:endParaRPr lang="zh-CN" altLang="en-US" sz="1600" dirty="0"/>
           </a:p>
         </p:txBody>
       </p:sp>
@@ -10518,7 +10254,6 @@
               <a:rPr lang="zh-CN" altLang="en-US" sz="2400" dirty="0"/>
               <a:t>的模块具有以下功能。</a:t>
             </a:r>
-            <a:endParaRPr lang="zh-CN" altLang="en-US" sz="2400" dirty="0"/>
           </a:p>
         </p:txBody>
       </p:sp>
@@ -10695,6 +10430,7 @@
           <a:bodyPr wrap="none" rtlCol="0">
             <a:spAutoFit/>
           </a:bodyPr>
+          <a:lstStyle/>
           <a:p>
             <a:r>
               <a:rPr lang="en-US" b="1"/>
@@ -10704,7 +10440,6 @@
               <a:rPr lang="zh-CN" altLang="en-US" b="1"/>
               <a:t>创建模块</a:t>
             </a:r>
-            <a:endParaRPr lang="zh-CN" altLang="en-US" b="1"/>
           </a:p>
         </p:txBody>
       </p:sp>
@@ -10749,7 +10484,7 @@
           <p:nvPr/>
         </p:nvPicPr>
         <p:blipFill>
-          <a:blip r:embed="rId1"/>
+          <a:blip r:embed="rId2"/>
           <a:srcRect/>
           <a:stretch>
             <a:fillRect/>
@@ -10811,7 +10546,6 @@
               <a:rPr lang="zh-CN" dirty="0"/>
               <a:t>添加模块</a:t>
             </a:r>
-            <a:endParaRPr lang="zh-CN" dirty="0"/>
           </a:p>
         </p:txBody>
       </p:sp>
@@ -10863,148 +10597,12 @@
               <a:rPr lang="zh-CN" altLang="en-US" sz="1400" dirty="0"/>
               <a:t>模块。</a:t>
             </a:r>
-            <a:endParaRPr lang="zh-CN" altLang="en-US" sz="1400" dirty="0"/>
           </a:p>
         </p:txBody>
       </p:sp>
       <p:pic>
         <p:nvPicPr>
           <p:cNvPr id="3" name="图片占位符 5" descr="C:\Users\Foyer\Desktop\微信截图_20181021103621.png微信截图_20181021103621"/>
-          <p:cNvPicPr>
-            <a:picLocks noChangeAspect="1"/>
-          </p:cNvPicPr>
-          <p:nvPr/>
-        </p:nvPicPr>
-        <p:blipFill>
-          <a:blip r:embed="rId2"/>
-          <a:srcRect/>
-          <a:stretch>
-            <a:fillRect/>
-          </a:stretch>
-        </p:blipFill>
-        <p:spPr>
-          <a:xfrm>
-            <a:off x="8487410" y="1624965"/>
-            <a:ext cx="3670300" cy="2413000"/>
-          </a:xfrm>
-          <a:prstGeom prst="rect">
-            <a:avLst/>
-          </a:prstGeom>
-        </p:spPr>
-      </p:pic>
-      <p:sp>
-        <p:nvSpPr>
-          <p:cNvPr id="6" name="矩形 5"/>
-          <p:cNvSpPr/>
-          <p:nvPr/>
-        </p:nvSpPr>
-        <p:spPr>
-          <a:xfrm>
-            <a:off x="8487410" y="4229100"/>
-            <a:ext cx="3009900" cy="381000"/>
-          </a:xfrm>
-          <a:prstGeom prst="rect">
-            <a:avLst/>
-          </a:prstGeom>
-          <a:solidFill>
-            <a:srgbClr val="48A2A0"/>
-          </a:solidFill>
-          <a:ln>
-            <a:noFill/>
-          </a:ln>
-        </p:spPr>
-        <p:style>
-          <a:lnRef idx="2">
-            <a:schemeClr val="accent1">
-              <a:shade val="50000"/>
-            </a:schemeClr>
-          </a:lnRef>
-          <a:fillRef idx="1">
-            <a:schemeClr val="accent1"/>
-          </a:fillRef>
-          <a:effectRef idx="0">
-            <a:schemeClr val="accent1"/>
-          </a:effectRef>
-          <a:fontRef idx="minor">
-            <a:schemeClr val="lt1"/>
-          </a:fontRef>
-        </p:style>
-        <p:txBody>
-          <a:bodyPr rtlCol="0" anchor="ctr"/>
-          <a:lstStyle/>
-          <a:p>
-            <a:pPr algn="ctr"/>
-            <a:r>
-              <a:rPr lang="zh-CN" dirty="0"/>
-              <a:t>修改名称</a:t>
-            </a:r>
-            <a:endParaRPr lang="zh-CN" dirty="0"/>
-          </a:p>
-        </p:txBody>
-      </p:sp>
-      <p:sp>
-        <p:nvSpPr>
-          <p:cNvPr id="9" name="矩形 8"/>
-          <p:cNvSpPr/>
-          <p:nvPr/>
-        </p:nvSpPr>
-        <p:spPr>
-          <a:xfrm>
-            <a:off x="8487410" y="4592955"/>
-            <a:ext cx="3562350" cy="521970"/>
-          </a:xfrm>
-          <a:prstGeom prst="rect">
-            <a:avLst/>
-          </a:prstGeom>
-        </p:spPr>
-        <p:txBody>
-          <a:bodyPr wrap="square">
-            <a:spAutoFit/>
-          </a:bodyPr>
-          <a:lstStyle/>
-          <a:p>
-            <a:pPr marL="285750" indent="-285750">
-              <a:buClr>
-                <a:srgbClr val="48A2A0"/>
-              </a:buClr>
-              <a:buFont typeface="Wingdings" panose="05000000000000000000" pitchFamily="2" charset="2"/>
-              <a:buChar char="l"/>
-            </a:pPr>
-            <a:r>
-              <a:rPr lang="zh-CN" sz="1400" dirty="0">
-                <a:solidFill>
-                  <a:srgbClr val="4D402B"/>
-                </a:solidFill>
-              </a:rPr>
-              <a:t>在其属性区可以修改所需要的名称，如</a:t>
-            </a:r>
-            <a:r>
-              <a:rPr lang="en-US" altLang="zh-CN" sz="1400" dirty="0">
-                <a:solidFill>
-                  <a:srgbClr val="4D402B"/>
-                </a:solidFill>
-              </a:rPr>
-              <a:t>tsgl</a:t>
-            </a:r>
-            <a:r>
-              <a:rPr lang="zh-CN" altLang="en-US" sz="1400" dirty="0">
-                <a:solidFill>
-                  <a:srgbClr val="4D402B"/>
-                </a:solidFill>
-              </a:rPr>
-              <a:t>。</a:t>
-            </a:r>
-            <a:endParaRPr lang="zh-CN" altLang="en-US" sz="1400" dirty="0">
-              <a:solidFill>
-                <a:srgbClr val="4D402B"/>
-              </a:solidFill>
-            </a:endParaRPr>
-          </a:p>
-        </p:txBody>
-      </p:sp>
-      <p:pic>
-        <p:nvPicPr>
-          <p:cNvPr id="4" name="图片占位符 6" descr="C:\Users\Foyer\Desktop\微信截图_20181021102926.png微信截图_20181021102926"/>
           <p:cNvPicPr>
             <a:picLocks noChangeAspect="1"/>
           </p:cNvPicPr>
@@ -11019,8 +10617,8 @@
         </p:blipFill>
         <p:spPr>
           <a:xfrm>
-            <a:off x="504190" y="1624965"/>
-            <a:ext cx="3641725" cy="2413635"/>
+            <a:off x="8487410" y="1624965"/>
+            <a:ext cx="3670300" cy="2413000"/>
           </a:xfrm>
           <a:prstGeom prst="rect">
             <a:avLst/>
@@ -11029,13 +10627,13 @@
       </p:pic>
       <p:sp>
         <p:nvSpPr>
-          <p:cNvPr id="7" name="矩形 6"/>
+          <p:cNvPr id="6" name="矩形 5"/>
           <p:cNvSpPr/>
           <p:nvPr/>
         </p:nvSpPr>
         <p:spPr>
           <a:xfrm>
-            <a:off x="4314190" y="4211955"/>
+            <a:off x="8487410" y="4229100"/>
             <a:ext cx="3009900" cy="381000"/>
           </a:xfrm>
           <a:prstGeom prst="rect">
@@ -11070,23 +10668,22 @@
           <a:p>
             <a:pPr algn="ctr"/>
             <a:r>
-              <a:rPr lang="zh-CN" altLang="en-US" dirty="0"/>
-              <a:t>添加模块</a:t>
-            </a:r>
-            <a:endParaRPr lang="zh-CN" altLang="en-US" dirty="0"/>
-          </a:p>
-        </p:txBody>
-      </p:sp>
-      <p:sp>
-        <p:nvSpPr>
-          <p:cNvPr id="10" name="矩形 9"/>
+              <a:rPr lang="zh-CN" dirty="0"/>
+              <a:t>修改名称</a:t>
+            </a:r>
+          </a:p>
+        </p:txBody>
+      </p:sp>
+      <p:sp>
+        <p:nvSpPr>
+          <p:cNvPr id="9" name="矩形 8"/>
           <p:cNvSpPr/>
           <p:nvPr/>
         </p:nvSpPr>
         <p:spPr>
           <a:xfrm>
-            <a:off x="4314190" y="4592955"/>
-            <a:ext cx="3562350" cy="953135"/>
+            <a:off x="8487410" y="4592955"/>
+            <a:ext cx="3562350" cy="521970"/>
           </a:xfrm>
           <a:prstGeom prst="rect">
             <a:avLst/>
@@ -11111,6 +10708,135 @@
                   <a:srgbClr val="4D402B"/>
                 </a:solidFill>
               </a:rPr>
+              <a:t>在其属性区可以修改所需要的名称，如</a:t>
+            </a:r>
+            <a:r>
+              <a:rPr lang="en-US" altLang="zh-CN" sz="1400" dirty="0">
+                <a:solidFill>
+                  <a:srgbClr val="4D402B"/>
+                </a:solidFill>
+              </a:rPr>
+              <a:t>tsgl</a:t>
+            </a:r>
+            <a:r>
+              <a:rPr lang="zh-CN" altLang="en-US" sz="1400" dirty="0">
+                <a:solidFill>
+                  <a:srgbClr val="4D402B"/>
+                </a:solidFill>
+              </a:rPr>
+              <a:t>。</a:t>
+            </a:r>
+          </a:p>
+        </p:txBody>
+      </p:sp>
+      <p:pic>
+        <p:nvPicPr>
+          <p:cNvPr id="4" name="图片占位符 6" descr="C:\Users\Foyer\Desktop\微信截图_20181021102926.png微信截图_20181021102926"/>
+          <p:cNvPicPr>
+            <a:picLocks noChangeAspect="1"/>
+          </p:cNvPicPr>
+          <p:nvPr/>
+        </p:nvPicPr>
+        <p:blipFill>
+          <a:blip r:embed="rId4"/>
+          <a:srcRect/>
+          <a:stretch>
+            <a:fillRect/>
+          </a:stretch>
+        </p:blipFill>
+        <p:spPr>
+          <a:xfrm>
+            <a:off x="504190" y="1624965"/>
+            <a:ext cx="3641725" cy="2413635"/>
+          </a:xfrm>
+          <a:prstGeom prst="rect">
+            <a:avLst/>
+          </a:prstGeom>
+        </p:spPr>
+      </p:pic>
+      <p:sp>
+        <p:nvSpPr>
+          <p:cNvPr id="7" name="矩形 6"/>
+          <p:cNvSpPr/>
+          <p:nvPr/>
+        </p:nvSpPr>
+        <p:spPr>
+          <a:xfrm>
+            <a:off x="4314190" y="4211955"/>
+            <a:ext cx="3009900" cy="381000"/>
+          </a:xfrm>
+          <a:prstGeom prst="rect">
+            <a:avLst/>
+          </a:prstGeom>
+          <a:solidFill>
+            <a:srgbClr val="48A2A0"/>
+          </a:solidFill>
+          <a:ln>
+            <a:noFill/>
+          </a:ln>
+        </p:spPr>
+        <p:style>
+          <a:lnRef idx="2">
+            <a:schemeClr val="accent1">
+              <a:shade val="50000"/>
+            </a:schemeClr>
+          </a:lnRef>
+          <a:fillRef idx="1">
+            <a:schemeClr val="accent1"/>
+          </a:fillRef>
+          <a:effectRef idx="0">
+            <a:schemeClr val="accent1"/>
+          </a:effectRef>
+          <a:fontRef idx="minor">
+            <a:schemeClr val="lt1"/>
+          </a:fontRef>
+        </p:style>
+        <p:txBody>
+          <a:bodyPr rtlCol="0" anchor="ctr"/>
+          <a:lstStyle/>
+          <a:p>
+            <a:pPr algn="ctr"/>
+            <a:r>
+              <a:rPr lang="zh-CN" altLang="en-US" dirty="0"/>
+              <a:t>添加模块</a:t>
+            </a:r>
+          </a:p>
+        </p:txBody>
+      </p:sp>
+      <p:sp>
+        <p:nvSpPr>
+          <p:cNvPr id="10" name="矩形 9"/>
+          <p:cNvSpPr/>
+          <p:nvPr/>
+        </p:nvSpPr>
+        <p:spPr>
+          <a:xfrm>
+            <a:off x="4314190" y="4592955"/>
+            <a:ext cx="3562350" cy="953135"/>
+          </a:xfrm>
+          <a:prstGeom prst="rect">
+            <a:avLst/>
+          </a:prstGeom>
+        </p:spPr>
+        <p:txBody>
+          <a:bodyPr wrap="square">
+            <a:spAutoFit/>
+          </a:bodyPr>
+          <a:lstStyle/>
+          <a:p>
+            <a:pPr marL="285750" indent="-285750">
+              <a:buClr>
+                <a:srgbClr val="48A2A0"/>
+              </a:buClr>
+              <a:buFont typeface="Wingdings" panose="05000000000000000000" pitchFamily="2" charset="2"/>
+              <a:buChar char="l"/>
+            </a:pPr>
+            <a:r>
+              <a:rPr lang="zh-CN" sz="1400" dirty="0">
+                <a:solidFill>
+                  <a:srgbClr val="4D402B"/>
+                </a:solidFill>
+              </a:rPr>
               <a:t>通过</a:t>
             </a:r>
             <a:r>
@@ -11153,11 +10879,6 @@
               </a:rPr>
               <a:t>Model1</a:t>
             </a:r>
-            <a:endParaRPr lang="en-US" altLang="zh-CN" sz="1400" dirty="0">
-              <a:solidFill>
-                <a:srgbClr val="4D402B"/>
-              </a:solidFill>
-            </a:endParaRPr>
           </a:p>
           <a:p>
             <a:pPr indent="0">
@@ -11314,14 +11035,6 @@
               </a:rPr>
               <a:t>建模的基本过程</a:t>
             </a:r>
-            <a:endParaRPr lang="zh-CN" altLang="en-US" sz="2000" b="1" dirty="0">
-              <a:solidFill>
-                <a:schemeClr val="tx1">
-                  <a:lumMod val="75000"/>
-                  <a:lumOff val="25000"/>
-                </a:schemeClr>
-              </a:solidFill>
-            </a:endParaRPr>
           </a:p>
         </p:txBody>
       </p:sp>
@@ -11345,6 +11058,7 @@
           <a:bodyPr wrap="none" rtlCol="0">
             <a:spAutoFit/>
           </a:bodyPr>
+          <a:lstStyle/>
           <a:p>
             <a:pPr algn="l"/>
             <a:r>
@@ -11535,20 +11249,6 @@
               </a:rPr>
               <a:t>PART 1</a:t>
             </a:r>
-            <a:endParaRPr lang="en-US" altLang="zh-CN" sz="4800" dirty="0" smtClean="0">
-              <a:solidFill>
-                <a:schemeClr val="bg1"/>
-              </a:solidFill>
-              <a:effectLst>
-                <a:outerShdw blurRad="38100" dist="38100" dir="2700000" algn="tl">
-                  <a:srgbClr val="000000">
-                    <a:alpha val="43137"/>
-                  </a:srgbClr>
-                </a:outerShdw>
-              </a:effectLst>
-              <a:latin typeface="+mj-lt"/>
-              <a:cs typeface="Arial" panose="020B0604020202020204" pitchFamily="34" charset="0"/>
-            </a:endParaRPr>
           </a:p>
         </p:txBody>
       </p:sp>
@@ -11673,6 +11373,7 @@
           </p:style>
           <p:txBody>
             <a:bodyPr rtlCol="0" anchor="ctr"/>
+            <a:lstStyle/>
             <a:p>
               <a:pPr algn="ctr"/>
               <a:endParaRPr lang="zh-CN" altLang="en-US"/>
@@ -11722,6 +11423,7 @@
           </p:style>
           <p:txBody>
             <a:bodyPr rtlCol="0" anchor="ctr"/>
+            <a:lstStyle/>
             <a:p>
               <a:pPr algn="ctr"/>
               <a:endParaRPr lang="zh-CN" altLang="en-US"/>
@@ -11748,6 +11450,7 @@
             <a:bodyPr wrap="square" rtlCol="0">
               <a:spAutoFit/>
             </a:bodyPr>
+            <a:lstStyle/>
             <a:p>
               <a:pPr algn="l"/>
               <a:r>
@@ -11758,11 +11461,6 @@
                 </a:rPr>
                 <a:t>Rational Rose</a:t>
               </a:r>
-              <a:endParaRPr lang="en-US" sz="2400" dirty="0" smtClean="0">
-                <a:solidFill>
-                  <a:schemeClr val="bg1"/>
-                </a:solidFill>
-              </a:endParaRPr>
             </a:p>
           </p:txBody>
         </p:sp>
@@ -11824,6 +11522,7 @@
           </p:style>
           <p:txBody>
             <a:bodyPr rtlCol="0" anchor="ctr"/>
+            <a:lstStyle/>
             <a:p>
               <a:pPr algn="ctr"/>
               <a:endParaRPr lang="zh-CN" altLang="en-US"/>
@@ -11873,6 +11572,7 @@
           </p:style>
           <p:txBody>
             <a:bodyPr rtlCol="0" anchor="ctr"/>
+            <a:lstStyle/>
             <a:p>
               <a:pPr algn="ctr"/>
               <a:endParaRPr lang="zh-CN" altLang="en-US"/>
@@ -11899,6 +11599,7 @@
             <a:bodyPr wrap="square" rtlCol="0">
               <a:spAutoFit/>
             </a:bodyPr>
+            <a:lstStyle/>
             <a:p>
               <a:pPr algn="l"/>
               <a:r>
@@ -11909,11 +11610,6 @@
                 </a:rPr>
                 <a:t>StarUML</a:t>
               </a:r>
-              <a:endParaRPr lang="en-US" sz="2400" dirty="0" smtClean="0">
-                <a:solidFill>
-                  <a:schemeClr val="bg1"/>
-                </a:solidFill>
-              </a:endParaRPr>
             </a:p>
           </p:txBody>
         </p:sp>
@@ -11975,6 +11671,7 @@
           </p:style>
           <p:txBody>
             <a:bodyPr rtlCol="0" anchor="ctr"/>
+            <a:lstStyle/>
             <a:p>
               <a:pPr algn="ctr"/>
               <a:endParaRPr lang="zh-CN" altLang="en-US"/>
@@ -12024,6 +11721,7 @@
           </p:style>
           <p:txBody>
             <a:bodyPr rtlCol="0" anchor="ctr"/>
+            <a:lstStyle/>
             <a:p>
               <a:pPr algn="ctr"/>
               <a:endParaRPr lang="zh-CN" altLang="en-US"/>
@@ -12050,6 +11748,7 @@
             <a:bodyPr wrap="square" rtlCol="0">
               <a:spAutoFit/>
             </a:bodyPr>
+            <a:lstStyle/>
             <a:p>
               <a:pPr algn="l"/>
               <a:r>
@@ -12060,11 +11759,6 @@
                 </a:rPr>
                 <a:t>PowerDesigner</a:t>
               </a:r>
-              <a:endParaRPr lang="en-US" sz="2400" dirty="0" smtClean="0">
-                <a:solidFill>
-                  <a:schemeClr val="bg1"/>
-                </a:solidFill>
-              </a:endParaRPr>
             </a:p>
           </p:txBody>
         </p:sp>
@@ -12126,6 +11820,7 @@
           </p:style>
           <p:txBody>
             <a:bodyPr rtlCol="0" anchor="ctr"/>
+            <a:lstStyle/>
             <a:p>
               <a:pPr algn="ctr"/>
               <a:endParaRPr lang="zh-CN" altLang="en-US"/>
@@ -12175,6 +11870,7 @@
           </p:style>
           <p:txBody>
             <a:bodyPr rtlCol="0" anchor="ctr"/>
+            <a:lstStyle/>
             <a:p>
               <a:pPr algn="ctr"/>
               <a:endParaRPr lang="zh-CN" altLang="en-US"/>
@@ -12201,6 +11897,7 @@
             <a:bodyPr wrap="square" rtlCol="0">
               <a:spAutoFit/>
             </a:bodyPr>
+            <a:lstStyle/>
             <a:p>
               <a:pPr algn="l"/>
               <a:r>
@@ -12211,11 +11908,6 @@
                 </a:rPr>
                 <a:t>Visio</a:t>
               </a:r>
-              <a:endParaRPr lang="en-US" sz="2400" dirty="0" smtClean="0">
-                <a:solidFill>
-                  <a:schemeClr val="bg1"/>
-                </a:solidFill>
-              </a:endParaRPr>
             </a:p>
           </p:txBody>
         </p:sp>
@@ -12286,11 +11978,6 @@
               </a:rPr>
               <a:t>参与者定义了在与实体交互时该实体的用户可以发挥作用的一套清楚地角色。参与者可以被认为是对于每个用来交流的用例而言的独立角色。</a:t>
             </a:r>
-            <a:endParaRPr lang="zh-CN" dirty="0">
-              <a:solidFill>
-                <a:srgbClr val="4D402B"/>
-              </a:solidFill>
-            </a:endParaRPr>
           </a:p>
         </p:txBody>
       </p:sp>
@@ -12467,6 +12154,7 @@
           <a:bodyPr wrap="none" rtlCol="0">
             <a:spAutoFit/>
           </a:bodyPr>
+          <a:lstStyle/>
           <a:p>
             <a:r>
               <a:rPr lang="en-US" b="1"/>
@@ -12476,7 +12164,6 @@
               <a:rPr lang="zh-CN" altLang="en-US" b="1"/>
               <a:t>创建参与者和用例</a:t>
             </a:r>
-            <a:endParaRPr lang="zh-CN" altLang="en-US" b="1"/>
           </a:p>
         </p:txBody>
       </p:sp>
@@ -12499,6 +12186,7 @@
           <a:bodyPr wrap="square">
             <a:spAutoFit/>
           </a:bodyPr>
+          <a:lstStyle/>
           <a:p>
             <a:pPr>
               <a:lnSpc>
@@ -12513,11 +12201,6 @@
               </a:rPr>
               <a:t>用例构造用于定义系统行为或者其他的语义实体而不展示其内部结构。每个用例指定一个系列行为，包括变体，可执行的实体，与参与者实体交互。</a:t>
             </a:r>
-            <a:endParaRPr lang="zh-CN" dirty="0">
-              <a:solidFill>
-                <a:srgbClr val="4D402B"/>
-              </a:solidFill>
-            </a:endParaRPr>
           </a:p>
         </p:txBody>
       </p:sp>
@@ -12562,7 +12245,7 @@
           <p:nvPr/>
         </p:nvPicPr>
         <p:blipFill>
-          <a:blip r:embed="rId1"/>
+          <a:blip r:embed="rId2"/>
           <a:srcRect/>
           <a:stretch>
             <a:fillRect/>
@@ -12624,7 +12307,6 @@
               <a:rPr lang="zh-CN" dirty="0"/>
               <a:t>创建参与者</a:t>
             </a:r>
-            <a:endParaRPr lang="zh-CN" dirty="0"/>
           </a:p>
         </p:txBody>
       </p:sp>
@@ -12676,132 +12358,12 @@
               <a:rPr lang="zh-CN" altLang="en-US" sz="1400" dirty="0"/>
               <a:t>命令。</a:t>
             </a:r>
-            <a:endParaRPr lang="zh-CN" altLang="en-US" sz="1400" dirty="0"/>
           </a:p>
         </p:txBody>
       </p:sp>
       <p:pic>
         <p:nvPicPr>
           <p:cNvPr id="3" name="图片占位符 5" descr="C:\Users\Foyer\Desktop\微信截图_20181021105022.png微信截图_20181021105022"/>
-          <p:cNvPicPr>
-            <a:picLocks noChangeAspect="1"/>
-          </p:cNvPicPr>
-          <p:nvPr/>
-        </p:nvPicPr>
-        <p:blipFill>
-          <a:blip r:embed="rId2"/>
-          <a:srcRect/>
-          <a:stretch>
-            <a:fillRect/>
-          </a:stretch>
-        </p:blipFill>
-        <p:spPr>
-          <a:xfrm>
-            <a:off x="8487410" y="1724978"/>
-            <a:ext cx="3670300" cy="2212975"/>
-          </a:xfrm>
-          <a:prstGeom prst="rect">
-            <a:avLst/>
-          </a:prstGeom>
-        </p:spPr>
-      </p:pic>
-      <p:sp>
-        <p:nvSpPr>
-          <p:cNvPr id="6" name="矩形 5"/>
-          <p:cNvSpPr/>
-          <p:nvPr/>
-        </p:nvSpPr>
-        <p:spPr>
-          <a:xfrm>
-            <a:off x="8487410" y="4229100"/>
-            <a:ext cx="3009900" cy="381000"/>
-          </a:xfrm>
-          <a:prstGeom prst="rect">
-            <a:avLst/>
-          </a:prstGeom>
-          <a:solidFill>
-            <a:srgbClr val="48A2A0"/>
-          </a:solidFill>
-          <a:ln>
-            <a:noFill/>
-          </a:ln>
-        </p:spPr>
-        <p:style>
-          <a:lnRef idx="2">
-            <a:schemeClr val="accent1">
-              <a:shade val="50000"/>
-            </a:schemeClr>
-          </a:lnRef>
-          <a:fillRef idx="1">
-            <a:schemeClr val="accent1"/>
-          </a:fillRef>
-          <a:effectRef idx="0">
-            <a:schemeClr val="accent1"/>
-          </a:effectRef>
-          <a:fontRef idx="minor">
-            <a:schemeClr val="lt1"/>
-          </a:fontRef>
-        </p:style>
-        <p:txBody>
-          <a:bodyPr rtlCol="0" anchor="ctr"/>
-          <a:lstStyle/>
-          <a:p>
-            <a:pPr algn="ctr"/>
-            <a:r>
-              <a:rPr lang="zh-CN" dirty="0"/>
-              <a:t>创建参与者</a:t>
-            </a:r>
-            <a:endParaRPr lang="zh-CN" dirty="0"/>
-          </a:p>
-        </p:txBody>
-      </p:sp>
-      <p:sp>
-        <p:nvSpPr>
-          <p:cNvPr id="9" name="矩形 8"/>
-          <p:cNvSpPr/>
-          <p:nvPr/>
-        </p:nvSpPr>
-        <p:spPr>
-          <a:xfrm>
-            <a:off x="8487410" y="4592955"/>
-            <a:ext cx="3562350" cy="306705"/>
-          </a:xfrm>
-          <a:prstGeom prst="rect">
-            <a:avLst/>
-          </a:prstGeom>
-        </p:spPr>
-        <p:txBody>
-          <a:bodyPr wrap="square">
-            <a:spAutoFit/>
-          </a:bodyPr>
-          <a:lstStyle/>
-          <a:p>
-            <a:pPr marL="285750" indent="-285750">
-              <a:buClr>
-                <a:srgbClr val="48A2A0"/>
-              </a:buClr>
-              <a:buFont typeface="Wingdings" panose="05000000000000000000" pitchFamily="2" charset="2"/>
-              <a:buChar char="l"/>
-            </a:pPr>
-            <a:r>
-              <a:rPr lang="zh-CN" sz="1400" dirty="0">
-                <a:solidFill>
-                  <a:srgbClr val="4D402B"/>
-                </a:solidFill>
-              </a:rPr>
-              <a:t>相关属性可以在属性区设置和修改。</a:t>
-            </a:r>
-            <a:endParaRPr lang="zh-CN" sz="1400" dirty="0">
-              <a:solidFill>
-                <a:srgbClr val="4D402B"/>
-              </a:solidFill>
-            </a:endParaRPr>
-          </a:p>
-        </p:txBody>
-      </p:sp>
-      <p:pic>
-        <p:nvPicPr>
-          <p:cNvPr id="4" name="图片占位符 6" descr="C:\Users\Foyer\Desktop\微信截图_20181021104637.png微信截图_20181021104637"/>
           <p:cNvPicPr>
             <a:picLocks noChangeAspect="1"/>
           </p:cNvPicPr>
@@ -12816,8 +12378,8 @@
         </p:blipFill>
         <p:spPr>
           <a:xfrm>
-            <a:off x="504190" y="1751330"/>
-            <a:ext cx="3641725" cy="2160905"/>
+            <a:off x="8487410" y="1724978"/>
+            <a:ext cx="3670300" cy="2212975"/>
           </a:xfrm>
           <a:prstGeom prst="rect">
             <a:avLst/>
@@ -12826,13 +12388,13 @@
       </p:pic>
       <p:sp>
         <p:nvSpPr>
-          <p:cNvPr id="7" name="矩形 6"/>
+          <p:cNvPr id="6" name="矩形 5"/>
           <p:cNvSpPr/>
           <p:nvPr/>
         </p:nvSpPr>
         <p:spPr>
           <a:xfrm>
-            <a:off x="4314190" y="4211955"/>
+            <a:off x="8487410" y="4229100"/>
             <a:ext cx="3009900" cy="381000"/>
           </a:xfrm>
           <a:prstGeom prst="rect">
@@ -12867,10 +12429,122 @@
           <a:p>
             <a:pPr algn="ctr"/>
             <a:r>
+              <a:rPr lang="zh-CN" dirty="0"/>
+              <a:t>创建参与者</a:t>
+            </a:r>
+          </a:p>
+        </p:txBody>
+      </p:sp>
+      <p:sp>
+        <p:nvSpPr>
+          <p:cNvPr id="9" name="矩形 8"/>
+          <p:cNvSpPr/>
+          <p:nvPr/>
+        </p:nvSpPr>
+        <p:spPr>
+          <a:xfrm>
+            <a:off x="8487410" y="4592955"/>
+            <a:ext cx="3562350" cy="306705"/>
+          </a:xfrm>
+          <a:prstGeom prst="rect">
+            <a:avLst/>
+          </a:prstGeom>
+        </p:spPr>
+        <p:txBody>
+          <a:bodyPr wrap="square">
+            <a:spAutoFit/>
+          </a:bodyPr>
+          <a:lstStyle/>
+          <a:p>
+            <a:pPr marL="285750" indent="-285750">
+              <a:buClr>
+                <a:srgbClr val="48A2A0"/>
+              </a:buClr>
+              <a:buFont typeface="Wingdings" panose="05000000000000000000" pitchFamily="2" charset="2"/>
+              <a:buChar char="l"/>
+            </a:pPr>
+            <a:r>
+              <a:rPr lang="zh-CN" sz="1400" dirty="0">
+                <a:solidFill>
+                  <a:srgbClr val="4D402B"/>
+                </a:solidFill>
+              </a:rPr>
+              <a:t>相关属性可以在属性区设置和修改。</a:t>
+            </a:r>
+          </a:p>
+        </p:txBody>
+      </p:sp>
+      <p:pic>
+        <p:nvPicPr>
+          <p:cNvPr id="4" name="图片占位符 6" descr="C:\Users\Foyer\Desktop\微信截图_20181021104637.png微信截图_20181021104637"/>
+          <p:cNvPicPr>
+            <a:picLocks noChangeAspect="1"/>
+          </p:cNvPicPr>
+          <p:nvPr/>
+        </p:nvPicPr>
+        <p:blipFill>
+          <a:blip r:embed="rId4"/>
+          <a:srcRect/>
+          <a:stretch>
+            <a:fillRect/>
+          </a:stretch>
+        </p:blipFill>
+        <p:spPr>
+          <a:xfrm>
+            <a:off x="504190" y="1751330"/>
+            <a:ext cx="3641725" cy="2160905"/>
+          </a:xfrm>
+          <a:prstGeom prst="rect">
+            <a:avLst/>
+          </a:prstGeom>
+        </p:spPr>
+      </p:pic>
+      <p:sp>
+        <p:nvSpPr>
+          <p:cNvPr id="7" name="矩形 6"/>
+          <p:cNvSpPr/>
+          <p:nvPr/>
+        </p:nvSpPr>
+        <p:spPr>
+          <a:xfrm>
+            <a:off x="4314190" y="4211955"/>
+            <a:ext cx="3009900" cy="381000"/>
+          </a:xfrm>
+          <a:prstGeom prst="rect">
+            <a:avLst/>
+          </a:prstGeom>
+          <a:solidFill>
+            <a:srgbClr val="48A2A0"/>
+          </a:solidFill>
+          <a:ln>
+            <a:noFill/>
+          </a:ln>
+        </p:spPr>
+        <p:style>
+          <a:lnRef idx="2">
+            <a:schemeClr val="accent1">
+              <a:shade val="50000"/>
+            </a:schemeClr>
+          </a:lnRef>
+          <a:fillRef idx="1">
+            <a:schemeClr val="accent1"/>
+          </a:fillRef>
+          <a:effectRef idx="0">
+            <a:schemeClr val="accent1"/>
+          </a:effectRef>
+          <a:fontRef idx="minor">
+            <a:schemeClr val="lt1"/>
+          </a:fontRef>
+        </p:style>
+        <p:txBody>
+          <a:bodyPr rtlCol="0" anchor="ctr"/>
+          <a:lstStyle/>
+          <a:p>
+            <a:pPr algn="ctr"/>
+            <a:r>
               <a:rPr lang="zh-CN" altLang="en-US" dirty="0"/>
               <a:t>创建参与者</a:t>
             </a:r>
-            <a:endParaRPr lang="zh-CN" altLang="en-US" dirty="0"/>
           </a:p>
         </p:txBody>
       </p:sp>
@@ -13071,14 +12745,6 @@
               </a:rPr>
               <a:t>建模的基本过程</a:t>
             </a:r>
-            <a:endParaRPr lang="zh-CN" altLang="en-US" sz="2000" b="1" dirty="0">
-              <a:solidFill>
-                <a:schemeClr val="tx1">
-                  <a:lumMod val="75000"/>
-                  <a:lumOff val="25000"/>
-                </a:schemeClr>
-              </a:solidFill>
-            </a:endParaRPr>
           </a:p>
         </p:txBody>
       </p:sp>
@@ -13102,6 +12768,7 @@
           <a:bodyPr wrap="none" rtlCol="0">
             <a:spAutoFit/>
           </a:bodyPr>
+          <a:lstStyle/>
           <a:p>
             <a:pPr algn="l"/>
             <a:r>
@@ -13129,7 +12796,7 @@
           <p:nvPr/>
         </p:nvPicPr>
         <p:blipFill>
-          <a:blip r:embed="rId4"/>
+          <a:blip r:embed="rId5"/>
           <a:stretch>
             <a:fillRect/>
           </a:stretch>
@@ -13164,6 +12831,7 @@
           <a:bodyPr wrap="none" rtlCol="0">
             <a:spAutoFit/>
           </a:bodyPr>
+          <a:lstStyle/>
           <a:p>
             <a:r>
               <a:rPr lang="zh-CN" altLang="en-US" sz="1600"/>
@@ -13177,7 +12845,6 @@
               <a:rPr lang="zh-CN" altLang="en-US" sz="1600"/>
               <a:t>元素即可。</a:t>
             </a:r>
-            <a:endParaRPr lang="zh-CN" altLang="en-US" sz="1600"/>
           </a:p>
           <a:p>
             <a:endParaRPr lang="zh-CN" altLang="en-US" sz="1600"/>
@@ -13187,7 +12854,6 @@
               <a:rPr lang="zh-CN" altLang="en-US" sz="1600"/>
               <a:t>创建用例图的过程与参与者类似，不再赘述。</a:t>
             </a:r>
-            <a:endParaRPr lang="zh-CN" altLang="en-US" sz="1600"/>
           </a:p>
         </p:txBody>
       </p:sp>
@@ -13232,7 +12898,7 @@
           <p:nvPr/>
         </p:nvPicPr>
         <p:blipFill>
-          <a:blip r:embed="rId1"/>
+          <a:blip r:embed="rId2"/>
           <a:srcRect/>
           <a:stretch>
             <a:fillRect/>
@@ -13294,7 +12960,6 @@
               <a:rPr lang="zh-CN" dirty="0"/>
               <a:t>创建类</a:t>
             </a:r>
-            <a:endParaRPr lang="zh-CN" dirty="0"/>
           </a:p>
         </p:txBody>
       </p:sp>
@@ -13346,218 +13011,12 @@
               <a:rPr lang="zh-CN" altLang="en-US" sz="1400" dirty="0"/>
               <a:t>命令。</a:t>
             </a:r>
-            <a:endParaRPr lang="zh-CN" altLang="en-US" sz="1400" dirty="0"/>
           </a:p>
         </p:txBody>
       </p:sp>
       <p:pic>
         <p:nvPicPr>
           <p:cNvPr id="3" name="图片占位符 5" descr="C:\Users\Foyer\Desktop\微信截图_20181021111033.png微信截图_20181021111033"/>
-          <p:cNvPicPr>
-            <a:picLocks noChangeAspect="1"/>
-          </p:cNvPicPr>
-          <p:nvPr/>
-        </p:nvPicPr>
-        <p:blipFill>
-          <a:blip r:embed="rId2"/>
-          <a:srcRect/>
-          <a:stretch>
-            <a:fillRect/>
-          </a:stretch>
-        </p:blipFill>
-        <p:spPr>
-          <a:xfrm>
-            <a:off x="8496935" y="1823720"/>
-            <a:ext cx="3651885" cy="2088515"/>
-          </a:xfrm>
-          <a:prstGeom prst="rect">
-            <a:avLst/>
-          </a:prstGeom>
-        </p:spPr>
-      </p:pic>
-      <p:sp>
-        <p:nvSpPr>
-          <p:cNvPr id="6" name="矩形 5"/>
-          <p:cNvSpPr/>
-          <p:nvPr/>
-        </p:nvSpPr>
-        <p:spPr>
-          <a:xfrm>
-            <a:off x="8487410" y="4229100"/>
-            <a:ext cx="3009900" cy="381000"/>
-          </a:xfrm>
-          <a:prstGeom prst="rect">
-            <a:avLst/>
-          </a:prstGeom>
-          <a:solidFill>
-            <a:srgbClr val="48A2A0"/>
-          </a:solidFill>
-          <a:ln>
-            <a:noFill/>
-          </a:ln>
-        </p:spPr>
-        <p:style>
-          <a:lnRef idx="2">
-            <a:schemeClr val="accent1">
-              <a:shade val="50000"/>
-            </a:schemeClr>
-          </a:lnRef>
-          <a:fillRef idx="1">
-            <a:schemeClr val="accent1"/>
-          </a:fillRef>
-          <a:effectRef idx="0">
-            <a:schemeClr val="accent1"/>
-          </a:effectRef>
-          <a:fontRef idx="minor">
-            <a:schemeClr val="lt1"/>
-          </a:fontRef>
-        </p:style>
-        <p:txBody>
-          <a:bodyPr rtlCol="0" anchor="ctr"/>
-          <a:lstStyle/>
-          <a:p>
-            <a:pPr algn="ctr"/>
-            <a:r>
-              <a:rPr lang="zh-CN" dirty="0"/>
-              <a:t>对属性或操作设置数据类型</a:t>
-            </a:r>
-            <a:endParaRPr lang="en-US" altLang="zh-CN" dirty="0"/>
-          </a:p>
-        </p:txBody>
-      </p:sp>
-      <p:sp>
-        <p:nvSpPr>
-          <p:cNvPr id="9" name="矩形 8"/>
-          <p:cNvSpPr/>
-          <p:nvPr/>
-        </p:nvSpPr>
-        <p:spPr>
-          <a:xfrm>
-            <a:off x="8487410" y="4592955"/>
-            <a:ext cx="3562350" cy="1383665"/>
-          </a:xfrm>
-          <a:prstGeom prst="rect">
-            <a:avLst/>
-          </a:prstGeom>
-        </p:spPr>
-        <p:txBody>
-          <a:bodyPr wrap="square">
-            <a:spAutoFit/>
-          </a:bodyPr>
-          <a:lstStyle/>
-          <a:p>
-            <a:pPr marL="285750" indent="-285750">
-              <a:buClr>
-                <a:srgbClr val="48A2A0"/>
-              </a:buClr>
-              <a:buFont typeface="Wingdings" panose="05000000000000000000" pitchFamily="2" charset="2"/>
-              <a:buChar char="l"/>
-            </a:pPr>
-            <a:r>
-              <a:rPr lang="zh-CN" sz="1400" dirty="0">
-                <a:solidFill>
-                  <a:srgbClr val="4D402B"/>
-                </a:solidFill>
-              </a:rPr>
-              <a:t>在窗体右下角的</a:t>
-            </a:r>
-            <a:r>
-              <a:rPr lang="en-US" altLang="zh-CN" sz="1400" dirty="0">
-                <a:solidFill>
-                  <a:srgbClr val="4D402B"/>
-                </a:solidFill>
-              </a:rPr>
-              <a:t>Properties</a:t>
-            </a:r>
-            <a:r>
-              <a:rPr lang="zh-CN" altLang="en-US" sz="1400" dirty="0">
-                <a:solidFill>
-                  <a:srgbClr val="4D402B"/>
-                </a:solidFill>
-              </a:rPr>
-              <a:t>窗口中，找到</a:t>
-            </a:r>
-            <a:r>
-              <a:rPr lang="en-US" altLang="zh-CN" sz="1400" dirty="0">
-                <a:solidFill>
-                  <a:srgbClr val="4D402B"/>
-                </a:solidFill>
-              </a:rPr>
-              <a:t>Type</a:t>
-            </a:r>
-            <a:r>
-              <a:rPr lang="zh-CN" altLang="en-US" sz="1400" dirty="0">
-                <a:solidFill>
-                  <a:srgbClr val="4D402B"/>
-                </a:solidFill>
-              </a:rPr>
-              <a:t>输入框，输入属性或操作的类型。</a:t>
-            </a:r>
-            <a:endParaRPr lang="zh-CN" altLang="en-US" sz="1400" dirty="0">
-              <a:solidFill>
-                <a:srgbClr val="4D402B"/>
-              </a:solidFill>
-            </a:endParaRPr>
-          </a:p>
-          <a:p>
-            <a:pPr marL="285750" indent="-285750">
-              <a:buClr>
-                <a:srgbClr val="48A2A0"/>
-              </a:buClr>
-              <a:buFont typeface="Wingdings" panose="05000000000000000000" pitchFamily="2" charset="2"/>
-              <a:buChar char="l"/>
-            </a:pPr>
-            <a:r>
-              <a:rPr lang="zh-CN" altLang="en-US" sz="1400" dirty="0">
-                <a:solidFill>
-                  <a:srgbClr val="4D402B"/>
-                </a:solidFill>
-              </a:rPr>
-              <a:t>其中由于类的封装性和类内部使用的规范性，其内部数据（属性）都是私有的，所以，在</a:t>
-            </a:r>
-            <a:r>
-              <a:rPr lang="en-US" altLang="zh-CN" sz="1400" dirty="0">
-                <a:solidFill>
-                  <a:srgbClr val="4D402B"/>
-                </a:solidFill>
-              </a:rPr>
-              <a:t>Properties</a:t>
-            </a:r>
-            <a:r>
-              <a:rPr lang="zh-CN" altLang="en-US" sz="1400" dirty="0">
-                <a:solidFill>
-                  <a:srgbClr val="4D402B"/>
-                </a:solidFill>
-              </a:rPr>
-              <a:t>面板中将属性设置为</a:t>
-            </a:r>
-            <a:r>
-              <a:rPr lang="en-US" altLang="zh-CN" sz="1400" dirty="0">
-                <a:solidFill>
-                  <a:srgbClr val="4D402B"/>
-                </a:solidFill>
-              </a:rPr>
-              <a:t>Private</a:t>
-            </a:r>
-            <a:r>
-              <a:rPr lang="zh-CN" altLang="en-US" sz="1400" dirty="0">
-                <a:solidFill>
-                  <a:srgbClr val="4D402B"/>
-                </a:solidFill>
-              </a:rPr>
-              <a:t>。</a:t>
-            </a:r>
-            <a:endParaRPr lang="zh-CN" altLang="en-US" sz="1400" dirty="0">
-              <a:solidFill>
-                <a:srgbClr val="4D402B"/>
-              </a:solidFill>
-            </a:endParaRPr>
-          </a:p>
-        </p:txBody>
-      </p:sp>
-      <p:pic>
-        <p:nvPicPr>
-          <p:cNvPr id="4" name="图片占位符 6" descr="C:\Users\Foyer\Desktop\微信截图_20181021110212.png微信截图_20181021110212"/>
           <p:cNvPicPr>
             <a:picLocks noChangeAspect="1"/>
           </p:cNvPicPr>
@@ -13572,8 +13031,8 @@
         </p:blipFill>
         <p:spPr>
           <a:xfrm>
-            <a:off x="512445" y="1751330"/>
-            <a:ext cx="3625215" cy="2160905"/>
+            <a:off x="8496935" y="1823720"/>
+            <a:ext cx="3651885" cy="2088515"/>
           </a:xfrm>
           <a:prstGeom prst="rect">
             <a:avLst/>
@@ -13582,13 +13041,13 @@
       </p:pic>
       <p:sp>
         <p:nvSpPr>
-          <p:cNvPr id="7" name="矩形 6"/>
+          <p:cNvPr id="6" name="矩形 5"/>
           <p:cNvSpPr/>
           <p:nvPr/>
         </p:nvSpPr>
         <p:spPr>
           <a:xfrm>
-            <a:off x="4314190" y="4211955"/>
+            <a:off x="8487410" y="4229100"/>
             <a:ext cx="3009900" cy="381000"/>
           </a:xfrm>
           <a:prstGeom prst="rect">
@@ -13623,23 +13082,23 @@
           <a:p>
             <a:pPr algn="ctr"/>
             <a:r>
-              <a:rPr lang="zh-CN" altLang="en-US" dirty="0"/>
-              <a:t>对类创建属性或操作</a:t>
-            </a:r>
-            <a:endParaRPr lang="zh-CN" altLang="en-US" dirty="0"/>
-          </a:p>
-        </p:txBody>
-      </p:sp>
-      <p:sp>
-        <p:nvSpPr>
-          <p:cNvPr id="10" name="矩形 9"/>
+              <a:rPr lang="zh-CN" dirty="0"/>
+              <a:t>对属性或操作设置数据类型</a:t>
+            </a:r>
+            <a:endParaRPr lang="en-US" altLang="zh-CN" dirty="0"/>
+          </a:p>
+        </p:txBody>
+      </p:sp>
+      <p:sp>
+        <p:nvSpPr>
+          <p:cNvPr id="9" name="矩形 8"/>
           <p:cNvSpPr/>
           <p:nvPr/>
         </p:nvSpPr>
         <p:spPr>
           <a:xfrm>
-            <a:off x="4314190" y="4592955"/>
-            <a:ext cx="3562350" cy="1814830"/>
+            <a:off x="8487410" y="4592955"/>
+            <a:ext cx="3562350" cy="1383665"/>
           </a:xfrm>
           <a:prstGeom prst="rect">
             <a:avLst/>
@@ -13659,11 +13118,205 @@
               <a:buChar char="l"/>
             </a:pPr>
             <a:r>
+              <a:rPr lang="zh-CN" sz="1400" dirty="0">
+                <a:solidFill>
+                  <a:srgbClr val="4D402B"/>
+                </a:solidFill>
+              </a:rPr>
+              <a:t>在窗体右下角的</a:t>
+            </a:r>
+            <a:r>
+              <a:rPr lang="en-US" altLang="zh-CN" sz="1400" dirty="0">
+                <a:solidFill>
+                  <a:srgbClr val="4D402B"/>
+                </a:solidFill>
+              </a:rPr>
+              <a:t>Properties</a:t>
+            </a:r>
+            <a:r>
               <a:rPr lang="zh-CN" altLang="en-US" sz="1400" dirty="0">
                 <a:solidFill>
                   <a:srgbClr val="4D402B"/>
                 </a:solidFill>
               </a:rPr>
+              <a:t>窗口中，找到</a:t>
+            </a:r>
+            <a:r>
+              <a:rPr lang="en-US" altLang="zh-CN" sz="1400" dirty="0">
+                <a:solidFill>
+                  <a:srgbClr val="4D402B"/>
+                </a:solidFill>
+              </a:rPr>
+              <a:t>Type</a:t>
+            </a:r>
+            <a:r>
+              <a:rPr lang="zh-CN" altLang="en-US" sz="1400" dirty="0">
+                <a:solidFill>
+                  <a:srgbClr val="4D402B"/>
+                </a:solidFill>
+              </a:rPr>
+              <a:t>输入框，输入属性或操作的类型。</a:t>
+            </a:r>
+          </a:p>
+          <a:p>
+            <a:pPr marL="285750" indent="-285750">
+              <a:buClr>
+                <a:srgbClr val="48A2A0"/>
+              </a:buClr>
+              <a:buFont typeface="Wingdings" panose="05000000000000000000" pitchFamily="2" charset="2"/>
+              <a:buChar char="l"/>
+            </a:pPr>
+            <a:r>
+              <a:rPr lang="zh-CN" altLang="en-US" sz="1400" dirty="0">
+                <a:solidFill>
+                  <a:srgbClr val="4D402B"/>
+                </a:solidFill>
+              </a:rPr>
+              <a:t>其中由于类的封装性和类内部使用的规范性，其内部数据（属性）都是私有的，所以，在</a:t>
+            </a:r>
+            <a:r>
+              <a:rPr lang="en-US" altLang="zh-CN" sz="1400" dirty="0">
+                <a:solidFill>
+                  <a:srgbClr val="4D402B"/>
+                </a:solidFill>
+              </a:rPr>
+              <a:t>Properties</a:t>
+            </a:r>
+            <a:r>
+              <a:rPr lang="zh-CN" altLang="en-US" sz="1400" dirty="0">
+                <a:solidFill>
+                  <a:srgbClr val="4D402B"/>
+                </a:solidFill>
+              </a:rPr>
+              <a:t>面板中将属性设置为</a:t>
+            </a:r>
+            <a:r>
+              <a:rPr lang="en-US" altLang="zh-CN" sz="1400" dirty="0">
+                <a:solidFill>
+                  <a:srgbClr val="4D402B"/>
+                </a:solidFill>
+              </a:rPr>
+              <a:t>Private</a:t>
+            </a:r>
+            <a:r>
+              <a:rPr lang="zh-CN" altLang="en-US" sz="1400" dirty="0">
+                <a:solidFill>
+                  <a:srgbClr val="4D402B"/>
+                </a:solidFill>
+              </a:rPr>
+              <a:t>。</a:t>
+            </a:r>
+          </a:p>
+        </p:txBody>
+      </p:sp>
+      <p:pic>
+        <p:nvPicPr>
+          <p:cNvPr id="4" name="图片占位符 6" descr="C:\Users\Foyer\Desktop\微信截图_20181021110212.png微信截图_20181021110212"/>
+          <p:cNvPicPr>
+            <a:picLocks noChangeAspect="1"/>
+          </p:cNvPicPr>
+          <p:nvPr/>
+        </p:nvPicPr>
+        <p:blipFill>
+          <a:blip r:embed="rId4"/>
+          <a:srcRect/>
+          <a:stretch>
+            <a:fillRect/>
+          </a:stretch>
+        </p:blipFill>
+        <p:spPr>
+          <a:xfrm>
+            <a:off x="512445" y="1751330"/>
+            <a:ext cx="3625215" cy="2160905"/>
+          </a:xfrm>
+          <a:prstGeom prst="rect">
+            <a:avLst/>
+          </a:prstGeom>
+        </p:spPr>
+      </p:pic>
+      <p:sp>
+        <p:nvSpPr>
+          <p:cNvPr id="7" name="矩形 6"/>
+          <p:cNvSpPr/>
+          <p:nvPr/>
+        </p:nvSpPr>
+        <p:spPr>
+          <a:xfrm>
+            <a:off x="4314190" y="4211955"/>
+            <a:ext cx="3009900" cy="381000"/>
+          </a:xfrm>
+          <a:prstGeom prst="rect">
+            <a:avLst/>
+          </a:prstGeom>
+          <a:solidFill>
+            <a:srgbClr val="48A2A0"/>
+          </a:solidFill>
+          <a:ln>
+            <a:noFill/>
+          </a:ln>
+        </p:spPr>
+        <p:style>
+          <a:lnRef idx="2">
+            <a:schemeClr val="accent1">
+              <a:shade val="50000"/>
+            </a:schemeClr>
+          </a:lnRef>
+          <a:fillRef idx="1">
+            <a:schemeClr val="accent1"/>
+          </a:fillRef>
+          <a:effectRef idx="0">
+            <a:schemeClr val="accent1"/>
+          </a:effectRef>
+          <a:fontRef idx="minor">
+            <a:schemeClr val="lt1"/>
+          </a:fontRef>
+        </p:style>
+        <p:txBody>
+          <a:bodyPr rtlCol="0" anchor="ctr"/>
+          <a:lstStyle/>
+          <a:p>
+            <a:pPr algn="ctr"/>
+            <a:r>
+              <a:rPr lang="zh-CN" altLang="en-US" dirty="0"/>
+              <a:t>对类创建属性或操作</a:t>
+            </a:r>
+          </a:p>
+        </p:txBody>
+      </p:sp>
+      <p:sp>
+        <p:nvSpPr>
+          <p:cNvPr id="10" name="矩形 9"/>
+          <p:cNvSpPr/>
+          <p:nvPr/>
+        </p:nvSpPr>
+        <p:spPr>
+          <a:xfrm>
+            <a:off x="4314190" y="4592955"/>
+            <a:ext cx="3562350" cy="1814830"/>
+          </a:xfrm>
+          <a:prstGeom prst="rect">
+            <a:avLst/>
+          </a:prstGeom>
+        </p:spPr>
+        <p:txBody>
+          <a:bodyPr wrap="square">
+            <a:spAutoFit/>
+          </a:bodyPr>
+          <a:lstStyle/>
+          <a:p>
+            <a:pPr marL="285750" indent="-285750">
+              <a:buClr>
+                <a:srgbClr val="48A2A0"/>
+              </a:buClr>
+              <a:buFont typeface="Wingdings" panose="05000000000000000000" pitchFamily="2" charset="2"/>
+              <a:buChar char="l"/>
+            </a:pPr>
+            <a:r>
+              <a:rPr lang="zh-CN" altLang="en-US" sz="1400" dirty="0">
+                <a:solidFill>
+                  <a:srgbClr val="4D402B"/>
+                </a:solidFill>
+              </a:rPr>
               <a:t>右击类目标，在弹出菜单中选择</a:t>
             </a:r>
             <a:r>
@@ -13714,11 +13367,6 @@
               </a:rPr>
               <a:t>（被标识为红色）命令，为其创建属性或操作。</a:t>
             </a:r>
-            <a:endParaRPr lang="zh-CN" altLang="en-US" sz="1400" dirty="0">
-              <a:solidFill>
-                <a:srgbClr val="4D402B"/>
-              </a:solidFill>
-            </a:endParaRPr>
           </a:p>
           <a:p>
             <a:pPr marL="285750" indent="-285750">
@@ -13948,14 +13596,6 @@
               </a:rPr>
               <a:t>建模的基本过程</a:t>
             </a:r>
-            <a:endParaRPr lang="zh-CN" altLang="en-US" sz="2000" b="1" dirty="0">
-              <a:solidFill>
-                <a:schemeClr val="tx1">
-                  <a:lumMod val="75000"/>
-                  <a:lumOff val="25000"/>
-                </a:schemeClr>
-              </a:solidFill>
-            </a:endParaRPr>
           </a:p>
         </p:txBody>
       </p:sp>
@@ -13979,6 +13619,7 @@
           <a:bodyPr wrap="none" rtlCol="0">
             <a:spAutoFit/>
           </a:bodyPr>
+          <a:lstStyle/>
           <a:p>
             <a:pPr algn="l"/>
             <a:r>
@@ -13993,9 +13634,6 @@
               </a:rPr>
               <a:t>创建类</a:t>
             </a:r>
-            <a:endParaRPr lang="zh-CN" altLang="en-US" b="1">
-              <a:sym typeface="+mn-ea"/>
-            </a:endParaRPr>
           </a:p>
         </p:txBody>
       </p:sp>
@@ -14204,6 +13842,7 @@
           <a:bodyPr wrap="none" rtlCol="0">
             <a:spAutoFit/>
           </a:bodyPr>
+          <a:lstStyle/>
           <a:p>
             <a:r>
               <a:rPr lang="en-US" b="1"/>
@@ -14213,7 +13852,6 @@
               <a:rPr lang="zh-CN" altLang="en-US" b="1"/>
               <a:t>创建类</a:t>
             </a:r>
-            <a:endParaRPr lang="zh-CN" altLang="en-US" b="1"/>
           </a:p>
         </p:txBody>
       </p:sp>
@@ -14254,7 +13892,6 @@
               <a:rPr lang="zh-CN" sz="2400" dirty="0"/>
               <a:t>在属性区中常见的属性类型及描述形式如下表：</a:t>
             </a:r>
-            <a:endParaRPr lang="zh-CN" sz="2400" dirty="0"/>
           </a:p>
         </p:txBody>
       </p:sp>
@@ -14266,7 +13903,7 @@
         </p:nvGraphicFramePr>
         <p:xfrm>
           <a:off x="1829435" y="2458085"/>
-          <a:ext cx="8533765" cy="3429000"/>
+          <a:ext cx="8533130" cy="3429000"/>
         </p:xfrm>
         <a:graphic>
           <a:graphicData uri="http://schemas.openxmlformats.org/drawingml/2006/table">
@@ -14282,6 +13919,7 @@
                 <a:tc>
                   <a:txBody>
                     <a:bodyPr/>
+                    <a:lstStyle/>
                     <a:p>
                       <a:pPr algn="ctr">
                         <a:buNone/>
@@ -14290,7 +13928,6 @@
                         <a:rPr lang="zh-CN" altLang="en-US"/>
                         <a:t>属性类型</a:t>
                       </a:r>
-                      <a:endParaRPr lang="zh-CN" altLang="en-US"/>
                     </a:p>
                   </a:txBody>
                   <a:tcPr/>
@@ -14298,6 +13935,7 @@
                 <a:tc>
                   <a:txBody>
                     <a:bodyPr/>
+                    <a:lstStyle/>
                     <a:p>
                       <a:pPr algn="ctr">
                         <a:buNone/>
@@ -14306,7 +13944,6 @@
                         <a:rPr lang="zh-CN" altLang="en-US"/>
                         <a:t>描     述</a:t>
                       </a:r>
-                      <a:endParaRPr lang="zh-CN" altLang="en-US"/>
                     </a:p>
                   </a:txBody>
                   <a:tcPr/>
@@ -14316,6 +13953,7 @@
                 <a:tc>
                   <a:txBody>
                     <a:bodyPr/>
+                    <a:lstStyle/>
                     <a:p>
                       <a:pPr algn="l">
                         <a:buNone/>
@@ -14328,7 +13966,6 @@
                         <a:rPr lang="zh-CN" altLang="en-US"/>
                         <a:t>名称</a:t>
                       </a:r>
-                      <a:endParaRPr lang="zh-CN" altLang="en-US"/>
                     </a:p>
                   </a:txBody>
                   <a:tcPr/>
@@ -14336,6 +13973,7 @@
                 <a:tc>
                   <a:txBody>
                     <a:bodyPr/>
+                    <a:lstStyle/>
                     <a:p>
                       <a:pPr algn="l">
                         <a:buNone/>
@@ -14344,7 +13982,6 @@
                         <a:rPr lang="zh-CN" altLang="en-US"/>
                         <a:t>表示模型元素名称</a:t>
                       </a:r>
-                      <a:endParaRPr lang="zh-CN" altLang="en-US"/>
                     </a:p>
                   </a:txBody>
                   <a:tcPr/>
@@ -14354,6 +13991,7 @@
                 <a:tc>
                   <a:txBody>
                     <a:bodyPr/>
+                    <a:lstStyle/>
                     <a:p>
                       <a:pPr algn="l">
                         <a:buNone/>
@@ -14366,7 +14004,6 @@
                         <a:rPr lang="zh-CN" altLang="en-US"/>
                         <a:t>构造型</a:t>
                       </a:r>
-                      <a:endParaRPr lang="zh-CN" altLang="en-US"/>
                     </a:p>
                   </a:txBody>
                   <a:tcPr/>
@@ -14374,6 +14011,7 @@
                 <a:tc>
                   <a:txBody>
                     <a:bodyPr/>
+                    <a:lstStyle/>
                     <a:p>
                       <a:pPr algn="l">
                         <a:buNone/>
@@ -14382,7 +14020,6 @@
                         <a:rPr lang="zh-CN" altLang="en-US"/>
                         <a:t>表示模型元素的构造型</a:t>
                       </a:r>
-                      <a:endParaRPr lang="zh-CN" altLang="en-US"/>
                     </a:p>
                   </a:txBody>
                   <a:tcPr/>
@@ -14392,6 +14029,7 @@
                 <a:tc>
                   <a:txBody>
                     <a:bodyPr/>
+                    <a:lstStyle/>
                     <a:p>
                       <a:pPr algn="l">
                         <a:buNone/>
@@ -14404,7 +14042,6 @@
                         <a:rPr lang="zh-CN" altLang="en-US"/>
                         <a:t>类型表达式</a:t>
                       </a:r>
-                      <a:endParaRPr lang="zh-CN" altLang="en-US"/>
                     </a:p>
                   </a:txBody>
                   <a:tcPr/>
@@ -14412,6 +14049,7 @@
                 <a:tc>
                   <a:txBody>
                     <a:bodyPr/>
+                    <a:lstStyle/>
                     <a:p>
                       <a:pPr algn="l">
                         <a:buNone/>
@@ -14420,7 +14058,6 @@
                         <a:rPr lang="zh-CN" altLang="en-US"/>
                         <a:t>特殊类型的表达式</a:t>
                       </a:r>
-                      <a:endParaRPr lang="zh-CN" altLang="en-US"/>
                     </a:p>
                   </a:txBody>
                   <a:tcPr/>
@@ -14430,6 +14067,7 @@
                 <a:tc>
                   <a:txBody>
                     <a:bodyPr/>
+                    <a:lstStyle/>
                     <a:p>
                       <a:pPr algn="l">
                         <a:buNone/>
@@ -14442,7 +14080,6 @@
                         <a:rPr lang="zh-CN" altLang="en-US"/>
                         <a:t>字符串</a:t>
                       </a:r>
-                      <a:endParaRPr lang="zh-CN" altLang="en-US"/>
                     </a:p>
                   </a:txBody>
                   <a:tcPr/>
@@ -14450,6 +14087,7 @@
                 <a:tc>
                   <a:txBody>
                     <a:bodyPr/>
+                    <a:lstStyle/>
                     <a:p>
                       <a:pPr algn="l">
                         <a:buNone/>
@@ -14458,7 +14096,6 @@
                         <a:rPr lang="zh-CN" altLang="en-US"/>
                         <a:t>表示字符串</a:t>
                       </a:r>
-                      <a:endParaRPr lang="zh-CN" altLang="en-US"/>
                     </a:p>
                   </a:txBody>
                   <a:tcPr/>
@@ -14468,6 +14105,7 @@
                 <a:tc>
                   <a:txBody>
                     <a:bodyPr/>
+                    <a:lstStyle/>
                     <a:p>
                       <a:pPr algn="l">
                         <a:buNone/>
@@ -14480,7 +14118,6 @@
                         <a:rPr lang="zh-CN" altLang="en-US"/>
                         <a:t>布尔</a:t>
                       </a:r>
-                      <a:endParaRPr lang="zh-CN" altLang="en-US"/>
                     </a:p>
                   </a:txBody>
                   <a:tcPr/>
@@ -14488,6 +14125,7 @@
                 <a:tc>
                   <a:txBody>
                     <a:bodyPr/>
+                    <a:lstStyle/>
                     <a:p>
                       <a:pPr algn="l">
                         <a:buNone/>
@@ -14496,7 +14134,6 @@
                         <a:rPr lang="zh-CN" altLang="en-US"/>
                         <a:t>表示真假值</a:t>
                       </a:r>
-                      <a:endParaRPr lang="zh-CN" altLang="en-US"/>
                     </a:p>
                   </a:txBody>
                   <a:tcPr/>
@@ -14506,6 +14143,7 @@
                 <a:tc>
                   <a:txBody>
                     <a:bodyPr/>
+                    <a:lstStyle/>
                     <a:p>
                       <a:pPr algn="l">
                         <a:buNone/>
@@ -14518,7 +14156,6 @@
                         <a:rPr lang="zh-CN" altLang="en-US"/>
                         <a:t>枚举</a:t>
                       </a:r>
-                      <a:endParaRPr lang="zh-CN" altLang="en-US"/>
                     </a:p>
                   </a:txBody>
                   <a:tcPr/>
@@ -14526,6 +14163,7 @@
                 <a:tc>
                   <a:txBody>
                     <a:bodyPr/>
+                    <a:lstStyle/>
                     <a:p>
                       <a:pPr algn="l">
                         <a:buNone/>
@@ -14534,7 +14172,6 @@
                         <a:rPr lang="zh-CN" altLang="en-US"/>
                         <a:t>在各字面值中选一</a:t>
                       </a:r>
-                      <a:endParaRPr lang="zh-CN" altLang="en-US"/>
                     </a:p>
                   </a:txBody>
                   <a:tcPr/>
@@ -14544,6 +14181,7 @@
                 <a:tc>
                   <a:txBody>
                     <a:bodyPr/>
+                    <a:lstStyle/>
                     <a:p>
                       <a:pPr algn="l">
                         <a:buNone/>
@@ -14556,7 +14194,6 @@
                         <a:rPr lang="zh-CN" altLang="en-US"/>
                         <a:t>引用</a:t>
                       </a:r>
-                      <a:endParaRPr lang="zh-CN" altLang="en-US"/>
                     </a:p>
                   </a:txBody>
                   <a:tcPr/>
@@ -14564,6 +14201,7 @@
                 <a:tc>
                   <a:txBody>
                     <a:bodyPr/>
+                    <a:lstStyle/>
                     <a:p>
                       <a:pPr algn="l">
                         <a:buNone/>
@@ -14572,7 +14210,6 @@
                         <a:rPr lang="zh-CN" altLang="en-US"/>
                         <a:t>表示特定元素</a:t>
                       </a:r>
-                      <a:endParaRPr lang="zh-CN" altLang="en-US"/>
                     </a:p>
                   </a:txBody>
                   <a:tcPr/>
@@ -14582,6 +14219,7 @@
                 <a:tc>
                   <a:txBody>
                     <a:bodyPr/>
+                    <a:lstStyle/>
                     <a:p>
                       <a:pPr algn="l">
                         <a:buNone/>
@@ -14594,7 +14232,6 @@
                         <a:rPr lang="zh-CN" altLang="en-US"/>
                         <a:t>集合</a:t>
                       </a:r>
-                      <a:endParaRPr lang="zh-CN" altLang="en-US"/>
                     </a:p>
                   </a:txBody>
                   <a:tcPr/>
@@ -14602,6 +14239,7 @@
                 <a:tc>
                   <a:txBody>
                     <a:bodyPr/>
+                    <a:lstStyle/>
                     <a:p>
                       <a:pPr algn="l">
                         <a:buNone/>
@@ -14610,7 +14248,6 @@
                         <a:rPr lang="zh-CN" altLang="en-US"/>
                         <a:t>表示多个元素（通过集合编译器可编辑）</a:t>
                       </a:r>
-                      <a:endParaRPr lang="zh-CN" altLang="en-US"/>
                     </a:p>
                   </a:txBody>
                   <a:tcPr/>
@@ -14698,7 +14335,6 @@
               <a:rPr lang="zh-CN" dirty="0"/>
               <a:t>创建图</a:t>
             </a:r>
-            <a:endParaRPr lang="zh-CN" dirty="0"/>
           </a:p>
         </p:txBody>
       </p:sp>
@@ -14734,7 +14370,6 @@
               <a:rPr lang="zh-CN" sz="1400" dirty="0"/>
               <a:t>从模型资源管理器选择相应的模型。</a:t>
             </a:r>
-            <a:endParaRPr lang="zh-CN" sz="1400" dirty="0"/>
           </a:p>
           <a:p>
             <a:pPr marL="285750" indent="-285750">
@@ -14756,242 +14391,12 @@
               <a:rPr lang="zh-CN" altLang="en-US" sz="1400" dirty="0"/>
               <a:t>菜单，选择对应的图的类型后图就创建出来了</a:t>
             </a:r>
-            <a:endParaRPr lang="zh-CN" altLang="en-US" sz="1400" dirty="0"/>
           </a:p>
         </p:txBody>
       </p:sp>
       <p:pic>
         <p:nvPicPr>
           <p:cNvPr id="3" name="图片占位符 5" descr="C:\Users\Foyer\Desktop\微信截图_20181021114808.png微信截图_20181021114808"/>
-          <p:cNvPicPr>
-            <a:picLocks noChangeAspect="1"/>
-          </p:cNvPicPr>
-          <p:nvPr/>
-        </p:nvPicPr>
-        <p:blipFill>
-          <a:blip r:embed="rId1"/>
-          <a:srcRect/>
-          <a:stretch>
-            <a:fillRect/>
-          </a:stretch>
-        </p:blipFill>
-        <p:spPr>
-          <a:xfrm>
-            <a:off x="8487410" y="1785620"/>
-            <a:ext cx="3282950" cy="2088515"/>
-          </a:xfrm>
-          <a:prstGeom prst="rect">
-            <a:avLst/>
-          </a:prstGeom>
-        </p:spPr>
-      </p:pic>
-      <p:sp>
-        <p:nvSpPr>
-          <p:cNvPr id="6" name="矩形 5"/>
-          <p:cNvSpPr/>
-          <p:nvPr/>
-        </p:nvSpPr>
-        <p:spPr>
-          <a:xfrm>
-            <a:off x="8487410" y="4229100"/>
-            <a:ext cx="3009900" cy="381000"/>
-          </a:xfrm>
-          <a:prstGeom prst="rect">
-            <a:avLst/>
-          </a:prstGeom>
-          <a:solidFill>
-            <a:srgbClr val="48A2A0"/>
-          </a:solidFill>
-          <a:ln>
-            <a:noFill/>
-          </a:ln>
-        </p:spPr>
-        <p:style>
-          <a:lnRef idx="2">
-            <a:schemeClr val="accent1">
-              <a:shade val="50000"/>
-            </a:schemeClr>
-          </a:lnRef>
-          <a:fillRef idx="1">
-            <a:schemeClr val="accent1"/>
-          </a:fillRef>
-          <a:effectRef idx="0">
-            <a:schemeClr val="accent1"/>
-          </a:effectRef>
-          <a:fontRef idx="minor">
-            <a:schemeClr val="lt1"/>
-          </a:fontRef>
-        </p:style>
-        <p:txBody>
-          <a:bodyPr rtlCol="0" anchor="ctr"/>
-          <a:lstStyle/>
-          <a:p>
-            <a:pPr algn="ctr"/>
-            <a:r>
-              <a:rPr lang="zh-CN" dirty="0"/>
-              <a:t>一次创建多个元素</a:t>
-            </a:r>
-            <a:endParaRPr lang="zh-CN" dirty="0"/>
-          </a:p>
-        </p:txBody>
-      </p:sp>
-      <p:sp>
-        <p:nvSpPr>
-          <p:cNvPr id="9" name="矩形 8"/>
-          <p:cNvSpPr/>
-          <p:nvPr/>
-        </p:nvSpPr>
-        <p:spPr>
-          <a:xfrm>
-            <a:off x="8487410" y="4592955"/>
-            <a:ext cx="3562350" cy="1599565"/>
-          </a:xfrm>
-          <a:prstGeom prst="rect">
-            <a:avLst/>
-          </a:prstGeom>
-        </p:spPr>
-        <p:txBody>
-          <a:bodyPr wrap="square">
-            <a:spAutoFit/>
-          </a:bodyPr>
-          <a:lstStyle/>
-          <a:p>
-            <a:pPr marL="285750" indent="-285750">
-              <a:buClr>
-                <a:srgbClr val="48A2A0"/>
-              </a:buClr>
-              <a:buFont typeface="Wingdings" panose="05000000000000000000" pitchFamily="2" charset="2"/>
-              <a:buChar char="l"/>
-            </a:pPr>
-            <a:r>
-              <a:rPr lang="zh-CN" sz="1400" dirty="0">
-                <a:solidFill>
-                  <a:srgbClr val="4D402B"/>
-                </a:solidFill>
-              </a:rPr>
-              <a:t>从工具箱中双击要创建的元素类型。</a:t>
-            </a:r>
-            <a:endParaRPr lang="zh-CN" sz="1400" dirty="0">
-              <a:solidFill>
-                <a:srgbClr val="4D402B"/>
-              </a:solidFill>
-            </a:endParaRPr>
-          </a:p>
-          <a:p>
-            <a:pPr marL="285750" indent="-285750">
-              <a:buClr>
-                <a:srgbClr val="48A2A0"/>
-              </a:buClr>
-              <a:buFont typeface="Wingdings" panose="05000000000000000000" pitchFamily="2" charset="2"/>
-              <a:buChar char="l"/>
-            </a:pPr>
-            <a:r>
-              <a:rPr lang="zh-CN" sz="1400" dirty="0">
-                <a:solidFill>
-                  <a:srgbClr val="4D402B"/>
-                </a:solidFill>
-              </a:rPr>
-              <a:t>在工具箱对应的元素类型后会出现一个红色的     图标，表名被锁住了。</a:t>
-            </a:r>
-            <a:endParaRPr lang="zh-CN" sz="1400" dirty="0">
-              <a:solidFill>
-                <a:srgbClr val="4D402B"/>
-              </a:solidFill>
-            </a:endParaRPr>
-          </a:p>
-          <a:p>
-            <a:pPr marL="285750" indent="-285750">
-              <a:buClr>
-                <a:srgbClr val="48A2A0"/>
-              </a:buClr>
-              <a:buFont typeface="Wingdings" panose="05000000000000000000" pitchFamily="2" charset="2"/>
-              <a:buChar char="l"/>
-            </a:pPr>
-            <a:r>
-              <a:rPr lang="zh-CN" sz="1400" dirty="0">
-                <a:solidFill>
-                  <a:srgbClr val="4D402B"/>
-                </a:solidFill>
-              </a:rPr>
-              <a:t>在绘图区可以连续创建多个元素。</a:t>
-            </a:r>
-            <a:endParaRPr lang="zh-CN" sz="1400" dirty="0">
-              <a:solidFill>
-                <a:srgbClr val="4D402B"/>
-              </a:solidFill>
-            </a:endParaRPr>
-          </a:p>
-          <a:p>
-            <a:pPr marL="285750" indent="-285750">
-              <a:buClr>
-                <a:srgbClr val="48A2A0"/>
-              </a:buClr>
-              <a:buFont typeface="Wingdings" panose="05000000000000000000" pitchFamily="2" charset="2"/>
-              <a:buChar char="l"/>
-            </a:pPr>
-            <a:r>
-              <a:rPr lang="zh-CN" sz="1400" dirty="0">
-                <a:solidFill>
-                  <a:srgbClr val="4D402B"/>
-                </a:solidFill>
-              </a:rPr>
-              <a:t>创建完多个元素后，在工具箱中选择</a:t>
-            </a:r>
-            <a:endParaRPr lang="zh-CN" sz="1400" dirty="0">
-              <a:solidFill>
-                <a:srgbClr val="4D402B"/>
-              </a:solidFill>
-            </a:endParaRPr>
-          </a:p>
-          <a:p>
-            <a:pPr indent="0">
-              <a:buClr>
-                <a:srgbClr val="48A2A0"/>
-              </a:buClr>
-              <a:buFont typeface="Wingdings" panose="05000000000000000000" pitchFamily="2" charset="2"/>
-              <a:buNone/>
-            </a:pPr>
-            <a:r>
-              <a:rPr lang="zh-CN" sz="1400" dirty="0">
-                <a:solidFill>
-                  <a:srgbClr val="4D402B"/>
-                </a:solidFill>
-              </a:rPr>
-              <a:t>                  ，则消除该功能         </a:t>
-            </a:r>
-            <a:endParaRPr lang="zh-CN" sz="1400" dirty="0">
-              <a:solidFill>
-                <a:srgbClr val="4D402B"/>
-              </a:solidFill>
-            </a:endParaRPr>
-          </a:p>
-          <a:p>
-            <a:pPr indent="0">
-              <a:buClr>
-                <a:srgbClr val="48A2A0"/>
-              </a:buClr>
-              <a:buFont typeface="Wingdings" panose="05000000000000000000" pitchFamily="2" charset="2"/>
-              <a:buNone/>
-            </a:pPr>
-            <a:r>
-              <a:rPr lang="zh-CN" sz="1400" dirty="0">
-                <a:solidFill>
-                  <a:srgbClr val="4D402B"/>
-                </a:solidFill>
-              </a:rPr>
-              <a:t>          </a:t>
-            </a:r>
-            <a:endParaRPr lang="zh-CN" sz="1400" dirty="0">
-              <a:solidFill>
-                <a:srgbClr val="4D402B"/>
-              </a:solidFill>
-            </a:endParaRPr>
-          </a:p>
-        </p:txBody>
-      </p:sp>
-      <p:pic>
-        <p:nvPicPr>
-          <p:cNvPr id="4" name="图片占位符 6" descr="C:\Users\Foyer\Desktop\微信截图_20181021112811.png微信截图_20181021112811"/>
           <p:cNvPicPr>
             <a:picLocks noChangeAspect="1"/>
           </p:cNvPicPr>
@@ -15006,8 +14411,8 @@
         </p:blipFill>
         <p:spPr>
           <a:xfrm>
-            <a:off x="512445" y="1772603"/>
-            <a:ext cx="3625215" cy="2118360"/>
+            <a:off x="8487410" y="1785620"/>
+            <a:ext cx="3282950" cy="2088515"/>
           </a:xfrm>
           <a:prstGeom prst="rect">
             <a:avLst/>
@@ -15016,13 +14421,13 @@
       </p:pic>
       <p:sp>
         <p:nvSpPr>
-          <p:cNvPr id="7" name="矩形 6"/>
+          <p:cNvPr id="6" name="矩形 5"/>
           <p:cNvSpPr/>
           <p:nvPr/>
         </p:nvSpPr>
         <p:spPr>
           <a:xfrm>
-            <a:off x="4314190" y="4211955"/>
+            <a:off x="8487410" y="4229100"/>
             <a:ext cx="3009900" cy="381000"/>
           </a:xfrm>
           <a:prstGeom prst="rect">
@@ -15057,10 +14462,207 @@
           <a:p>
             <a:pPr algn="ctr"/>
             <a:r>
+              <a:rPr lang="zh-CN" dirty="0"/>
+              <a:t>一次创建多个元素</a:t>
+            </a:r>
+          </a:p>
+        </p:txBody>
+      </p:sp>
+      <p:sp>
+        <p:nvSpPr>
+          <p:cNvPr id="9" name="矩形 8"/>
+          <p:cNvSpPr/>
+          <p:nvPr/>
+        </p:nvSpPr>
+        <p:spPr>
+          <a:xfrm>
+            <a:off x="8487410" y="4592955"/>
+            <a:ext cx="3562350" cy="1599565"/>
+          </a:xfrm>
+          <a:prstGeom prst="rect">
+            <a:avLst/>
+          </a:prstGeom>
+        </p:spPr>
+        <p:txBody>
+          <a:bodyPr wrap="square">
+            <a:spAutoFit/>
+          </a:bodyPr>
+          <a:lstStyle/>
+          <a:p>
+            <a:pPr marL="285750" indent="-285750">
+              <a:buClr>
+                <a:srgbClr val="48A2A0"/>
+              </a:buClr>
+              <a:buFont typeface="Wingdings" panose="05000000000000000000" pitchFamily="2" charset="2"/>
+              <a:buChar char="l"/>
+            </a:pPr>
+            <a:r>
+              <a:rPr lang="zh-CN" sz="1400" dirty="0">
+                <a:solidFill>
+                  <a:srgbClr val="4D402B"/>
+                </a:solidFill>
+              </a:rPr>
+              <a:t>从工具箱中双击要创建的元素类型。</a:t>
+            </a:r>
+          </a:p>
+          <a:p>
+            <a:pPr marL="285750" indent="-285750">
+              <a:buClr>
+                <a:srgbClr val="48A2A0"/>
+              </a:buClr>
+              <a:buFont typeface="Wingdings" panose="05000000000000000000" pitchFamily="2" charset="2"/>
+              <a:buChar char="l"/>
+            </a:pPr>
+            <a:r>
+              <a:rPr lang="zh-CN" sz="1400" dirty="0">
+                <a:solidFill>
+                  <a:srgbClr val="4D402B"/>
+                </a:solidFill>
+              </a:rPr>
+              <a:t>在工具箱对应的元素类型后会出现一个红色的     图标，表名被锁住了。</a:t>
+            </a:r>
+          </a:p>
+          <a:p>
+            <a:pPr marL="285750" indent="-285750">
+              <a:buClr>
+                <a:srgbClr val="48A2A0"/>
+              </a:buClr>
+              <a:buFont typeface="Wingdings" panose="05000000000000000000" pitchFamily="2" charset="2"/>
+              <a:buChar char="l"/>
+            </a:pPr>
+            <a:r>
+              <a:rPr lang="zh-CN" sz="1400" dirty="0">
+                <a:solidFill>
+                  <a:srgbClr val="4D402B"/>
+                </a:solidFill>
+              </a:rPr>
+              <a:t>在绘图区可以连续创建多个元素。</a:t>
+            </a:r>
+          </a:p>
+          <a:p>
+            <a:pPr marL="285750" indent="-285750">
+              <a:buClr>
+                <a:srgbClr val="48A2A0"/>
+              </a:buClr>
+              <a:buFont typeface="Wingdings" panose="05000000000000000000" pitchFamily="2" charset="2"/>
+              <a:buChar char="l"/>
+            </a:pPr>
+            <a:r>
+              <a:rPr lang="zh-CN" sz="1400" dirty="0">
+                <a:solidFill>
+                  <a:srgbClr val="4D402B"/>
+                </a:solidFill>
+              </a:rPr>
+              <a:t>创建完多个元素后，在工具箱中选择</a:t>
+            </a:r>
+          </a:p>
+          <a:p>
+            <a:pPr indent="0">
+              <a:buClr>
+                <a:srgbClr val="48A2A0"/>
+              </a:buClr>
+              <a:buFont typeface="Wingdings" panose="05000000000000000000" pitchFamily="2" charset="2"/>
+              <a:buNone/>
+            </a:pPr>
+            <a:r>
+              <a:rPr lang="zh-CN" sz="1400" dirty="0">
+                <a:solidFill>
+                  <a:srgbClr val="4D402B"/>
+                </a:solidFill>
+              </a:rPr>
+              <a:t>                  ，则消除该功能         </a:t>
+            </a:r>
+          </a:p>
+          <a:p>
+            <a:pPr indent="0">
+              <a:buClr>
+                <a:srgbClr val="48A2A0"/>
+              </a:buClr>
+              <a:buFont typeface="Wingdings" panose="05000000000000000000" pitchFamily="2" charset="2"/>
+              <a:buNone/>
+            </a:pPr>
+            <a:r>
+              <a:rPr lang="zh-CN" sz="1400" dirty="0">
+                <a:solidFill>
+                  <a:srgbClr val="4D402B"/>
+                </a:solidFill>
+              </a:rPr>
+              <a:t>          </a:t>
+            </a:r>
+          </a:p>
+        </p:txBody>
+      </p:sp>
+      <p:pic>
+        <p:nvPicPr>
+          <p:cNvPr id="4" name="图片占位符 6" descr="C:\Users\Foyer\Desktop\微信截图_20181021112811.png微信截图_20181021112811"/>
+          <p:cNvPicPr>
+            <a:picLocks noChangeAspect="1"/>
+          </p:cNvPicPr>
+          <p:nvPr/>
+        </p:nvPicPr>
+        <p:blipFill>
+          <a:blip r:embed="rId3"/>
+          <a:srcRect/>
+          <a:stretch>
+            <a:fillRect/>
+          </a:stretch>
+        </p:blipFill>
+        <p:spPr>
+          <a:xfrm>
+            <a:off x="512445" y="1772603"/>
+            <a:ext cx="3625215" cy="2118360"/>
+          </a:xfrm>
+          <a:prstGeom prst="rect">
+            <a:avLst/>
+          </a:prstGeom>
+        </p:spPr>
+      </p:pic>
+      <p:sp>
+        <p:nvSpPr>
+          <p:cNvPr id="7" name="矩形 6"/>
+          <p:cNvSpPr/>
+          <p:nvPr/>
+        </p:nvSpPr>
+        <p:spPr>
+          <a:xfrm>
+            <a:off x="4314190" y="4211955"/>
+            <a:ext cx="3009900" cy="381000"/>
+          </a:xfrm>
+          <a:prstGeom prst="rect">
+            <a:avLst/>
+          </a:prstGeom>
+          <a:solidFill>
+            <a:srgbClr val="48A2A0"/>
+          </a:solidFill>
+          <a:ln>
+            <a:noFill/>
+          </a:ln>
+        </p:spPr>
+        <p:style>
+          <a:lnRef idx="2">
+            <a:schemeClr val="accent1">
+              <a:shade val="50000"/>
+            </a:schemeClr>
+          </a:lnRef>
+          <a:fillRef idx="1">
+            <a:schemeClr val="accent1"/>
+          </a:fillRef>
+          <a:effectRef idx="0">
+            <a:schemeClr val="accent1"/>
+          </a:effectRef>
+          <a:fontRef idx="minor">
+            <a:schemeClr val="lt1"/>
+          </a:fontRef>
+        </p:style>
+        <p:txBody>
+          <a:bodyPr rtlCol="0" anchor="ctr"/>
+          <a:lstStyle/>
+          <a:p>
+            <a:pPr algn="ctr"/>
+            <a:r>
               <a:rPr lang="zh-CN" altLang="en-US" dirty="0"/>
               <a:t>图中添加元素</a:t>
             </a:r>
-            <a:endParaRPr lang="zh-CN" altLang="en-US" dirty="0"/>
           </a:p>
         </p:txBody>
       </p:sp>
@@ -15284,14 +14886,6 @@
               </a:rPr>
               <a:t>建模的基本过程</a:t>
             </a:r>
-            <a:endParaRPr lang="zh-CN" altLang="en-US" sz="2000" b="1" dirty="0">
-              <a:solidFill>
-                <a:schemeClr val="tx1">
-                  <a:lumMod val="75000"/>
-                  <a:lumOff val="25000"/>
-                </a:schemeClr>
-              </a:solidFill>
-            </a:endParaRPr>
           </a:p>
         </p:txBody>
       </p:sp>
@@ -15315,6 +14909,7 @@
           <a:bodyPr wrap="none" rtlCol="0">
             <a:spAutoFit/>
           </a:bodyPr>
+          <a:lstStyle/>
           <a:p>
             <a:pPr algn="l"/>
             <a:r>
@@ -15329,9 +14924,6 @@
               </a:rPr>
               <a:t>创建图</a:t>
             </a:r>
-            <a:endParaRPr lang="zh-CN" altLang="en-US" b="1">
-              <a:sym typeface="+mn-ea"/>
-            </a:endParaRPr>
           </a:p>
         </p:txBody>
       </p:sp>
@@ -15344,7 +14936,7 @@
           <p:nvPr/>
         </p:nvPicPr>
         <p:blipFill>
-          <a:blip r:embed="rId3"/>
+          <a:blip r:embed="rId4"/>
           <a:stretch>
             <a:fillRect/>
           </a:stretch>
@@ -15368,7 +14960,7 @@
           <p:nvPr/>
         </p:nvPicPr>
         <p:blipFill>
-          <a:blip r:embed="rId4"/>
+          <a:blip r:embed="rId5"/>
           <a:stretch>
             <a:fillRect/>
           </a:stretch>
@@ -15392,7 +14984,7 @@
           <p:nvPr/>
         </p:nvPicPr>
         <p:blipFill>
-          <a:blip r:embed="rId5"/>
+          <a:blip r:embed="rId6"/>
           <a:stretch>
             <a:fillRect/>
           </a:stretch>
@@ -15578,14 +15170,6 @@
               </a:rPr>
               <a:t>建模的基本过程</a:t>
             </a:r>
-            <a:endParaRPr lang="zh-CN" altLang="en-US" sz="2000" b="1" dirty="0">
-              <a:solidFill>
-                <a:schemeClr val="tx1">
-                  <a:lumMod val="75000"/>
-                  <a:lumOff val="25000"/>
-                </a:schemeClr>
-              </a:solidFill>
-            </a:endParaRPr>
           </a:p>
         </p:txBody>
       </p:sp>
@@ -15609,6 +15193,7 @@
           <a:bodyPr wrap="none" rtlCol="0">
             <a:spAutoFit/>
           </a:bodyPr>
+          <a:lstStyle/>
           <a:p>
             <a:pPr algn="l"/>
             <a:r>
@@ -15623,9 +15208,6 @@
               </a:rPr>
               <a:t>创建图</a:t>
             </a:r>
-            <a:endParaRPr lang="zh-CN" altLang="en-US" b="1">
-              <a:sym typeface="+mn-ea"/>
-            </a:endParaRPr>
           </a:p>
         </p:txBody>
       </p:sp>
@@ -15649,12 +15231,12 @@
           <a:bodyPr wrap="none" rtlCol="0">
             <a:spAutoFit/>
           </a:bodyPr>
+          <a:lstStyle/>
           <a:p>
             <a:r>
               <a:rPr lang="zh-CN" altLang="en-US"/>
               <a:t>图书管理员用例图</a:t>
             </a:r>
-            <a:endParaRPr lang="zh-CN" altLang="en-US"/>
           </a:p>
         </p:txBody>
       </p:sp>
@@ -15667,7 +15249,7 @@
           <p:nvPr/>
         </p:nvPicPr>
         <p:blipFill>
-          <a:blip r:embed="rId1"/>
+          <a:blip r:embed="rId2"/>
           <a:stretch>
             <a:fillRect/>
           </a:stretch>
@@ -15723,7 +15305,7 @@
           <p:nvPr/>
         </p:nvPicPr>
         <p:blipFill>
-          <a:blip r:embed="rId1"/>
+          <a:blip r:embed="rId2"/>
           <a:srcRect/>
           <a:stretch>
             <a:fillRect/>
@@ -15785,7 +15367,6 @@
               <a:rPr lang="zh-CN" dirty="0"/>
               <a:t>创建图</a:t>
             </a:r>
-            <a:endParaRPr lang="zh-CN" dirty="0"/>
           </a:p>
         </p:txBody>
       </p:sp>
@@ -15821,7 +15402,6 @@
               <a:rPr lang="zh-CN" sz="1400" dirty="0"/>
               <a:t>从模型资源管理器选择相应的模型。</a:t>
             </a:r>
-            <a:endParaRPr lang="zh-CN" sz="1400" dirty="0"/>
           </a:p>
           <a:p>
             <a:pPr marL="285750" indent="-285750">
@@ -15843,218 +15423,12 @@
               <a:rPr lang="zh-CN" altLang="en-US" sz="1400" dirty="0"/>
               <a:t>菜单，选择对应的图的类型后图就创建出来了</a:t>
             </a:r>
-            <a:endParaRPr lang="zh-CN" altLang="en-US" sz="1400" dirty="0"/>
           </a:p>
         </p:txBody>
       </p:sp>
       <p:pic>
         <p:nvPicPr>
           <p:cNvPr id="3" name="图片占位符 5" descr="C:\Users\Foyer\Desktop\微信截图_20181021111033.png微信截图_20181021111033"/>
-          <p:cNvPicPr>
-            <a:picLocks noChangeAspect="1"/>
-          </p:cNvPicPr>
-          <p:nvPr/>
-        </p:nvPicPr>
-        <p:blipFill>
-          <a:blip r:embed="rId2"/>
-          <a:srcRect/>
-          <a:stretch>
-            <a:fillRect/>
-          </a:stretch>
-        </p:blipFill>
-        <p:spPr>
-          <a:xfrm>
-            <a:off x="8496935" y="1823720"/>
-            <a:ext cx="3651885" cy="2088515"/>
-          </a:xfrm>
-          <a:prstGeom prst="rect">
-            <a:avLst/>
-          </a:prstGeom>
-        </p:spPr>
-      </p:pic>
-      <p:sp>
-        <p:nvSpPr>
-          <p:cNvPr id="6" name="矩形 5"/>
-          <p:cNvSpPr/>
-          <p:nvPr/>
-        </p:nvSpPr>
-        <p:spPr>
-          <a:xfrm>
-            <a:off x="8487410" y="4229100"/>
-            <a:ext cx="3009900" cy="381000"/>
-          </a:xfrm>
-          <a:prstGeom prst="rect">
-            <a:avLst/>
-          </a:prstGeom>
-          <a:solidFill>
-            <a:srgbClr val="48A2A0"/>
-          </a:solidFill>
-          <a:ln>
-            <a:noFill/>
-          </a:ln>
-        </p:spPr>
-        <p:style>
-          <a:lnRef idx="2">
-            <a:schemeClr val="accent1">
-              <a:shade val="50000"/>
-            </a:schemeClr>
-          </a:lnRef>
-          <a:fillRef idx="1">
-            <a:schemeClr val="accent1"/>
-          </a:fillRef>
-          <a:effectRef idx="0">
-            <a:schemeClr val="accent1"/>
-          </a:effectRef>
-          <a:fontRef idx="minor">
-            <a:schemeClr val="lt1"/>
-          </a:fontRef>
-        </p:style>
-        <p:txBody>
-          <a:bodyPr rtlCol="0" anchor="ctr"/>
-          <a:lstStyle/>
-          <a:p>
-            <a:pPr algn="ctr"/>
-            <a:r>
-              <a:rPr lang="zh-CN" dirty="0"/>
-              <a:t>对属性或操作设置数据类型</a:t>
-            </a:r>
-            <a:endParaRPr lang="en-US" altLang="zh-CN" dirty="0"/>
-          </a:p>
-        </p:txBody>
-      </p:sp>
-      <p:sp>
-        <p:nvSpPr>
-          <p:cNvPr id="9" name="矩形 8"/>
-          <p:cNvSpPr/>
-          <p:nvPr/>
-        </p:nvSpPr>
-        <p:spPr>
-          <a:xfrm>
-            <a:off x="8487410" y="4592955"/>
-            <a:ext cx="3562350" cy="1383665"/>
-          </a:xfrm>
-          <a:prstGeom prst="rect">
-            <a:avLst/>
-          </a:prstGeom>
-        </p:spPr>
-        <p:txBody>
-          <a:bodyPr wrap="square">
-            <a:spAutoFit/>
-          </a:bodyPr>
-          <a:lstStyle/>
-          <a:p>
-            <a:pPr marL="285750" indent="-285750">
-              <a:buClr>
-                <a:srgbClr val="48A2A0"/>
-              </a:buClr>
-              <a:buFont typeface="Wingdings" panose="05000000000000000000" pitchFamily="2" charset="2"/>
-              <a:buChar char="l"/>
-            </a:pPr>
-            <a:r>
-              <a:rPr lang="zh-CN" sz="1400" dirty="0">
-                <a:solidFill>
-                  <a:srgbClr val="4D402B"/>
-                </a:solidFill>
-              </a:rPr>
-              <a:t>在窗体右下角的</a:t>
-            </a:r>
-            <a:r>
-              <a:rPr lang="en-US" altLang="zh-CN" sz="1400" dirty="0">
-                <a:solidFill>
-                  <a:srgbClr val="4D402B"/>
-                </a:solidFill>
-              </a:rPr>
-              <a:t>Properties</a:t>
-            </a:r>
-            <a:r>
-              <a:rPr lang="zh-CN" altLang="en-US" sz="1400" dirty="0">
-                <a:solidFill>
-                  <a:srgbClr val="4D402B"/>
-                </a:solidFill>
-              </a:rPr>
-              <a:t>窗口中，找到</a:t>
-            </a:r>
-            <a:r>
-              <a:rPr lang="en-US" altLang="zh-CN" sz="1400" dirty="0">
-                <a:solidFill>
-                  <a:srgbClr val="4D402B"/>
-                </a:solidFill>
-              </a:rPr>
-              <a:t>Type</a:t>
-            </a:r>
-            <a:r>
-              <a:rPr lang="zh-CN" altLang="en-US" sz="1400" dirty="0">
-                <a:solidFill>
-                  <a:srgbClr val="4D402B"/>
-                </a:solidFill>
-              </a:rPr>
-              <a:t>输入框，输入属性或操作的类型。</a:t>
-            </a:r>
-            <a:endParaRPr lang="zh-CN" altLang="en-US" sz="1400" dirty="0">
-              <a:solidFill>
-                <a:srgbClr val="4D402B"/>
-              </a:solidFill>
-            </a:endParaRPr>
-          </a:p>
-          <a:p>
-            <a:pPr marL="285750" indent="-285750">
-              <a:buClr>
-                <a:srgbClr val="48A2A0"/>
-              </a:buClr>
-              <a:buFont typeface="Wingdings" panose="05000000000000000000" pitchFamily="2" charset="2"/>
-              <a:buChar char="l"/>
-            </a:pPr>
-            <a:r>
-              <a:rPr lang="zh-CN" altLang="en-US" sz="1400" dirty="0">
-                <a:solidFill>
-                  <a:srgbClr val="4D402B"/>
-                </a:solidFill>
-              </a:rPr>
-              <a:t>其中由于类的封装性和类内部使用的规范性，其内部数据（属性）都是私有的，所以，在</a:t>
-            </a:r>
-            <a:r>
-              <a:rPr lang="en-US" altLang="zh-CN" sz="1400" dirty="0">
-                <a:solidFill>
-                  <a:srgbClr val="4D402B"/>
-                </a:solidFill>
-              </a:rPr>
-              <a:t>Properties</a:t>
-            </a:r>
-            <a:r>
-              <a:rPr lang="zh-CN" altLang="en-US" sz="1400" dirty="0">
-                <a:solidFill>
-                  <a:srgbClr val="4D402B"/>
-                </a:solidFill>
-              </a:rPr>
-              <a:t>面板中将属性设置为</a:t>
-            </a:r>
-            <a:r>
-              <a:rPr lang="en-US" altLang="zh-CN" sz="1400" dirty="0">
-                <a:solidFill>
-                  <a:srgbClr val="4D402B"/>
-                </a:solidFill>
-              </a:rPr>
-              <a:t>Private</a:t>
-            </a:r>
-            <a:r>
-              <a:rPr lang="zh-CN" altLang="en-US" sz="1400" dirty="0">
-                <a:solidFill>
-                  <a:srgbClr val="4D402B"/>
-                </a:solidFill>
-              </a:rPr>
-              <a:t>。</a:t>
-            </a:r>
-            <a:endParaRPr lang="zh-CN" altLang="en-US" sz="1400" dirty="0">
-              <a:solidFill>
-                <a:srgbClr val="4D402B"/>
-              </a:solidFill>
-            </a:endParaRPr>
-          </a:p>
-        </p:txBody>
-      </p:sp>
-      <p:pic>
-        <p:nvPicPr>
-          <p:cNvPr id="4" name="图片占位符 6" descr="C:\Users\Foyer\Desktop\微信截图_20181021112811.png微信截图_20181021112811"/>
           <p:cNvPicPr>
             <a:picLocks noChangeAspect="1"/>
           </p:cNvPicPr>
@@ -16069,8 +15443,8 @@
         </p:blipFill>
         <p:spPr>
           <a:xfrm>
-            <a:off x="512445" y="1772603"/>
-            <a:ext cx="3625215" cy="2118360"/>
+            <a:off x="8496935" y="1823720"/>
+            <a:ext cx="3651885" cy="2088515"/>
           </a:xfrm>
           <a:prstGeom prst="rect">
             <a:avLst/>
@@ -16079,13 +15453,13 @@
       </p:pic>
       <p:sp>
         <p:nvSpPr>
-          <p:cNvPr id="7" name="矩形 6"/>
+          <p:cNvPr id="6" name="矩形 5"/>
           <p:cNvSpPr/>
           <p:nvPr/>
         </p:nvSpPr>
         <p:spPr>
           <a:xfrm>
-            <a:off x="4314190" y="4211955"/>
+            <a:off x="8487410" y="4229100"/>
             <a:ext cx="3009900" cy="381000"/>
           </a:xfrm>
           <a:prstGeom prst="rect">
@@ -16120,23 +15494,23 @@
           <a:p>
             <a:pPr algn="ctr"/>
             <a:r>
-              <a:rPr lang="zh-CN" altLang="en-US" dirty="0"/>
-              <a:t>对类创建属性或操作</a:t>
-            </a:r>
-            <a:endParaRPr lang="zh-CN" altLang="en-US" dirty="0"/>
-          </a:p>
-        </p:txBody>
-      </p:sp>
-      <p:sp>
-        <p:nvSpPr>
-          <p:cNvPr id="10" name="矩形 9"/>
+              <a:rPr lang="zh-CN" dirty="0"/>
+              <a:t>对属性或操作设置数据类型</a:t>
+            </a:r>
+            <a:endParaRPr lang="en-US" altLang="zh-CN" dirty="0"/>
+          </a:p>
+        </p:txBody>
+      </p:sp>
+      <p:sp>
+        <p:nvSpPr>
+          <p:cNvPr id="9" name="矩形 8"/>
           <p:cNvSpPr/>
           <p:nvPr/>
         </p:nvSpPr>
         <p:spPr>
           <a:xfrm>
-            <a:off x="4314190" y="4592955"/>
-            <a:ext cx="3562350" cy="1814830"/>
+            <a:off x="8487410" y="4592955"/>
+            <a:ext cx="3562350" cy="1383665"/>
           </a:xfrm>
           <a:prstGeom prst="rect">
             <a:avLst/>
@@ -16156,11 +15530,205 @@
               <a:buChar char="l"/>
             </a:pPr>
             <a:r>
+              <a:rPr lang="zh-CN" sz="1400" dirty="0">
+                <a:solidFill>
+                  <a:srgbClr val="4D402B"/>
+                </a:solidFill>
+              </a:rPr>
+              <a:t>在窗体右下角的</a:t>
+            </a:r>
+            <a:r>
+              <a:rPr lang="en-US" altLang="zh-CN" sz="1400" dirty="0">
+                <a:solidFill>
+                  <a:srgbClr val="4D402B"/>
+                </a:solidFill>
+              </a:rPr>
+              <a:t>Properties</a:t>
+            </a:r>
+            <a:r>
               <a:rPr lang="zh-CN" altLang="en-US" sz="1400" dirty="0">
                 <a:solidFill>
                   <a:srgbClr val="4D402B"/>
                 </a:solidFill>
               </a:rPr>
+              <a:t>窗口中，找到</a:t>
+            </a:r>
+            <a:r>
+              <a:rPr lang="en-US" altLang="zh-CN" sz="1400" dirty="0">
+                <a:solidFill>
+                  <a:srgbClr val="4D402B"/>
+                </a:solidFill>
+              </a:rPr>
+              <a:t>Type</a:t>
+            </a:r>
+            <a:r>
+              <a:rPr lang="zh-CN" altLang="en-US" sz="1400" dirty="0">
+                <a:solidFill>
+                  <a:srgbClr val="4D402B"/>
+                </a:solidFill>
+              </a:rPr>
+              <a:t>输入框，输入属性或操作的类型。</a:t>
+            </a:r>
+          </a:p>
+          <a:p>
+            <a:pPr marL="285750" indent="-285750">
+              <a:buClr>
+                <a:srgbClr val="48A2A0"/>
+              </a:buClr>
+              <a:buFont typeface="Wingdings" panose="05000000000000000000" pitchFamily="2" charset="2"/>
+              <a:buChar char="l"/>
+            </a:pPr>
+            <a:r>
+              <a:rPr lang="zh-CN" altLang="en-US" sz="1400" dirty="0">
+                <a:solidFill>
+                  <a:srgbClr val="4D402B"/>
+                </a:solidFill>
+              </a:rPr>
+              <a:t>其中由于类的封装性和类内部使用的规范性，其内部数据（属性）都是私有的，所以，在</a:t>
+            </a:r>
+            <a:r>
+              <a:rPr lang="en-US" altLang="zh-CN" sz="1400" dirty="0">
+                <a:solidFill>
+                  <a:srgbClr val="4D402B"/>
+                </a:solidFill>
+              </a:rPr>
+              <a:t>Properties</a:t>
+            </a:r>
+            <a:r>
+              <a:rPr lang="zh-CN" altLang="en-US" sz="1400" dirty="0">
+                <a:solidFill>
+                  <a:srgbClr val="4D402B"/>
+                </a:solidFill>
+              </a:rPr>
+              <a:t>面板中将属性设置为</a:t>
+            </a:r>
+            <a:r>
+              <a:rPr lang="en-US" altLang="zh-CN" sz="1400" dirty="0">
+                <a:solidFill>
+                  <a:srgbClr val="4D402B"/>
+                </a:solidFill>
+              </a:rPr>
+              <a:t>Private</a:t>
+            </a:r>
+            <a:r>
+              <a:rPr lang="zh-CN" altLang="en-US" sz="1400" dirty="0">
+                <a:solidFill>
+                  <a:srgbClr val="4D402B"/>
+                </a:solidFill>
+              </a:rPr>
+              <a:t>。</a:t>
+            </a:r>
+          </a:p>
+        </p:txBody>
+      </p:sp>
+      <p:pic>
+        <p:nvPicPr>
+          <p:cNvPr id="4" name="图片占位符 6" descr="C:\Users\Foyer\Desktop\微信截图_20181021112811.png微信截图_20181021112811"/>
+          <p:cNvPicPr>
+            <a:picLocks noChangeAspect="1"/>
+          </p:cNvPicPr>
+          <p:nvPr/>
+        </p:nvPicPr>
+        <p:blipFill>
+          <a:blip r:embed="rId4"/>
+          <a:srcRect/>
+          <a:stretch>
+            <a:fillRect/>
+          </a:stretch>
+        </p:blipFill>
+        <p:spPr>
+          <a:xfrm>
+            <a:off x="512445" y="1772603"/>
+            <a:ext cx="3625215" cy="2118360"/>
+          </a:xfrm>
+          <a:prstGeom prst="rect">
+            <a:avLst/>
+          </a:prstGeom>
+        </p:spPr>
+      </p:pic>
+      <p:sp>
+        <p:nvSpPr>
+          <p:cNvPr id="7" name="矩形 6"/>
+          <p:cNvSpPr/>
+          <p:nvPr/>
+        </p:nvSpPr>
+        <p:spPr>
+          <a:xfrm>
+            <a:off x="4314190" y="4211955"/>
+            <a:ext cx="3009900" cy="381000"/>
+          </a:xfrm>
+          <a:prstGeom prst="rect">
+            <a:avLst/>
+          </a:prstGeom>
+          <a:solidFill>
+            <a:srgbClr val="48A2A0"/>
+          </a:solidFill>
+          <a:ln>
+            <a:noFill/>
+          </a:ln>
+        </p:spPr>
+        <p:style>
+          <a:lnRef idx="2">
+            <a:schemeClr val="accent1">
+              <a:shade val="50000"/>
+            </a:schemeClr>
+          </a:lnRef>
+          <a:fillRef idx="1">
+            <a:schemeClr val="accent1"/>
+          </a:fillRef>
+          <a:effectRef idx="0">
+            <a:schemeClr val="accent1"/>
+          </a:effectRef>
+          <a:fontRef idx="minor">
+            <a:schemeClr val="lt1"/>
+          </a:fontRef>
+        </p:style>
+        <p:txBody>
+          <a:bodyPr rtlCol="0" anchor="ctr"/>
+          <a:lstStyle/>
+          <a:p>
+            <a:pPr algn="ctr"/>
+            <a:r>
+              <a:rPr lang="zh-CN" altLang="en-US" dirty="0"/>
+              <a:t>对类创建属性或操作</a:t>
+            </a:r>
+          </a:p>
+        </p:txBody>
+      </p:sp>
+      <p:sp>
+        <p:nvSpPr>
+          <p:cNvPr id="10" name="矩形 9"/>
+          <p:cNvSpPr/>
+          <p:nvPr/>
+        </p:nvSpPr>
+        <p:spPr>
+          <a:xfrm>
+            <a:off x="4314190" y="4592955"/>
+            <a:ext cx="3562350" cy="1814830"/>
+          </a:xfrm>
+          <a:prstGeom prst="rect">
+            <a:avLst/>
+          </a:prstGeom>
+        </p:spPr>
+        <p:txBody>
+          <a:bodyPr wrap="square">
+            <a:spAutoFit/>
+          </a:bodyPr>
+          <a:lstStyle/>
+          <a:p>
+            <a:pPr marL="285750" indent="-285750">
+              <a:buClr>
+                <a:srgbClr val="48A2A0"/>
+              </a:buClr>
+              <a:buFont typeface="Wingdings" panose="05000000000000000000" pitchFamily="2" charset="2"/>
+              <a:buChar char="l"/>
+            </a:pPr>
+            <a:r>
+              <a:rPr lang="zh-CN" altLang="en-US" sz="1400" dirty="0">
+                <a:solidFill>
+                  <a:srgbClr val="4D402B"/>
+                </a:solidFill>
+              </a:rPr>
               <a:t>右击类目标，在弹出菜单中选择</a:t>
             </a:r>
             <a:r>
@@ -16211,11 +15779,6 @@
               </a:rPr>
               <a:t>（被标识为红色）命令，为其创建属性或操作。</a:t>
             </a:r>
-            <a:endParaRPr lang="zh-CN" altLang="en-US" sz="1400" dirty="0">
-              <a:solidFill>
-                <a:srgbClr val="4D402B"/>
-              </a:solidFill>
-            </a:endParaRPr>
           </a:p>
           <a:p>
             <a:pPr marL="285750" indent="-285750">
@@ -16445,14 +16008,6 @@
               </a:rPr>
               <a:t>建模的基本过程</a:t>
             </a:r>
-            <a:endParaRPr lang="zh-CN" altLang="en-US" sz="2000" b="1" dirty="0">
-              <a:solidFill>
-                <a:schemeClr val="tx1">
-                  <a:lumMod val="75000"/>
-                  <a:lumOff val="25000"/>
-                </a:schemeClr>
-              </a:solidFill>
-            </a:endParaRPr>
           </a:p>
         </p:txBody>
       </p:sp>
@@ -16476,6 +16031,7 @@
           <a:bodyPr wrap="none" rtlCol="0">
             <a:spAutoFit/>
           </a:bodyPr>
+          <a:lstStyle/>
           <a:p>
             <a:pPr algn="l"/>
             <a:r>
@@ -16490,9 +16046,6 @@
               </a:rPr>
               <a:t>创建图</a:t>
             </a:r>
-            <a:endParaRPr lang="zh-CN" altLang="en-US" b="1">
-              <a:sym typeface="+mn-ea"/>
-            </a:endParaRPr>
           </a:p>
         </p:txBody>
       </p:sp>
@@ -16588,7 +16141,6 @@
                 <a:rPr lang="zh-CN" dirty="0"/>
                 <a:t>保存项目</a:t>
               </a:r>
-              <a:endParaRPr lang="zh-CN" dirty="0"/>
             </a:p>
           </p:txBody>
         </p:sp>
@@ -16648,7 +16200,6 @@
                 <a:rPr lang="zh-CN" altLang="en-US" sz="1400" dirty="0"/>
                 <a:t>），所以目前应该只有一个文件生成。</a:t>
               </a:r>
-              <a:endParaRPr lang="zh-CN" altLang="en-US" sz="1400" dirty="0"/>
             </a:p>
           </p:txBody>
         </p:sp>
@@ -16661,7 +16212,7 @@
             <p:nvPr/>
           </p:nvPicPr>
           <p:blipFill>
-            <a:blip r:embed="rId1"/>
+            <a:blip r:embed="rId2"/>
             <a:srcRect/>
             <a:stretch>
               <a:fillRect/>
@@ -16817,14 +16368,6 @@
               </a:rPr>
               <a:t>建模的基本过程</a:t>
             </a:r>
-            <a:endParaRPr lang="zh-CN" altLang="en-US" sz="2000" b="1" dirty="0">
-              <a:solidFill>
-                <a:schemeClr val="tx1">
-                  <a:lumMod val="75000"/>
-                  <a:lumOff val="25000"/>
-                </a:schemeClr>
-              </a:solidFill>
-            </a:endParaRPr>
           </a:p>
         </p:txBody>
       </p:sp>
@@ -16848,6 +16391,7 @@
           <a:bodyPr wrap="none" rtlCol="0">
             <a:spAutoFit/>
           </a:bodyPr>
+          <a:lstStyle/>
           <a:p>
             <a:pPr algn="l"/>
             <a:r>
@@ -16874,9 +16418,6 @@
               </a:rPr>
               <a:t>导出</a:t>
             </a:r>
-            <a:endParaRPr lang="zh-CN" altLang="en-US" b="1">
-              <a:sym typeface="+mn-ea"/>
-            </a:endParaRPr>
           </a:p>
         </p:txBody>
       </p:sp>
@@ -16940,7 +16481,6 @@
                 <a:rPr lang="zh-CN" altLang="en-US" dirty="0"/>
                 <a:t>导出</a:t>
               </a:r>
-              <a:endParaRPr lang="zh-CN" altLang="en-US" dirty="0"/>
             </a:p>
           </p:txBody>
         </p:sp>
@@ -17012,11 +16552,6 @@
                 </a:rPr>
                 <a:t>命令可以将图标导出，通过选择合适的文件类型保存为其他格式。</a:t>
               </a:r>
-              <a:endParaRPr lang="zh-CN" altLang="en-US" sz="1400" dirty="0">
-                <a:solidFill>
-                  <a:srgbClr val="4D402B"/>
-                </a:solidFill>
-              </a:endParaRPr>
             </a:p>
             <a:p>
               <a:pPr marL="285750" indent="-285750">
@@ -17057,7 +16592,7 @@
             <p:nvPr/>
           </p:nvPicPr>
           <p:blipFill>
-            <a:blip r:embed="rId2"/>
+            <a:blip r:embed="rId3"/>
             <a:stretch>
               <a:fillRect/>
             </a:stretch>
@@ -17097,7 +16632,14 @@
         <p:cNvGrpSpPr/>
         <p:nvPr/>
       </p:nvGrpSpPr>
-      <p:grpSpPr/>
+      <p:grpSpPr>
+        <a:xfrm>
+          <a:off x="0" y="0"/>
+          <a:ext cx="0" cy="0"/>
+          <a:chOff x="0" y="0"/>
+          <a:chExt cx="0" cy="0"/>
+        </a:xfrm>
+      </p:grpSpPr>
       <p:sp>
         <p:nvSpPr>
           <p:cNvPr id="22" name="椭圆 21"/>
@@ -17217,6 +16759,7 @@
           <a:bodyPr wrap="none" anchor="t">
             <a:spAutoFit/>
           </a:bodyPr>
+          <a:lstStyle/>
           <a:p>
             <a:r>
               <a:rPr lang="zh-CN" altLang="zh-CN" sz="2000" b="1" dirty="0">
@@ -17228,13 +16771,6 @@
               </a:rPr>
               <a:t>问题来了！！！！</a:t>
             </a:r>
-            <a:endParaRPr lang="zh-CN" altLang="zh-CN" sz="2000" b="1" dirty="0">
-              <a:solidFill>
-                <a:srgbClr val="404040"/>
-              </a:solidFill>
-              <a:latin typeface="等线" panose="02010600030101010101" charset="-122"/>
-              <a:ea typeface="等线" panose="02010600030101010101" charset="-122"/>
-            </a:endParaRPr>
           </a:p>
         </p:txBody>
       </p:sp>
@@ -17261,6 +16797,7 @@
           <a:bodyPr wrap="square" anchor="t">
             <a:spAutoFit/>
           </a:bodyPr>
+          <a:lstStyle/>
           <a:p>
             <a:r>
               <a:rPr lang="en-US" altLang="zh-CN" dirty="0">
@@ -17278,11 +16815,6 @@
               </a:rPr>
               <a:t>的模块具有哪些功能？至少说出三个。</a:t>
             </a:r>
-            <a:endParaRPr lang="zh-CN" altLang="en-US" dirty="0">
-              <a:latin typeface="等线" panose="02010600030101010101" charset="-122"/>
-              <a:ea typeface="等线" panose="02010600030101010101" charset="-122"/>
-              <a:sym typeface="等线" panose="02010600030101010101" charset="-122"/>
-            </a:endParaRPr>
           </a:p>
         </p:txBody>
       </p:sp>
@@ -17315,7 +16847,14 @@
         <p:cNvGrpSpPr/>
         <p:nvPr/>
       </p:nvGrpSpPr>
-      <p:grpSpPr/>
+      <p:grpSpPr>
+        <a:xfrm>
+          <a:off x="0" y="0"/>
+          <a:ext cx="0" cy="0"/>
+          <a:chOff x="0" y="0"/>
+          <a:chExt cx="0" cy="0"/>
+        </a:xfrm>
+      </p:grpSpPr>
       <p:sp>
         <p:nvSpPr>
           <p:cNvPr id="4" name="椭圆 3"/>
@@ -17440,7 +16979,7 @@
           <a:p>
             <a:pPr algn="ctr" fontAlgn="auto"/>
             <a:r>
-              <a:rPr lang="en-US" sz="2800" noProof="1" dirty="0" smtClean="0">
+              <a:rPr lang="en-US" sz="2800" noProof="1" smtClean="0">
                 <a:solidFill>
                   <a:schemeClr val="bg1"/>
                 </a:solidFill>
@@ -17458,7 +16997,7 @@
               <a:t>3.4</a:t>
             </a:r>
             <a:r>
-              <a:rPr lang="zh-CN" altLang="en-US" sz="2800" noProof="1" dirty="0" smtClean="0">
+              <a:rPr lang="zh-CN" altLang="en-US" sz="2800" noProof="1" smtClean="0">
                 <a:solidFill>
                   <a:schemeClr val="bg1"/>
                 </a:solidFill>
@@ -17475,7 +17014,7 @@
               </a:rPr>
               <a:t>双向工程</a:t>
             </a:r>
-            <a:endParaRPr lang="zh-CN" altLang="en-US" sz="2800" noProof="1" dirty="0" smtClean="0">
+            <a:endParaRPr lang="zh-CN" altLang="en-US" sz="2800" noProof="1" smtClean="0">
               <a:solidFill>
                 <a:schemeClr val="bg1"/>
               </a:solidFill>
@@ -17515,6 +17054,7 @@
           <a:bodyPr wrap="square" anchor="t">
             <a:spAutoFit/>
           </a:bodyPr>
+          <a:lstStyle/>
           <a:p>
             <a:r>
               <a:rPr lang="en-US" altLang="zh-CN" sz="1200" dirty="0">
@@ -17530,10 +17070,6 @@
               </a:rPr>
               <a:t>将正向和逆向工程结合在了一起，简单来说就是提供了一种系统架构与代码之间的转换桥梁</a:t>
             </a:r>
-            <a:endParaRPr lang="zh-CN" altLang="en-US" sz="1200" dirty="0">
-              <a:latin typeface="等线" panose="02010600030101010101" charset="-122"/>
-              <a:ea typeface="等线" panose="02010600030101010101" charset="-122"/>
-            </a:endParaRPr>
           </a:p>
         </p:txBody>
       </p:sp>
@@ -17560,6 +17096,7 @@
           <a:bodyPr wrap="none" anchor="t">
             <a:spAutoFit/>
           </a:bodyPr>
+          <a:lstStyle/>
           <a:p>
             <a:r>
               <a:rPr lang="zh-CN" altLang="zh-CN" sz="2000" b="1" dirty="0">
@@ -17568,10 +17105,6 @@
               </a:rPr>
               <a:t>简述</a:t>
             </a:r>
-            <a:endParaRPr lang="zh-CN" altLang="zh-CN" sz="2000" b="1" dirty="0">
-              <a:latin typeface="等线" panose="02010600030101010101" charset="-122"/>
-              <a:ea typeface="等线" panose="02010600030101010101" charset="-122"/>
-            </a:endParaRPr>
           </a:p>
         </p:txBody>
       </p:sp>
@@ -17809,6 +17342,7 @@
           </p:style>
           <p:txBody>
             <a:bodyPr rtlCol="0" anchor="ctr"/>
+            <a:lstStyle/>
             <a:p>
               <a:pPr algn="ctr"/>
               <a:endParaRPr lang="zh-CN" altLang="en-US"/>
@@ -17834,6 +17368,7 @@
             <a:bodyPr wrap="square">
               <a:spAutoFit/>
             </a:bodyPr>
+            <a:lstStyle/>
             <a:p>
               <a:pPr algn="ctr"/>
               <a:r>
@@ -17908,11 +17443,6 @@
                 </a:rPr>
                 <a:t>建模的支持。</a:t>
               </a:r>
-              <a:endParaRPr lang="zh-CN" altLang="en-US" sz="2000" b="1" dirty="0">
-                <a:solidFill>
-                  <a:schemeClr val="bg1"/>
-                </a:solidFill>
-              </a:endParaRPr>
             </a:p>
             <a:p>
               <a:endParaRPr lang="zh-CN" altLang="en-US" sz="2000" b="1" dirty="0">
@@ -18067,11 +17597,6 @@
                 </a:rPr>
                 <a:t>on和Jim Rumbaugh通过对早期面向对象研究和设计方法的进一步扩展得来，它为可视化建模软件奠定了坚实的理论基础</a:t>
               </a:r>
-              <a:endParaRPr lang="zh-CN" altLang="en-US" sz="2000" b="1" dirty="0">
-                <a:solidFill>
-                  <a:schemeClr val="bg1"/>
-                </a:solidFill>
-              </a:endParaRPr>
             </a:p>
           </p:txBody>
         </p:sp>
@@ -18100,7 +17625,14 @@
         <p:cNvGrpSpPr/>
         <p:nvPr/>
       </p:nvGrpSpPr>
-      <p:grpSpPr/>
+      <p:grpSpPr>
+        <a:xfrm>
+          <a:off x="0" y="0"/>
+          <a:ext cx="0" cy="0"/>
+          <a:chOff x="0" y="0"/>
+          <a:chExt cx="0" cy="0"/>
+        </a:xfrm>
+      </p:grpSpPr>
       <p:sp>
         <p:nvSpPr>
           <p:cNvPr id="3" name="矩形 2"/>
@@ -18324,6 +17856,7 @@
           <a:bodyPr wrap="square" anchor="t">
             <a:spAutoFit/>
           </a:bodyPr>
+          <a:lstStyle/>
           <a:p>
             <a:r>
               <a:rPr lang="zh-CN" altLang="zh-CN" sz="1400" dirty="0">
@@ -18405,13 +17938,6 @@
               </a:rPr>
               <a:t>代码等繁琐的工作时间。</a:t>
             </a:r>
-            <a:endParaRPr lang="zh-CN" altLang="zh-CN" sz="1400" dirty="0">
-              <a:solidFill>
-                <a:schemeClr val="bg1"/>
-              </a:solidFill>
-              <a:latin typeface="等线" panose="02010600030101010101" charset="-122"/>
-              <a:ea typeface="等线" panose="02010600030101010101" charset="-122"/>
-            </a:endParaRPr>
           </a:p>
         </p:txBody>
       </p:sp>
@@ -18438,6 +17964,7 @@
           <a:bodyPr wrap="square" anchor="t">
             <a:spAutoFit/>
           </a:bodyPr>
+          <a:lstStyle/>
           <a:p>
             <a:r>
               <a:rPr lang="zh-CN" altLang="zh-CN" sz="1400" dirty="0">
@@ -18469,13 +17996,6 @@
               </a:rPr>
               <a:t>的框架</a:t>
             </a:r>
-            <a:endParaRPr lang="zh-CN" altLang="zh-CN" sz="1400" dirty="0">
-              <a:solidFill>
-                <a:schemeClr val="bg1"/>
-              </a:solidFill>
-              <a:latin typeface="等线" panose="02010600030101010101" charset="-122"/>
-              <a:ea typeface="等线" panose="02010600030101010101" charset="-122"/>
-            </a:endParaRPr>
           </a:p>
         </p:txBody>
       </p:sp>
@@ -18502,6 +18022,7 @@
           <a:bodyPr wrap="square" anchor="t">
             <a:spAutoFit/>
           </a:bodyPr>
+          <a:lstStyle/>
           <a:p>
             <a:r>
               <a:rPr lang="zh-CN" altLang="zh-CN" sz="1400" dirty="0">
@@ -18553,13 +18074,6 @@
               </a:rPr>
               <a:t>代码。</a:t>
             </a:r>
-            <a:endParaRPr lang="zh-CN" altLang="en-US" sz="1400" dirty="0">
-              <a:solidFill>
-                <a:schemeClr val="bg1"/>
-              </a:solidFill>
-              <a:latin typeface="等线" panose="02010600030101010101" charset="-122"/>
-              <a:ea typeface="等线" panose="02010600030101010101" charset="-122"/>
-            </a:endParaRPr>
           </a:p>
         </p:txBody>
       </p:sp>
@@ -18586,6 +18100,7 @@
           <a:bodyPr wrap="square" anchor="t">
             <a:spAutoFit/>
           </a:bodyPr>
+          <a:lstStyle/>
           <a:p>
             <a:r>
               <a:rPr lang="zh-CN" altLang="zh-CN" sz="1400" dirty="0">
@@ -18627,13 +18142,6 @@
               </a:rPr>
               <a:t>。</a:t>
             </a:r>
-            <a:endParaRPr lang="zh-CN" altLang="zh-CN" sz="1200" dirty="0">
-              <a:solidFill>
-                <a:schemeClr val="bg1"/>
-              </a:solidFill>
-              <a:latin typeface="等线" panose="02010600030101010101" charset="-122"/>
-              <a:ea typeface="等线" panose="02010600030101010101" charset="-122"/>
-            </a:endParaRPr>
           </a:p>
         </p:txBody>
       </p:sp>
@@ -18756,6 +18264,7 @@
           <a:bodyPr wrap="none" anchor="t">
             <a:spAutoFit/>
           </a:bodyPr>
+          <a:lstStyle/>
           <a:p>
             <a:r>
               <a:rPr lang="en-US" altLang="zh-CN" sz="2000" b="1" dirty="0">
@@ -18777,13 +18286,6 @@
               </a:rPr>
               <a:t>正向工程</a:t>
             </a:r>
-            <a:endParaRPr lang="zh-CN" altLang="zh-CN" sz="2000" b="1" dirty="0">
-              <a:solidFill>
-                <a:srgbClr val="404040"/>
-              </a:solidFill>
-              <a:latin typeface="等线" panose="02010600030101010101" charset="-122"/>
-              <a:ea typeface="等线" panose="02010600030101010101" charset="-122"/>
-            </a:endParaRPr>
           </a:p>
         </p:txBody>
       </p:sp>
@@ -18804,7 +18306,14 @@
         <p:cNvGrpSpPr/>
         <p:nvPr/>
       </p:nvGrpSpPr>
-      <p:grpSpPr/>
+      <p:grpSpPr>
+        <a:xfrm>
+          <a:off x="0" y="0"/>
+          <a:ext cx="0" cy="0"/>
+          <a:chOff x="0" y="0"/>
+          <a:chExt cx="0" cy="0"/>
+        </a:xfrm>
+      </p:grpSpPr>
       <p:sp>
         <p:nvSpPr>
           <p:cNvPr id="5" name="矩形 4"/>
@@ -18848,14 +18357,13 @@
           <a:p>
             <a:pPr algn="ctr" fontAlgn="auto"/>
             <a:r>
-              <a:rPr lang="zh-CN" strike="noStrike" noProof="1" dirty="0"/>
+              <a:rPr lang="zh-CN" strike="noStrike" noProof="1"/>
               <a:t>添加</a:t>
             </a:r>
             <a:r>
-              <a:rPr lang="en-US" altLang="zh-CN" strike="noStrike" noProof="1" dirty="0"/>
+              <a:rPr lang="en-US" altLang="zh-CN" strike="noStrike" noProof="1"/>
               <a:t>Java Profile</a:t>
             </a:r>
-            <a:endParaRPr lang="en-US" altLang="zh-CN" strike="noStrike" noProof="1" dirty="0"/>
           </a:p>
         </p:txBody>
       </p:sp>
@@ -18902,10 +18410,9 @@
           <a:p>
             <a:pPr algn="ctr" fontAlgn="auto"/>
             <a:r>
-              <a:rPr lang="zh-CN" strike="noStrike" noProof="1" dirty="0"/>
+              <a:rPr lang="zh-CN" strike="noStrike" noProof="1"/>
               <a:t>选中模块</a:t>
             </a:r>
-            <a:endParaRPr lang="zh-CN" strike="noStrike" noProof="1" dirty="0"/>
           </a:p>
         </p:txBody>
       </p:sp>
@@ -18952,10 +18459,9 @@
           <a:p>
             <a:pPr algn="ctr" fontAlgn="auto"/>
             <a:r>
-              <a:rPr lang="zh-CN" strike="noStrike" noProof="1" dirty="0"/>
+              <a:rPr lang="zh-CN" strike="noStrike" noProof="1"/>
               <a:t>选择类别</a:t>
             </a:r>
-            <a:endParaRPr lang="zh-CN" strike="noStrike" noProof="1" dirty="0"/>
           </a:p>
         </p:txBody>
       </p:sp>
@@ -18982,6 +18488,7 @@
           <a:bodyPr wrap="square" anchor="t">
             <a:spAutoFit/>
           </a:bodyPr>
+          <a:lstStyle/>
           <a:p>
             <a:pPr marL="285750" indent="-285750">
               <a:buClr>
@@ -19010,6 +18517,74 @@
               </a:rPr>
               <a:t>Ctrl+F8</a:t>
             </a:r>
+          </a:p>
+          <a:p>
+            <a:pPr marL="285750" indent="-285750">
+              <a:buClr>
+                <a:srgbClr val="48A2A0"/>
+              </a:buClr>
+              <a:buFont typeface="Wingdings" panose="05000000000000000000" pitchFamily="2" charset="2"/>
+              <a:buChar char="l"/>
+            </a:pPr>
+            <a:r>
+              <a:rPr lang="zh-CN" altLang="en-US" sz="1400" dirty="0">
+                <a:solidFill>
+                  <a:srgbClr val="4D402B"/>
+                </a:solidFill>
+                <a:latin typeface="等线" panose="02010600030101010101" charset="-122"/>
+                <a:ea typeface="等线" panose="02010600030101010101" charset="-122"/>
+              </a:rPr>
+              <a:t>选中</a:t>
+            </a:r>
+            <a:r>
+              <a:rPr lang="en-US" altLang="zh-CN" sz="1400" dirty="0">
+                <a:solidFill>
+                  <a:srgbClr val="4D402B"/>
+                </a:solidFill>
+                <a:latin typeface="等线" panose="02010600030101010101" charset="-122"/>
+                <a:ea typeface="等线" panose="02010600030101010101" charset="-122"/>
+              </a:rPr>
+              <a:t> Java Profile</a:t>
+            </a:r>
+          </a:p>
+          <a:p>
+            <a:pPr marL="285750" indent="-285750">
+              <a:buClr>
+                <a:srgbClr val="48A2A0"/>
+              </a:buClr>
+              <a:buFont typeface="Wingdings" panose="05000000000000000000" pitchFamily="2" charset="2"/>
+              <a:buChar char="l"/>
+            </a:pPr>
+            <a:r>
+              <a:rPr lang="zh-CN" altLang="en-US" sz="1400" dirty="0">
+                <a:solidFill>
+                  <a:srgbClr val="4D402B"/>
+                </a:solidFill>
+                <a:latin typeface="等线" panose="02010600030101010101" charset="-122"/>
+                <a:ea typeface="等线" panose="02010600030101010101" charset="-122"/>
+              </a:rPr>
+              <a:t>点击</a:t>
+            </a:r>
+            <a:r>
+              <a:rPr lang="en-US" altLang="zh-CN" sz="1400" dirty="0">
+                <a:solidFill>
+                  <a:srgbClr val="4D402B"/>
+                </a:solidFill>
+                <a:latin typeface="等线" panose="02010600030101010101" charset="-122"/>
+                <a:ea typeface="等线" panose="02010600030101010101" charset="-122"/>
+              </a:rPr>
+              <a:t>Include</a:t>
+            </a:r>
+            <a:r>
+              <a:rPr lang="zh-CN" altLang="en-US" sz="1400" dirty="0">
+                <a:solidFill>
+                  <a:srgbClr val="4D402B"/>
+                </a:solidFill>
+                <a:latin typeface="等线" panose="02010600030101010101" charset="-122"/>
+                <a:ea typeface="等线" panose="02010600030101010101" charset="-122"/>
+              </a:rPr>
+              <a:t>后添加</a:t>
+            </a:r>
             <a:endParaRPr lang="en-US" altLang="zh-CN" sz="1400" dirty="0">
               <a:solidFill>
                 <a:srgbClr val="4D402B"/>
@@ -19028,23 +18603,109 @@
             </a:pPr>
             <a:r>
               <a:rPr lang="zh-CN" altLang="en-US" sz="1400" dirty="0">
-                <a:solidFill>
-                  <a:srgbClr val="4D402B"/>
-                </a:solidFill>
                 <a:latin typeface="等线" panose="02010600030101010101" charset="-122"/>
                 <a:ea typeface="等线" panose="02010600030101010101" charset="-122"/>
               </a:rPr>
-              <a:t>选中</a:t>
+              <a:t>点击</a:t>
             </a:r>
             <a:r>
               <a:rPr lang="en-US" altLang="zh-CN" sz="1400" dirty="0">
-                <a:solidFill>
-                  <a:srgbClr val="4D402B"/>
-                </a:solidFill>
                 <a:latin typeface="等线" panose="02010600030101010101" charset="-122"/>
                 <a:ea typeface="等线" panose="02010600030101010101" charset="-122"/>
               </a:rPr>
-              <a:t> Java Profile</a:t>
+              <a:t>Close</a:t>
+            </a:r>
+            <a:r>
+              <a:rPr lang="zh-CN" altLang="en-US" sz="1400" dirty="0">
+                <a:latin typeface="等线" panose="02010600030101010101" charset="-122"/>
+                <a:ea typeface="等线" panose="02010600030101010101" charset="-122"/>
+              </a:rPr>
+              <a:t>后添加成功</a:t>
+            </a:r>
+          </a:p>
+        </p:txBody>
+      </p:sp>
+      <p:sp>
+        <p:nvSpPr>
+          <p:cNvPr id="5125" name="矩形 8"/>
+          <p:cNvSpPr/>
+          <p:nvPr/>
+        </p:nvSpPr>
+        <p:spPr>
+          <a:xfrm>
+            <a:off x="4314825" y="4592638"/>
+            <a:ext cx="3562350" cy="954087"/>
+          </a:xfrm>
+          <a:prstGeom prst="rect">
+            <a:avLst/>
+          </a:prstGeom>
+          <a:noFill/>
+          <a:ln w="9525">
+            <a:noFill/>
+          </a:ln>
+        </p:spPr>
+        <p:txBody>
+          <a:bodyPr wrap="square" anchor="t">
+            <a:spAutoFit/>
+          </a:bodyPr>
+          <a:lstStyle/>
+          <a:p>
+            <a:pPr marL="285750" indent="-285750">
+              <a:buClr>
+                <a:srgbClr val="48A2A0"/>
+              </a:buClr>
+              <a:buFont typeface="Wingdings" panose="05000000000000000000" pitchFamily="2" charset="2"/>
+              <a:buChar char="l"/>
+            </a:pPr>
+            <a:r>
+              <a:rPr lang="zh-CN" altLang="en-US" sz="1400" dirty="0">
+                <a:solidFill>
+                  <a:srgbClr val="4D402B"/>
+                </a:solidFill>
+                <a:latin typeface="等线" panose="02010600030101010101" charset="-122"/>
+                <a:ea typeface="等线" panose="02010600030101010101" charset="-122"/>
+              </a:rPr>
+              <a:t>单击</a:t>
+            </a:r>
+            <a:r>
+              <a:rPr lang="en-US" altLang="zh-CN" sz="1400" dirty="0">
+                <a:solidFill>
+                  <a:srgbClr val="4D402B"/>
+                </a:solidFill>
+                <a:latin typeface="等线" panose="02010600030101010101" charset="-122"/>
+                <a:ea typeface="等线" panose="02010600030101010101" charset="-122"/>
+              </a:rPr>
+              <a:t>Tools——Java</a:t>
+            </a:r>
+            <a:r>
+              <a:rPr lang="zh-CN" altLang="en-US" sz="1400" dirty="0">
+                <a:solidFill>
+                  <a:srgbClr val="4D402B"/>
+                </a:solidFill>
+                <a:latin typeface="等线" panose="02010600030101010101" charset="-122"/>
+                <a:ea typeface="等线" panose="02010600030101010101" charset="-122"/>
+              </a:rPr>
+              <a:t>菜单，选择</a:t>
+            </a:r>
+            <a:r>
+              <a:rPr lang="en-US" altLang="zh-CN" sz="1400" dirty="0">
+                <a:solidFill>
+                  <a:srgbClr val="4D402B"/>
+                </a:solidFill>
+                <a:latin typeface="等线" panose="02010600030101010101" charset="-122"/>
+                <a:ea typeface="等线" panose="02010600030101010101" charset="-122"/>
+              </a:rPr>
+              <a:t>Generate Code</a:t>
+            </a:r>
+            <a:r>
+              <a:rPr lang="zh-CN" altLang="en-US" sz="1400" dirty="0">
+                <a:solidFill>
+                  <a:srgbClr val="4D402B"/>
+                </a:solidFill>
+                <a:latin typeface="等线" panose="02010600030101010101" charset="-122"/>
+                <a:ea typeface="等线" panose="02010600030101010101" charset="-122"/>
+              </a:rPr>
+              <a:t>命令</a:t>
             </a:r>
             <a:endParaRPr lang="en-US" altLang="zh-CN" sz="1400" dirty="0">
               <a:solidFill>
@@ -19070,7 +18731,7 @@
                 <a:latin typeface="等线" panose="02010600030101010101" charset="-122"/>
                 <a:ea typeface="等线" panose="02010600030101010101" charset="-122"/>
               </a:rPr>
-              <a:t>点击</a:t>
+              <a:t>选中</a:t>
             </a:r>
             <a:r>
               <a:rPr lang="en-US" altLang="zh-CN" sz="1400" dirty="0">
@@ -19080,7 +18741,7 @@
                 <a:latin typeface="等线" panose="02010600030101010101" charset="-122"/>
                 <a:ea typeface="等线" panose="02010600030101010101" charset="-122"/>
               </a:rPr>
-              <a:t>Include</a:t>
+              <a:t> </a:t>
             </a:r>
             <a:r>
               <a:rPr lang="zh-CN" altLang="en-US" sz="1400" dirty="0">
@@ -19090,7 +18751,7 @@
                 <a:latin typeface="等线" panose="02010600030101010101" charset="-122"/>
                 <a:ea typeface="等线" panose="02010600030101010101" charset="-122"/>
               </a:rPr>
-              <a:t>后添加</a:t>
+              <a:t>某个具体模块</a:t>
             </a:r>
             <a:endParaRPr lang="en-US" altLang="zh-CN" sz="1400" dirty="0">
               <a:solidFill>
@@ -19110,177 +18771,6 @@
             </a:pPr>
             <a:r>
               <a:rPr lang="zh-CN" altLang="en-US" sz="1400" dirty="0">
-                <a:latin typeface="等线" panose="02010600030101010101" charset="-122"/>
-                <a:ea typeface="等线" panose="02010600030101010101" charset="-122"/>
-              </a:rPr>
-              <a:t>点击</a:t>
-            </a:r>
-            <a:r>
-              <a:rPr lang="en-US" altLang="zh-CN" sz="1400" dirty="0">
-                <a:latin typeface="等线" panose="02010600030101010101" charset="-122"/>
-                <a:ea typeface="等线" panose="02010600030101010101" charset="-122"/>
-              </a:rPr>
-              <a:t>Close</a:t>
-            </a:r>
-            <a:r>
-              <a:rPr lang="zh-CN" altLang="en-US" sz="1400" dirty="0">
-                <a:latin typeface="等线" panose="02010600030101010101" charset="-122"/>
-                <a:ea typeface="等线" panose="02010600030101010101" charset="-122"/>
-              </a:rPr>
-              <a:t>后添加成功</a:t>
-            </a:r>
-            <a:endParaRPr lang="zh-CN" altLang="en-US" sz="1400" dirty="0">
-              <a:latin typeface="等线" panose="02010600030101010101" charset="-122"/>
-              <a:ea typeface="等线" panose="02010600030101010101" charset="-122"/>
-            </a:endParaRPr>
-          </a:p>
-        </p:txBody>
-      </p:sp>
-      <p:sp>
-        <p:nvSpPr>
-          <p:cNvPr id="5125" name="矩形 8"/>
-          <p:cNvSpPr/>
-          <p:nvPr/>
-        </p:nvSpPr>
-        <p:spPr>
-          <a:xfrm>
-            <a:off x="4314825" y="4592638"/>
-            <a:ext cx="3562350" cy="954087"/>
-          </a:xfrm>
-          <a:prstGeom prst="rect">
-            <a:avLst/>
-          </a:prstGeom>
-          <a:noFill/>
-          <a:ln w="9525">
-            <a:noFill/>
-          </a:ln>
-        </p:spPr>
-        <p:txBody>
-          <a:bodyPr wrap="square" anchor="t">
-            <a:spAutoFit/>
-          </a:bodyPr>
-          <a:p>
-            <a:pPr marL="285750" indent="-285750">
-              <a:buClr>
-                <a:srgbClr val="48A2A0"/>
-              </a:buClr>
-              <a:buFont typeface="Wingdings" panose="05000000000000000000" pitchFamily="2" charset="2"/>
-              <a:buChar char="l"/>
-            </a:pPr>
-            <a:r>
-              <a:rPr lang="zh-CN" altLang="en-US" sz="1400" dirty="0">
-                <a:solidFill>
-                  <a:srgbClr val="4D402B"/>
-                </a:solidFill>
-                <a:latin typeface="等线" panose="02010600030101010101" charset="-122"/>
-                <a:ea typeface="等线" panose="02010600030101010101" charset="-122"/>
-              </a:rPr>
-              <a:t>单击</a:t>
-            </a:r>
-            <a:r>
-              <a:rPr lang="en-US" altLang="zh-CN" sz="1400" dirty="0">
-                <a:solidFill>
-                  <a:srgbClr val="4D402B"/>
-                </a:solidFill>
-                <a:latin typeface="等线" panose="02010600030101010101" charset="-122"/>
-                <a:ea typeface="等线" panose="02010600030101010101" charset="-122"/>
-              </a:rPr>
-              <a:t>Tools——Java</a:t>
-            </a:r>
-            <a:r>
-              <a:rPr lang="zh-CN" altLang="en-US" sz="1400" dirty="0">
-                <a:solidFill>
-                  <a:srgbClr val="4D402B"/>
-                </a:solidFill>
-                <a:latin typeface="等线" panose="02010600030101010101" charset="-122"/>
-                <a:ea typeface="等线" panose="02010600030101010101" charset="-122"/>
-              </a:rPr>
-              <a:t>菜单，选择</a:t>
-            </a:r>
-            <a:r>
-              <a:rPr lang="en-US" altLang="zh-CN" sz="1400" dirty="0">
-                <a:solidFill>
-                  <a:srgbClr val="4D402B"/>
-                </a:solidFill>
-                <a:latin typeface="等线" panose="02010600030101010101" charset="-122"/>
-                <a:ea typeface="等线" panose="02010600030101010101" charset="-122"/>
-              </a:rPr>
-              <a:t>Generate Code</a:t>
-            </a:r>
-            <a:r>
-              <a:rPr lang="zh-CN" altLang="en-US" sz="1400" dirty="0">
-                <a:solidFill>
-                  <a:srgbClr val="4D402B"/>
-                </a:solidFill>
-                <a:latin typeface="等线" panose="02010600030101010101" charset="-122"/>
-                <a:ea typeface="等线" panose="02010600030101010101" charset="-122"/>
-              </a:rPr>
-              <a:t>命令</a:t>
-            </a:r>
-            <a:endParaRPr lang="en-US" altLang="zh-CN" sz="1400" dirty="0">
-              <a:solidFill>
-                <a:srgbClr val="4D402B"/>
-              </a:solidFill>
-              <a:latin typeface="等线" panose="02010600030101010101" charset="-122"/>
-              <a:ea typeface="等线" panose="02010600030101010101" charset="-122"/>
-            </a:endParaRPr>
-          </a:p>
-          <a:p>
-            <a:pPr marL="285750" indent="-285750">
-              <a:buClr>
-                <a:srgbClr val="48A2A0"/>
-              </a:buClr>
-              <a:buFont typeface="Wingdings" panose="05000000000000000000" pitchFamily="2" charset="2"/>
-              <a:buChar char="l"/>
-            </a:pPr>
-            <a:r>
-              <a:rPr lang="zh-CN" altLang="en-US" sz="1400" dirty="0">
-                <a:solidFill>
-                  <a:srgbClr val="4D402B"/>
-                </a:solidFill>
-                <a:latin typeface="等线" panose="02010600030101010101" charset="-122"/>
-                <a:ea typeface="等线" panose="02010600030101010101" charset="-122"/>
-              </a:rPr>
-              <a:t>选中</a:t>
-            </a:r>
-            <a:r>
-              <a:rPr lang="en-US" altLang="zh-CN" sz="1400" dirty="0">
-                <a:solidFill>
-                  <a:srgbClr val="4D402B"/>
-                </a:solidFill>
-                <a:latin typeface="等线" panose="02010600030101010101" charset="-122"/>
-                <a:ea typeface="等线" panose="02010600030101010101" charset="-122"/>
-              </a:rPr>
-              <a:t> </a:t>
-            </a:r>
-            <a:r>
-              <a:rPr lang="zh-CN" altLang="en-US" sz="1400" dirty="0">
-                <a:solidFill>
-                  <a:srgbClr val="4D402B"/>
-                </a:solidFill>
-                <a:latin typeface="等线" panose="02010600030101010101" charset="-122"/>
-                <a:ea typeface="等线" panose="02010600030101010101" charset="-122"/>
-              </a:rPr>
-              <a:t>某个具体模块</a:t>
-            </a:r>
-            <a:endParaRPr lang="en-US" altLang="zh-CN" sz="1400" dirty="0">
-              <a:solidFill>
-                <a:srgbClr val="4D402B"/>
-              </a:solidFill>
-              <a:latin typeface="等线" panose="02010600030101010101" charset="-122"/>
-              <a:ea typeface="等线" panose="02010600030101010101" charset="-122"/>
-            </a:endParaRPr>
-          </a:p>
-          <a:p>
-            <a:pPr marL="285750" indent="-285750">
-              <a:buClr>
-                <a:srgbClr val="48A2A0"/>
-              </a:buClr>
-              <a:buFont typeface="Wingdings" panose="05000000000000000000" pitchFamily="2" charset="2"/>
-              <a:buChar char="l"/>
-            </a:pPr>
-            <a:r>
-              <a:rPr lang="zh-CN" altLang="en-US" sz="1400" dirty="0">
                 <a:solidFill>
                   <a:srgbClr val="4D402B"/>
                 </a:solidFill>
@@ -19338,7 +18828,7 @@
               <a:buChar char="l"/>
             </a:pPr>
             <a:r>
-              <a:rPr lang="zh-CN" altLang="en-US" sz="1400" strike="noStrike" noProof="1" dirty="0">
+              <a:rPr lang="zh-CN" altLang="en-US" sz="1400" strike="noStrike" noProof="1">
                 <a:solidFill>
                   <a:srgbClr val="4D402B"/>
                 </a:solidFill>
@@ -19349,7 +18839,7 @@
               <a:t>为了方便所有的图都能生成代码，点击</a:t>
             </a:r>
             <a:r>
-              <a:rPr lang="en-US" altLang="zh-CN" sz="1400" strike="noStrike" noProof="1" dirty="0">
+              <a:rPr lang="en-US" altLang="zh-CN" sz="1400" strike="noStrike" noProof="1">
                 <a:solidFill>
                   <a:srgbClr val="4D402B"/>
                 </a:solidFill>
@@ -19360,7 +18850,7 @@
               <a:t>Select All</a:t>
             </a:r>
             <a:r>
-              <a:rPr lang="zh-CN" altLang="en-US" sz="1400" strike="noStrike" noProof="1" dirty="0">
+              <a:rPr lang="zh-CN" altLang="en-US" sz="1400" strike="noStrike" noProof="1">
                 <a:solidFill>
                   <a:srgbClr val="4D402B"/>
                 </a:solidFill>
@@ -19371,7 +18861,7 @@
               <a:t>后选择</a:t>
             </a:r>
             <a:r>
-              <a:rPr lang="en-US" altLang="zh-CN" sz="1400" strike="noStrike" noProof="1" dirty="0">
+              <a:rPr lang="en-US" altLang="zh-CN" sz="1400" strike="noStrike" noProof="1">
                 <a:solidFill>
                   <a:srgbClr val="4D402B"/>
                 </a:solidFill>
@@ -19381,7 +18871,7 @@
               </a:rPr>
               <a:t>next</a:t>
             </a:r>
-            <a:endParaRPr lang="en-US" altLang="zh-CN" sz="1400" strike="noStrike" noProof="1" dirty="0">
+            <a:endParaRPr lang="en-US" altLang="zh-CN" sz="1400" strike="noStrike" noProof="1">
               <a:solidFill>
                 <a:srgbClr val="4D402B"/>
               </a:solidFill>
@@ -19395,7 +18885,7 @@
               <a:buFont typeface="Wingdings" panose="05000000000000000000" pitchFamily="2" charset="2"/>
               <a:buNone/>
             </a:pPr>
-            <a:endParaRPr lang="en-US" altLang="zh-CN" sz="1400" strike="noStrike" noProof="1" dirty="0">
+            <a:endParaRPr lang="en-US" altLang="zh-CN" sz="1400" strike="noStrike" noProof="1">
               <a:solidFill>
                 <a:srgbClr val="4D402B"/>
               </a:solidFill>
@@ -19409,7 +18899,7 @@
               <a:buFont typeface="Wingdings" panose="05000000000000000000" pitchFamily="2" charset="2"/>
               <a:buNone/>
             </a:pPr>
-            <a:endParaRPr lang="zh-CN" altLang="en-US" sz="1400" strike="noStrike" noProof="1" dirty="0">
+            <a:endParaRPr lang="zh-CN" altLang="en-US" sz="1400" strike="noStrike" noProof="1">
               <a:solidFill>
                 <a:srgbClr val="4D402B"/>
               </a:solidFill>
@@ -19536,6 +19026,7 @@
           <a:bodyPr wrap="none" anchor="t">
             <a:spAutoFit/>
           </a:bodyPr>
+          <a:lstStyle/>
           <a:p>
             <a:r>
               <a:rPr lang="zh-CN" altLang="zh-CN" sz="2000" b="1" dirty="0">
@@ -19547,13 +19038,6 @@
               </a:rPr>
               <a:t>正向工程操作示例</a:t>
             </a:r>
-            <a:endParaRPr lang="zh-CN" altLang="zh-CN" sz="2000" b="1" dirty="0">
-              <a:solidFill>
-                <a:srgbClr val="404040"/>
-              </a:solidFill>
-              <a:latin typeface="等线" panose="02010600030101010101" charset="-122"/>
-              <a:ea typeface="等线" panose="02010600030101010101" charset="-122"/>
-            </a:endParaRPr>
           </a:p>
         </p:txBody>
       </p:sp>
@@ -19580,6 +19064,7 @@
           <a:bodyPr wrap="none" anchor="t">
             <a:spAutoFit/>
           </a:bodyPr>
+          <a:lstStyle/>
           <a:p>
             <a:r>
               <a:rPr lang="en-US" altLang="zh-CN" sz="1100" dirty="0">
@@ -19640,7 +19125,7 @@
           <p:nvPr/>
         </p:nvPicPr>
         <p:blipFill>
-          <a:blip r:embed="rId1"/>
+          <a:blip r:embed="rId2"/>
           <a:stretch>
             <a:fillRect/>
           </a:stretch>
@@ -19668,7 +19153,7 @@
           <p:nvPr/>
         </p:nvPicPr>
         <p:blipFill>
-          <a:blip r:embed="rId2"/>
+          <a:blip r:embed="rId3"/>
           <a:stretch>
             <a:fillRect/>
           </a:stretch>
@@ -19696,7 +19181,7 @@
           <p:nvPr/>
         </p:nvPicPr>
         <p:blipFill>
-          <a:blip r:embed="rId3"/>
+          <a:blip r:embed="rId4"/>
           <a:stretch>
             <a:fillRect/>
           </a:stretch>
@@ -19732,7 +19217,14 @@
         <p:cNvGrpSpPr/>
         <p:nvPr/>
       </p:nvGrpSpPr>
-      <p:grpSpPr/>
+      <p:grpSpPr>
+        <a:xfrm>
+          <a:off x="0" y="0"/>
+          <a:ext cx="0" cy="0"/>
+          <a:chOff x="0" y="0"/>
+          <a:chExt cx="0" cy="0"/>
+        </a:xfrm>
+      </p:grpSpPr>
       <p:sp>
         <p:nvSpPr>
           <p:cNvPr id="5" name="矩形 4"/>
@@ -19776,10 +19268,9 @@
           <a:p>
             <a:pPr algn="ctr" fontAlgn="auto"/>
             <a:r>
-              <a:rPr lang="zh-CN" strike="noStrike" noProof="1" dirty="0"/>
+              <a:rPr lang="zh-CN" strike="noStrike" noProof="1"/>
               <a:t>选择存放位置</a:t>
             </a:r>
-            <a:endParaRPr lang="zh-CN" strike="noStrike" noProof="1" dirty="0"/>
           </a:p>
         </p:txBody>
       </p:sp>
@@ -19826,10 +19317,10 @@
           <a:p>
             <a:pPr algn="ctr" fontAlgn="auto"/>
             <a:r>
-              <a:rPr lang="zh-CN" strike="noStrike" noProof="1" dirty="0"/>
+              <a:rPr lang="zh-CN" strike="noStrike" noProof="1"/>
               <a:t>选择某些信息</a:t>
             </a:r>
-            <a:endParaRPr lang="en-US" altLang="zh-CN" strike="noStrike" noProof="1" dirty="0"/>
+            <a:endParaRPr lang="en-US" altLang="zh-CN" strike="noStrike" noProof="1"/>
           </a:p>
         </p:txBody>
       </p:sp>
@@ -19876,10 +19367,9 @@
           <a:p>
             <a:pPr algn="ctr" fontAlgn="auto"/>
             <a:r>
-              <a:rPr lang="zh-CN" strike="noStrike" noProof="1" dirty="0"/>
+              <a:rPr lang="zh-CN" strike="noStrike" noProof="1"/>
               <a:t>成功导出</a:t>
             </a:r>
-            <a:endParaRPr lang="zh-CN" strike="noStrike" noProof="1" dirty="0"/>
           </a:p>
         </p:txBody>
       </p:sp>
@@ -19906,6 +19396,7 @@
           <a:bodyPr wrap="square" anchor="t">
             <a:spAutoFit/>
           </a:bodyPr>
+          <a:lstStyle/>
           <a:p>
             <a:pPr marL="285750" indent="-285750">
               <a:buClr>
@@ -19928,10 +19419,6 @@
               </a:rPr>
               <a:t>Next</a:t>
             </a:r>
-            <a:endParaRPr lang="en-US" altLang="zh-CN" sz="1400" dirty="0">
-              <a:latin typeface="等线" panose="02010600030101010101" charset="-122"/>
-              <a:ea typeface="等线" panose="02010600030101010101" charset="-122"/>
-            </a:endParaRPr>
           </a:p>
         </p:txBody>
       </p:sp>
@@ -19964,7 +19451,7 @@
               <a:buChar char="l"/>
             </a:pPr>
             <a:r>
-              <a:rPr lang="zh-CN" altLang="en-US" sz="1400" strike="noStrike" noProof="1" dirty="0">
+              <a:rPr lang="zh-CN" altLang="en-US" sz="1400" strike="noStrike" noProof="1">
                 <a:solidFill>
                   <a:srgbClr val="4D402B"/>
                 </a:solidFill>
@@ -19975,7 +19462,7 @@
               <a:t>勾选</a:t>
             </a:r>
             <a:r>
-              <a:rPr lang="en-US" altLang="zh-CN" sz="1400" strike="noStrike" noProof="1" dirty="0">
+              <a:rPr lang="en-US" altLang="zh-CN" sz="1400" strike="noStrike" noProof="1">
                 <a:solidFill>
                   <a:srgbClr val="4D402B"/>
                 </a:solidFill>
@@ -19986,7 +19473,7 @@
               <a:t>Generate the Documentation by JavaDoc </a:t>
             </a:r>
             <a:r>
-              <a:rPr lang="zh-CN" altLang="en-US" sz="1400" strike="noStrike" noProof="1" dirty="0">
+              <a:rPr lang="zh-CN" altLang="en-US" sz="1400" strike="noStrike" noProof="1">
                 <a:solidFill>
                   <a:srgbClr val="4D402B"/>
                 </a:solidFill>
@@ -19997,7 +19484,7 @@
               <a:t>（通过JavaDoc生成文档）和 </a:t>
             </a:r>
             <a:r>
-              <a:rPr lang="en-US" altLang="zh-CN" sz="1400" strike="noStrike" noProof="1" dirty="0">
+              <a:rPr lang="en-US" altLang="zh-CN" sz="1400" strike="noStrike" noProof="1">
                 <a:solidFill>
                   <a:srgbClr val="4D402B"/>
                 </a:solidFill>
@@ -20008,7 +19495,7 @@
               <a:t>Generate empty Java Doc</a:t>
             </a:r>
             <a:r>
-              <a:rPr lang="zh-CN" altLang="en-US" sz="1400" strike="noStrike" noProof="1" dirty="0">
+              <a:rPr lang="zh-CN" altLang="en-US" sz="1400" strike="noStrike" noProof="1">
                 <a:solidFill>
                   <a:srgbClr val="4D402B"/>
                 </a:solidFill>
@@ -20018,7 +19505,7 @@
               </a:rPr>
               <a:t>（生成空Java Doc）复选框</a:t>
             </a:r>
-            <a:endParaRPr lang="en-US" altLang="zh-CN" sz="1400" strike="noStrike" noProof="1" dirty="0">
+            <a:endParaRPr lang="en-US" altLang="zh-CN" sz="1400" strike="noStrike" noProof="1">
               <a:solidFill>
                 <a:srgbClr val="4D402B"/>
               </a:solidFill>
@@ -20033,7 +19520,7 @@
               <a:buChar char="l"/>
             </a:pPr>
             <a:r>
-              <a:rPr lang="zh-CN" altLang="en-US" sz="1400" strike="noStrike" noProof="1" dirty="0">
+              <a:rPr lang="zh-CN" altLang="en-US" sz="1400" strike="noStrike" noProof="1">
                 <a:solidFill>
                   <a:srgbClr val="4D402B"/>
                 </a:solidFill>
@@ -20044,7 +19531,7 @@
               <a:t>点击</a:t>
             </a:r>
             <a:r>
-              <a:rPr lang="en-US" altLang="zh-CN" sz="1400" strike="noStrike" noProof="1" dirty="0">
+              <a:rPr lang="en-US" altLang="zh-CN" sz="1400" strike="noStrike" noProof="1">
                 <a:solidFill>
                   <a:srgbClr val="4D402B"/>
                 </a:solidFill>
@@ -20054,7 +19541,7 @@
               </a:rPr>
               <a:t>Next</a:t>
             </a:r>
-            <a:endParaRPr lang="en-US" altLang="zh-CN" sz="1400" strike="noStrike" noProof="1" dirty="0">
+            <a:endParaRPr lang="en-US" altLang="zh-CN" sz="1400" strike="noStrike" noProof="1">
               <a:solidFill>
                 <a:srgbClr val="4D402B"/>
               </a:solidFill>
@@ -20068,7 +19555,7 @@
               <a:buFont typeface="Wingdings" panose="05000000000000000000" pitchFamily="2" charset="2"/>
               <a:buNone/>
             </a:pPr>
-            <a:endParaRPr lang="zh-CN" altLang="en-US" sz="1400" strike="noStrike" noProof="1" dirty="0">
+            <a:endParaRPr lang="zh-CN" altLang="en-US" sz="1400" strike="noStrike" noProof="1">
               <a:solidFill>
                 <a:srgbClr val="4D402B"/>
               </a:solidFill>
@@ -20099,6 +19586,7 @@
           <a:bodyPr wrap="square" anchor="t">
             <a:spAutoFit/>
           </a:bodyPr>
+          <a:lstStyle/>
           <a:p>
             <a:pPr marL="285750" indent="-285750">
               <a:buClr>
@@ -20163,13 +19651,6 @@
               </a:rPr>
               <a:t>文件</a:t>
             </a:r>
-            <a:endParaRPr lang="zh-CN" altLang="en-US" sz="1400" dirty="0">
-              <a:solidFill>
-                <a:srgbClr val="4D402B"/>
-              </a:solidFill>
-              <a:latin typeface="等线" panose="02010600030101010101" charset="-122"/>
-              <a:ea typeface="等线" panose="02010600030101010101" charset="-122"/>
-            </a:endParaRPr>
           </a:p>
           <a:p>
             <a:pPr marL="285750" indent="-285750">
@@ -20199,13 +19680,6 @@
               </a:rPr>
               <a:t>finish</a:t>
             </a:r>
-            <a:endParaRPr lang="en-US" altLang="zh-CN" sz="1400" dirty="0">
-              <a:solidFill>
-                <a:srgbClr val="4D402B"/>
-              </a:solidFill>
-              <a:latin typeface="等线" panose="02010600030101010101" charset="-122"/>
-              <a:ea typeface="等线" panose="02010600030101010101" charset="-122"/>
-            </a:endParaRPr>
           </a:p>
         </p:txBody>
       </p:sp>
@@ -20328,6 +19802,7 @@
           <a:bodyPr wrap="none" anchor="t">
             <a:spAutoFit/>
           </a:bodyPr>
+          <a:lstStyle/>
           <a:p>
             <a:r>
               <a:rPr lang="zh-CN" altLang="zh-CN" sz="2000" b="1" dirty="0">
@@ -20339,13 +19814,6 @@
               </a:rPr>
               <a:t>正向工程操作示例</a:t>
             </a:r>
-            <a:endParaRPr lang="zh-CN" altLang="zh-CN" sz="2000" b="1" dirty="0">
-              <a:solidFill>
-                <a:srgbClr val="404040"/>
-              </a:solidFill>
-              <a:latin typeface="等线" panose="02010600030101010101" charset="-122"/>
-              <a:ea typeface="等线" panose="02010600030101010101" charset="-122"/>
-            </a:endParaRPr>
           </a:p>
         </p:txBody>
       </p:sp>
@@ -20372,6 +19840,7 @@
           <a:bodyPr wrap="none" anchor="t">
             <a:spAutoFit/>
           </a:bodyPr>
+          <a:lstStyle/>
           <a:p>
             <a:r>
               <a:rPr lang="en-US" altLang="zh-CN" sz="1100" dirty="0">
@@ -20432,7 +19901,7 @@
           <p:nvPr/>
         </p:nvPicPr>
         <p:blipFill>
-          <a:blip r:embed="rId1"/>
+          <a:blip r:embed="rId2"/>
           <a:stretch>
             <a:fillRect/>
           </a:stretch>
@@ -20460,7 +19929,7 @@
           <p:nvPr/>
         </p:nvPicPr>
         <p:blipFill>
-          <a:blip r:embed="rId2"/>
+          <a:blip r:embed="rId3"/>
           <a:stretch>
             <a:fillRect/>
           </a:stretch>
@@ -20488,7 +19957,7 @@
           <p:nvPr/>
         </p:nvPicPr>
         <p:blipFill>
-          <a:blip r:embed="rId3"/>
+          <a:blip r:embed="rId4"/>
           <a:stretch>
             <a:fillRect/>
           </a:stretch>
@@ -20524,7 +19993,14 @@
         <p:cNvGrpSpPr/>
         <p:nvPr/>
       </p:nvGrpSpPr>
-      <p:grpSpPr/>
+      <p:grpSpPr>
+        <a:xfrm>
+          <a:off x="0" y="0"/>
+          <a:ext cx="0" cy="0"/>
+          <a:chOff x="0" y="0"/>
+          <a:chExt cx="0" cy="0"/>
+        </a:xfrm>
+      </p:grpSpPr>
       <p:sp>
         <p:nvSpPr>
           <p:cNvPr id="7169" name="矩形 7"/>
@@ -20548,6 +20024,7 @@
           <a:bodyPr wrap="square" anchor="t">
             <a:spAutoFit/>
           </a:bodyPr>
+          <a:lstStyle/>
           <a:p>
             <a:pPr marL="285750" indent="-285750">
               <a:buClr>
@@ -20577,10 +20054,6 @@
               </a:rPr>
               <a:t>的方法</a:t>
             </a:r>
-            <a:endParaRPr lang="zh-CN" altLang="en-US" sz="1400" dirty="0">
-              <a:latin typeface="等线" panose="02010600030101010101" charset="-122"/>
-              <a:ea typeface="等线" panose="02010600030101010101" charset="-122"/>
-            </a:endParaRPr>
           </a:p>
         </p:txBody>
       </p:sp>
@@ -20703,6 +20176,7 @@
           <a:bodyPr wrap="none" anchor="t">
             <a:spAutoFit/>
           </a:bodyPr>
+          <a:lstStyle/>
           <a:p>
             <a:r>
               <a:rPr lang="zh-CN" altLang="zh-CN" sz="2000" b="1" dirty="0">
@@ -20714,13 +20188,6 @@
               </a:rPr>
               <a:t>正向工程操作示例结果</a:t>
             </a:r>
-            <a:endParaRPr lang="zh-CN" altLang="zh-CN" sz="2000" b="1" dirty="0">
-              <a:solidFill>
-                <a:srgbClr val="404040"/>
-              </a:solidFill>
-              <a:latin typeface="等线" panose="02010600030101010101" charset="-122"/>
-              <a:ea typeface="等线" panose="02010600030101010101" charset="-122"/>
-            </a:endParaRPr>
           </a:p>
         </p:txBody>
       </p:sp>
@@ -20747,6 +20214,7 @@
           <a:bodyPr wrap="none" anchor="t">
             <a:spAutoFit/>
           </a:bodyPr>
+          <a:lstStyle/>
           <a:p>
             <a:r>
               <a:rPr lang="en-US" altLang="zh-CN" sz="1100" dirty="0">
@@ -20807,7 +20275,7 @@
           <p:nvPr/>
         </p:nvPicPr>
         <p:blipFill>
-          <a:blip r:embed="rId1"/>
+          <a:blip r:embed="rId2"/>
           <a:stretch>
             <a:fillRect/>
           </a:stretch>
@@ -20843,7 +20311,14 @@
         <p:cNvGrpSpPr/>
         <p:nvPr/>
       </p:nvGrpSpPr>
-      <p:grpSpPr/>
+      <p:grpSpPr>
+        <a:xfrm>
+          <a:off x="0" y="0"/>
+          <a:ext cx="0" cy="0"/>
+          <a:chOff x="0" y="0"/>
+          <a:chExt cx="0" cy="0"/>
+        </a:xfrm>
+      </p:grpSpPr>
       <p:sp>
         <p:nvSpPr>
           <p:cNvPr id="22" name="椭圆 21"/>
@@ -20963,6 +20438,7 @@
           <a:bodyPr wrap="none" anchor="t">
             <a:spAutoFit/>
           </a:bodyPr>
+          <a:lstStyle/>
           <a:p>
             <a:r>
               <a:rPr lang="zh-CN" altLang="zh-CN" sz="2000" b="1" dirty="0">
@@ -20974,13 +20450,6 @@
               </a:rPr>
               <a:t>问题来了！！！！</a:t>
             </a:r>
-            <a:endParaRPr lang="zh-CN" altLang="zh-CN" sz="2000" b="1" dirty="0">
-              <a:solidFill>
-                <a:srgbClr val="404040"/>
-              </a:solidFill>
-              <a:latin typeface="等线" panose="02010600030101010101" charset="-122"/>
-              <a:ea typeface="等线" panose="02010600030101010101" charset="-122"/>
-            </a:endParaRPr>
           </a:p>
         </p:txBody>
       </p:sp>
@@ -21007,6 +20476,7 @@
           <a:bodyPr wrap="square" anchor="t">
             <a:spAutoFit/>
           </a:bodyPr>
+          <a:lstStyle/>
           <a:p>
             <a:r>
               <a:rPr lang="zh-CN" altLang="zh-CN" dirty="0">
@@ -21047,6 +20517,7 @@
           <a:bodyPr wrap="none" anchor="t">
             <a:spAutoFit/>
           </a:bodyPr>
+          <a:lstStyle/>
           <a:p>
             <a:r>
               <a:rPr lang="zh-CN" altLang="en-US">
@@ -21055,10 +20526,6 @@
               </a:rPr>
               <a:t>正向过程是一种先做图后提取代码的流程，逆向过程是一种先写代码后生成图的流程。</a:t>
             </a:r>
-            <a:endParaRPr lang="zh-CN" altLang="en-US">
-              <a:latin typeface="等线" panose="02010600030101010101" charset="-122"/>
-              <a:ea typeface="等线" panose="02010600030101010101" charset="-122"/>
-            </a:endParaRPr>
           </a:p>
         </p:txBody>
       </p:sp>
@@ -21162,7 +20629,14 @@
         <p:cNvGrpSpPr/>
         <p:nvPr/>
       </p:nvGrpSpPr>
-      <p:grpSpPr/>
+      <p:grpSpPr>
+        <a:xfrm>
+          <a:off x="0" y="0"/>
+          <a:ext cx="0" cy="0"/>
+          <a:chOff x="0" y="0"/>
+          <a:chExt cx="0" cy="0"/>
+        </a:xfrm>
+      </p:grpSpPr>
       <p:sp>
         <p:nvSpPr>
           <p:cNvPr id="3" name="矩形 2"/>
@@ -21386,6 +20860,7 @@
           <a:bodyPr wrap="square" anchor="t">
             <a:spAutoFit/>
           </a:bodyPr>
+          <a:lstStyle/>
           <a:p>
             <a:r>
               <a:rPr lang="zh-CN" altLang="zh-CN" sz="1400" dirty="0">
@@ -21427,13 +20902,6 @@
               </a:rPr>
               <a:t>代码，然后将其转换到模型的类的过程。</a:t>
             </a:r>
-            <a:endParaRPr lang="zh-CN" altLang="en-US" sz="1400" dirty="0">
-              <a:solidFill>
-                <a:schemeClr val="bg1"/>
-              </a:solidFill>
-              <a:latin typeface="等线" panose="02010600030101010101" charset="-122"/>
-              <a:ea typeface="等线" panose="02010600030101010101" charset="-122"/>
-            </a:endParaRPr>
           </a:p>
         </p:txBody>
       </p:sp>
@@ -21460,6 +20928,7 @@
           <a:bodyPr wrap="square" anchor="t">
             <a:spAutoFit/>
           </a:bodyPr>
+          <a:lstStyle/>
           <a:p>
             <a:r>
               <a:rPr lang="en-US" altLang="zh-CN" sz="1400" dirty="0">
@@ -21531,13 +21000,6 @@
               </a:rPr>
               <a:t>工程。</a:t>
             </a:r>
-            <a:endParaRPr lang="zh-CN" altLang="zh-CN" sz="1400" dirty="0">
-              <a:solidFill>
-                <a:schemeClr val="bg1"/>
-              </a:solidFill>
-              <a:latin typeface="等线" panose="02010600030101010101" charset="-122"/>
-              <a:ea typeface="等线" panose="02010600030101010101" charset="-122"/>
-            </a:endParaRPr>
           </a:p>
         </p:txBody>
       </p:sp>
@@ -21564,6 +21026,7 @@
           <a:bodyPr wrap="square" anchor="t">
             <a:spAutoFit/>
           </a:bodyPr>
+          <a:lstStyle/>
           <a:p>
             <a:r>
               <a:rPr lang="zh-CN" altLang="en-US" sz="1400" dirty="0">
@@ -21595,13 +21058,6 @@
               </a:rPr>
               <a:t>出来的，就要启用逆向工程了。</a:t>
             </a:r>
-            <a:endParaRPr lang="zh-CN" altLang="en-US" sz="1400" dirty="0">
-              <a:solidFill>
-                <a:schemeClr val="bg1"/>
-              </a:solidFill>
-              <a:latin typeface="等线" panose="02010600030101010101" charset="-122"/>
-              <a:ea typeface="等线" panose="02010600030101010101" charset="-122"/>
-            </a:endParaRPr>
           </a:p>
         </p:txBody>
       </p:sp>
@@ -21628,6 +21084,7 @@
           <a:bodyPr wrap="square" anchor="t">
             <a:spAutoFit/>
           </a:bodyPr>
+          <a:lstStyle/>
           <a:p>
             <a:r>
               <a:rPr lang="zh-CN" altLang="en-US" sz="1400" dirty="0">
@@ -21659,13 +21116,6 @@
               </a:rPr>
               <a:t>中的一个基本过程，被称为往返工程</a:t>
             </a:r>
-            <a:endParaRPr lang="zh-CN" altLang="en-US" sz="1400" dirty="0">
-              <a:solidFill>
-                <a:schemeClr val="bg1"/>
-              </a:solidFill>
-              <a:latin typeface="等线" panose="02010600030101010101" charset="-122"/>
-              <a:ea typeface="等线" panose="02010600030101010101" charset="-122"/>
-            </a:endParaRPr>
           </a:p>
         </p:txBody>
       </p:sp>
@@ -21788,6 +21238,7 @@
           <a:bodyPr wrap="none" anchor="t">
             <a:spAutoFit/>
           </a:bodyPr>
+          <a:lstStyle/>
           <a:p>
             <a:r>
               <a:rPr lang="en-US" altLang="zh-CN" sz="2000" b="1" dirty="0">
@@ -21819,13 +21270,6 @@
               </a:rPr>
               <a:t>向工程</a:t>
             </a:r>
-            <a:endParaRPr lang="zh-CN" altLang="zh-CN" sz="2000" b="1" dirty="0">
-              <a:solidFill>
-                <a:srgbClr val="404040"/>
-              </a:solidFill>
-              <a:latin typeface="等线" panose="02010600030101010101" charset="-122"/>
-              <a:ea typeface="等线" panose="02010600030101010101" charset="-122"/>
-            </a:endParaRPr>
           </a:p>
         </p:txBody>
       </p:sp>
@@ -21852,6 +21296,7 @@
           <a:bodyPr wrap="none" anchor="t">
             <a:spAutoFit/>
           </a:bodyPr>
+          <a:lstStyle/>
           <a:p>
             <a:r>
               <a:rPr lang="en-US" altLang="zh-CN" sz="1100" dirty="0">
@@ -21920,7 +21365,14 @@
         <p:cNvGrpSpPr/>
         <p:nvPr/>
       </p:nvGrpSpPr>
-      <p:grpSpPr/>
+      <p:grpSpPr>
+        <a:xfrm>
+          <a:off x="0" y="0"/>
+          <a:ext cx="0" cy="0"/>
+          <a:chOff x="0" y="0"/>
+          <a:chExt cx="0" cy="0"/>
+        </a:xfrm>
+      </p:grpSpPr>
       <p:sp>
         <p:nvSpPr>
           <p:cNvPr id="5" name="矩形 4"/>
@@ -21964,18 +21416,17 @@
           <a:p>
             <a:pPr algn="ctr" fontAlgn="auto"/>
             <a:r>
-              <a:rPr lang="zh-CN" strike="noStrike" noProof="1" dirty="0"/>
+              <a:rPr lang="zh-CN" strike="noStrike" noProof="1"/>
               <a:t>选择</a:t>
             </a:r>
             <a:r>
-              <a:rPr lang="en-US" altLang="zh-CN" strike="noStrike" noProof="1" dirty="0"/>
+              <a:rPr lang="en-US" altLang="zh-CN" strike="noStrike" noProof="1"/>
               <a:t>java</a:t>
             </a:r>
             <a:r>
-              <a:rPr lang="zh-CN" altLang="en-US" strike="noStrike" noProof="1" dirty="0"/>
+              <a:rPr lang="zh-CN" altLang="en-US" strike="noStrike" noProof="1"/>
               <a:t>文件</a:t>
             </a:r>
-            <a:endParaRPr lang="zh-CN" altLang="en-US" strike="noStrike" noProof="1" dirty="0"/>
           </a:p>
         </p:txBody>
       </p:sp>
@@ -22022,10 +21473,9 @@
           <a:p>
             <a:pPr algn="ctr" fontAlgn="auto"/>
             <a:r>
-              <a:rPr lang="zh-CN" altLang="en-US" strike="noStrike" noProof="1" dirty="0"/>
+              <a:rPr lang="zh-CN" altLang="en-US" strike="noStrike" noProof="1"/>
               <a:t>选择需要导入的包</a:t>
             </a:r>
-            <a:endParaRPr lang="zh-CN" altLang="en-US" strike="noStrike" noProof="1" dirty="0"/>
           </a:p>
         </p:txBody>
       </p:sp>
@@ -22072,10 +21522,9 @@
           <a:p>
             <a:pPr algn="ctr" fontAlgn="auto"/>
             <a:r>
-              <a:rPr lang="zh-CN" strike="noStrike" noProof="1" dirty="0"/>
+              <a:rPr lang="zh-CN" strike="noStrike" noProof="1"/>
               <a:t>运行成功</a:t>
             </a:r>
-            <a:endParaRPr lang="zh-CN" strike="noStrike" noProof="1" dirty="0"/>
           </a:p>
         </p:txBody>
       </p:sp>
@@ -22102,6 +21551,7 @@
           <a:bodyPr wrap="square" anchor="t">
             <a:spAutoFit/>
           </a:bodyPr>
+          <a:lstStyle/>
           <a:p>
             <a:pPr marL="285750" indent="-285750">
               <a:buClr>
@@ -22216,13 +21666,6 @@
               </a:rPr>
               <a:t>next</a:t>
             </a:r>
-            <a:endParaRPr lang="en-US" altLang="zh-CN" sz="1400" dirty="0">
-              <a:solidFill>
-                <a:srgbClr val="4D402B"/>
-              </a:solidFill>
-              <a:latin typeface="等线" panose="02010600030101010101" charset="-122"/>
-              <a:ea typeface="等线" panose="02010600030101010101" charset="-122"/>
-            </a:endParaRPr>
           </a:p>
         </p:txBody>
       </p:sp>
@@ -22249,6 +21692,7 @@
           <a:bodyPr wrap="square" anchor="t">
             <a:spAutoFit/>
           </a:bodyPr>
+          <a:lstStyle/>
           <a:p>
             <a:pPr marL="285750" indent="-285750">
               <a:buClr>
@@ -22310,6 +21754,7 @@
           <a:bodyPr wrap="square" anchor="t">
             <a:spAutoFit/>
           </a:bodyPr>
+          <a:lstStyle/>
           <a:p>
             <a:pPr marL="285750" indent="-285750">
               <a:buClr>
@@ -22493,6 +21938,7 @@
           <a:bodyPr wrap="none" anchor="t">
             <a:spAutoFit/>
           </a:bodyPr>
+          <a:lstStyle/>
           <a:p>
             <a:r>
               <a:rPr lang="zh-CN" altLang="zh-CN" sz="2000" b="1" dirty="0">
@@ -22504,13 +21950,6 @@
               </a:rPr>
               <a:t>正向工程操作示例</a:t>
             </a:r>
-            <a:endParaRPr lang="zh-CN" altLang="zh-CN" sz="2000" b="1" dirty="0">
-              <a:solidFill>
-                <a:srgbClr val="404040"/>
-              </a:solidFill>
-              <a:latin typeface="等线" panose="02010600030101010101" charset="-122"/>
-              <a:ea typeface="等线" panose="02010600030101010101" charset="-122"/>
-            </a:endParaRPr>
           </a:p>
         </p:txBody>
       </p:sp>
@@ -22537,6 +21976,7 @@
           <a:bodyPr wrap="none" anchor="t">
             <a:spAutoFit/>
           </a:bodyPr>
+          <a:lstStyle/>
           <a:p>
             <a:r>
               <a:rPr lang="en-US" altLang="zh-CN" sz="1100" dirty="0">
@@ -22597,7 +22037,7 @@
           <p:nvPr/>
         </p:nvPicPr>
         <p:blipFill>
-          <a:blip r:embed="rId1"/>
+          <a:blip r:embed="rId2"/>
           <a:stretch>
             <a:fillRect/>
           </a:stretch>
@@ -22625,7 +22065,7 @@
           <p:nvPr/>
         </p:nvPicPr>
         <p:blipFill>
-          <a:blip r:embed="rId2"/>
+          <a:blip r:embed="rId3"/>
           <a:stretch>
             <a:fillRect/>
           </a:stretch>
@@ -22653,7 +22093,7 @@
           <p:nvPr/>
         </p:nvPicPr>
         <p:blipFill>
-          <a:blip r:embed="rId3"/>
+          <a:blip r:embed="rId4"/>
           <a:stretch>
             <a:fillRect/>
           </a:stretch>
@@ -22689,7 +22129,14 @@
         <p:cNvGrpSpPr/>
         <p:nvPr/>
       </p:nvGrpSpPr>
-      <p:grpSpPr/>
+      <p:grpSpPr>
+        <a:xfrm>
+          <a:off x="0" y="0"/>
+          <a:ext cx="0" cy="0"/>
+          <a:chOff x="0" y="0"/>
+          <a:chExt cx="0" cy="0"/>
+        </a:xfrm>
+      </p:grpSpPr>
       <p:sp>
         <p:nvSpPr>
           <p:cNvPr id="12289" name="矩形 7"/>
@@ -22713,6 +22160,7 @@
           <a:bodyPr wrap="square" anchor="t">
             <a:spAutoFit/>
           </a:bodyPr>
+          <a:lstStyle/>
           <a:p>
             <a:pPr marL="285750" indent="-285750">
               <a:buClr>
@@ -22857,6 +22305,7 @@
           <a:bodyPr wrap="none" anchor="t">
             <a:spAutoFit/>
           </a:bodyPr>
+          <a:lstStyle/>
           <a:p>
             <a:r>
               <a:rPr lang="zh-CN" altLang="zh-CN" sz="2000" b="1" dirty="0">
@@ -22868,13 +22317,6 @@
               </a:rPr>
               <a:t>正向工程操作结果实例：</a:t>
             </a:r>
-            <a:endParaRPr lang="zh-CN" altLang="zh-CN" sz="2000" b="1" dirty="0">
-              <a:solidFill>
-                <a:srgbClr val="404040"/>
-              </a:solidFill>
-              <a:latin typeface="等线" panose="02010600030101010101" charset="-122"/>
-              <a:ea typeface="等线" panose="02010600030101010101" charset="-122"/>
-            </a:endParaRPr>
           </a:p>
         </p:txBody>
       </p:sp>
@@ -22901,6 +22343,7 @@
           <a:bodyPr wrap="none" anchor="t">
             <a:spAutoFit/>
           </a:bodyPr>
+          <a:lstStyle/>
           <a:p>
             <a:r>
               <a:rPr lang="en-US" altLang="zh-CN" sz="1100" dirty="0">
@@ -22961,7 +22404,7 @@
           <p:nvPr/>
         </p:nvPicPr>
         <p:blipFill>
-          <a:blip r:embed="rId1"/>
+          <a:blip r:embed="rId2"/>
           <a:stretch>
             <a:fillRect/>
           </a:stretch>
@@ -22997,7 +22440,14 @@
         <p:cNvGrpSpPr/>
         <p:nvPr/>
       </p:nvGrpSpPr>
-      <p:grpSpPr/>
+      <p:grpSpPr>
+        <a:xfrm>
+          <a:off x="0" y="0"/>
+          <a:ext cx="0" cy="0"/>
+          <a:chOff x="0" y="0"/>
+          <a:chExt cx="0" cy="0"/>
+        </a:xfrm>
+      </p:grpSpPr>
       <p:sp>
         <p:nvSpPr>
           <p:cNvPr id="22" name="椭圆 21"/>
@@ -23117,6 +22567,7 @@
           <a:bodyPr wrap="none" anchor="t">
             <a:spAutoFit/>
           </a:bodyPr>
+          <a:lstStyle/>
           <a:p>
             <a:r>
               <a:rPr lang="zh-CN" altLang="zh-CN" sz="2000" b="1" dirty="0">
@@ -23128,13 +22579,6 @@
               </a:rPr>
               <a:t>小结</a:t>
             </a:r>
-            <a:endParaRPr lang="zh-CN" altLang="zh-CN" sz="2000" b="1" dirty="0">
-              <a:solidFill>
-                <a:srgbClr val="404040"/>
-              </a:solidFill>
-              <a:latin typeface="等线" panose="02010600030101010101" charset="-122"/>
-              <a:ea typeface="等线" panose="02010600030101010101" charset="-122"/>
-            </a:endParaRPr>
           </a:p>
         </p:txBody>
       </p:sp>
@@ -23161,6 +22605,7 @@
           <a:bodyPr wrap="square" anchor="t">
             <a:spAutoFit/>
           </a:bodyPr>
+          <a:lstStyle/>
           <a:p>
             <a:r>
               <a:rPr lang="zh-CN" altLang="zh-CN" dirty="0">
@@ -23250,11 +22695,6 @@
               </a:rPr>
               <a:t>开发工具，</a:t>
             </a:r>
-            <a:endParaRPr lang="zh-CN" altLang="en-US" dirty="0">
-              <a:latin typeface="等线" panose="02010600030101010101" charset="-122"/>
-              <a:ea typeface="等线" panose="02010600030101010101" charset="-122"/>
-              <a:sym typeface="等线" panose="02010600030101010101" charset="-122"/>
-            </a:endParaRPr>
           </a:p>
           <a:p>
             <a:r>
@@ -23297,11 +22737,6 @@
               </a:rPr>
               <a:t>的安</a:t>
             </a:r>
-            <a:endParaRPr lang="zh-CN" altLang="en-US" dirty="0">
-              <a:latin typeface="等线" panose="02010600030101010101" charset="-122"/>
-              <a:ea typeface="等线" panose="02010600030101010101" charset="-122"/>
-              <a:sym typeface="等线" panose="02010600030101010101" charset="-122"/>
-            </a:endParaRPr>
           </a:p>
           <a:p>
             <a:r>
@@ -23328,11 +22763,6 @@
               </a:rPr>
               <a:t>的建模过程。</a:t>
             </a:r>
-            <a:endParaRPr lang="zh-CN" altLang="en-US" dirty="0">
-              <a:latin typeface="等线" panose="02010600030101010101" charset="-122"/>
-              <a:ea typeface="等线" panose="02010600030101010101" charset="-122"/>
-              <a:sym typeface="等线" panose="02010600030101010101" charset="-122"/>
-            </a:endParaRPr>
           </a:p>
         </p:txBody>
       </p:sp>
@@ -23353,7 +22783,14 @@
         <p:cNvGrpSpPr/>
         <p:nvPr/>
       </p:nvGrpSpPr>
-      <p:grpSpPr/>
+      <p:grpSpPr>
+        <a:xfrm>
+          <a:off x="0" y="0"/>
+          <a:ext cx="0" cy="0"/>
+          <a:chOff x="0" y="0"/>
+          <a:chExt cx="0" cy="0"/>
+        </a:xfrm>
+      </p:grpSpPr>
       <p:sp>
         <p:nvSpPr>
           <p:cNvPr id="22" name="椭圆 21"/>
@@ -23473,6 +22910,7 @@
           <a:bodyPr wrap="none" anchor="t">
             <a:spAutoFit/>
           </a:bodyPr>
+          <a:lstStyle/>
           <a:p>
             <a:r>
               <a:rPr lang="zh-CN" altLang="zh-CN" sz="2000" b="1" dirty="0">
@@ -23517,6 +22955,7 @@
           <a:bodyPr wrap="square" anchor="t">
             <a:spAutoFit/>
           </a:bodyPr>
+          <a:lstStyle/>
           <a:p>
             <a:r>
               <a:rPr lang="zh-CN" b="1" dirty="0">
@@ -24063,6 +23502,7 @@
           </p:style>
           <p:txBody>
             <a:bodyPr rtlCol="0" anchor="ctr"/>
+            <a:lstStyle/>
             <a:p>
               <a:pPr algn="ctr"/>
               <a:endParaRPr lang="zh-CN" altLang="en-US"/>
@@ -24088,6 +23528,7 @@
             <a:bodyPr wrap="square">
               <a:spAutoFit/>
             </a:bodyPr>
+            <a:lstStyle/>
             <a:p>
               <a:pPr algn="l"/>
               <a:r>
@@ -24122,11 +23563,6 @@
                 </a:rPr>
                 <a:t>的一套解决方案。Rose允许开发人员、项目经理、系统项目师和分析人员在软件开发周期内将需求和系统的体系架构转换成代码，消除浪费的消耗，对需求和系统的体系架构进行可视化，理解和精练。通过在软件开发周期内使用同一种建模工具可以确保更快更好地创建满足客户需求的可扩展的、灵活的并且可靠的应用系统。</a:t>
               </a:r>
-              <a:endParaRPr lang="zh-CN" altLang="en-US" sz="2000" b="1" dirty="0">
-                <a:solidFill>
-                  <a:schemeClr val="bg1"/>
-                </a:solidFill>
-              </a:endParaRPr>
             </a:p>
             <a:p>
               <a:pPr algn="l"/>
@@ -24195,11 +23631,6 @@
                 </a:rPr>
                 <a:t>DCOM(ActiveX)，JavaBeans和CORBA组件标准。</a:t>
               </a:r>
-              <a:endParaRPr lang="zh-CN" altLang="en-US" sz="2000" b="1" dirty="0">
-                <a:solidFill>
-                  <a:schemeClr val="bg1"/>
-                </a:solidFill>
-              </a:endParaRPr>
             </a:p>
           </p:txBody>
         </p:sp>
@@ -24228,7 +23659,14 @@
         <p:cNvGrpSpPr/>
         <p:nvPr/>
       </p:nvGrpSpPr>
-      <p:grpSpPr/>
+      <p:grpSpPr>
+        <a:xfrm>
+          <a:off x="0" y="0"/>
+          <a:ext cx="0" cy="0"/>
+          <a:chOff x="0" y="0"/>
+          <a:chExt cx="0" cy="0"/>
+        </a:xfrm>
+      </p:grpSpPr>
       <p:sp>
         <p:nvSpPr>
           <p:cNvPr id="22" name="椭圆 21"/>
@@ -24348,6 +23786,7 @@
           <a:bodyPr wrap="none" anchor="t">
             <a:spAutoFit/>
           </a:bodyPr>
+          <a:lstStyle/>
           <a:p>
             <a:r>
               <a:rPr lang="zh-CN" altLang="zh-CN" sz="2000" b="1" dirty="0">
@@ -24392,6 +23831,7 @@
           <a:bodyPr wrap="square" anchor="t">
             <a:spAutoFit/>
           </a:bodyPr>
+          <a:lstStyle/>
           <a:p>
             <a:r>
               <a:rPr>
@@ -24399,9 +23839,6 @@
               </a:rPr>
               <a:t>References:</a:t>
             </a:r>
-            <a:endParaRPr>
-              <a:sym typeface="+mn-ea"/>
-            </a:endParaRPr>
           </a:p>
           <a:p>
             <a:r>
@@ -24410,9 +23847,6 @@
               </a:rPr>
               <a:t>[1].	Jacobson, G.B.J.R., UML用户指南（第二版）. 2006: 人民邮电出版社.</a:t>
             </a:r>
-            <a:endParaRPr>
-              <a:sym typeface="+mn-ea"/>
-            </a:endParaRPr>
           </a:p>
           <a:p>
             <a:r>
@@ -24421,9 +23855,6 @@
               </a:rPr>
               <a:t>[2].	杨宏平, UML2 基础、建模与设计教程. 2015, 北京: 清华大学出版社. 280.</a:t>
             </a:r>
-            <a:endParaRPr>
-              <a:sym typeface="+mn-ea"/>
-            </a:endParaRPr>
           </a:p>
           <a:p>
             <a:r>
@@ -24432,9 +23863,6 @@
               </a:rPr>
               <a:t>[3].	Beatty, K.W.J., Software Requirements: 清华大学出版社. 546.</a:t>
             </a:r>
-            <a:endParaRPr>
-              <a:sym typeface="+mn-ea"/>
-            </a:endParaRPr>
           </a:p>
           <a:p>
             <a:r>
@@ -24443,9 +23871,6 @@
               </a:rPr>
               <a:t>[4].	维基百科.</a:t>
             </a:r>
-            <a:endParaRPr>
-              <a:sym typeface="+mn-ea"/>
-            </a:endParaRPr>
           </a:p>
           <a:p>
             <a:endParaRPr lang="zh-CN" b="1" dirty="0">
@@ -24904,6 +24329,7 @@
           </p:style>
           <p:txBody>
             <a:bodyPr rtlCol="0" anchor="ctr"/>
+            <a:lstStyle/>
             <a:p>
               <a:pPr algn="ctr"/>
               <a:endParaRPr lang="zh-CN" altLang="en-US"/>
@@ -24929,6 +24355,7 @@
             <a:bodyPr wrap="square">
               <a:spAutoFit/>
             </a:bodyPr>
+            <a:lstStyle/>
             <a:p>
               <a:r>
                 <a:rPr lang="zh-CN" altLang="en-US" sz="2000" b="1" dirty="0">
@@ -24938,11 +24365,6 @@
                 </a:rPr>
                 <a:t>Rational Rose不是单纯的绘图工具，它专门支持UML的建模，有很强的校验功能，</a:t>
               </a:r>
-              <a:endParaRPr lang="zh-CN" altLang="en-US" sz="2000" b="1" dirty="0">
-                <a:solidFill>
-                  <a:schemeClr val="bg1"/>
-                </a:solidFill>
-              </a:endParaRPr>
             </a:p>
             <a:p>
               <a:endParaRPr lang="zh-CN" altLang="en-US" sz="2000" b="1" dirty="0">
@@ -24960,11 +24382,6 @@
                 </a:rPr>
                 <a:t>能检查出模型中的许多裸机错误，还支持多种语言的双向项目，特别是对当前比较</a:t>
               </a:r>
-              <a:endParaRPr lang="zh-CN" altLang="en-US" sz="2000" b="1" dirty="0">
-                <a:solidFill>
-                  <a:schemeClr val="bg1"/>
-                </a:solidFill>
-              </a:endParaRPr>
             </a:p>
             <a:p>
               <a:endParaRPr lang="zh-CN" altLang="en-US" sz="2000" b="1" dirty="0">
@@ -24982,11 +24399,6 @@
                 </a:rPr>
                 <a:t>流行的Java的支持非常好。Rose早期没有对数据库端建模的支持，但现在的版本中</a:t>
               </a:r>
-              <a:endParaRPr lang="zh-CN" altLang="en-US" sz="2000" b="1" dirty="0">
-                <a:solidFill>
-                  <a:schemeClr val="bg1"/>
-                </a:solidFill>
-              </a:endParaRPr>
             </a:p>
             <a:p>
               <a:endParaRPr lang="zh-CN" altLang="en-US" sz="2000" b="1" dirty="0">
@@ -25004,11 +24416,6 @@
                 </a:rPr>
                 <a:t>已经加人数据库建模的功能。它提供了一个叫“Data Modeler”的工具，利用它可将</a:t>
               </a:r>
-              <a:endParaRPr lang="zh-CN" altLang="en-US" sz="2000" b="1" dirty="0">
-                <a:solidFill>
-                  <a:schemeClr val="bg1"/>
-                </a:solidFill>
-              </a:endParaRPr>
             </a:p>
             <a:p>
               <a:endParaRPr lang="zh-CN" altLang="en-US" sz="2000" b="1" dirty="0">
@@ -25026,11 +24433,6 @@
                 </a:rPr>
                 <a:t>对象模型转换成数据模型，也可以将现有的数据模型转换成对象模型，从而实现两</a:t>
               </a:r>
-              <a:endParaRPr lang="zh-CN" altLang="en-US" sz="2000" b="1" dirty="0">
-                <a:solidFill>
-                  <a:schemeClr val="bg1"/>
-                </a:solidFill>
-              </a:endParaRPr>
             </a:p>
             <a:p>
               <a:endParaRPr lang="zh-CN" altLang="en-US" sz="2000" b="1" dirty="0">
@@ -25048,11 +24450,6 @@
                 </a:rPr>
                 <a:t>者之间的同步。</a:t>
               </a:r>
-              <a:endParaRPr lang="zh-CN" altLang="en-US" sz="2000" b="1" dirty="0">
-                <a:solidFill>
-                  <a:schemeClr val="bg1"/>
-                </a:solidFill>
-              </a:endParaRPr>
             </a:p>
           </p:txBody>
         </p:sp>
@@ -25225,12 +24622,6 @@
               </a:rPr>
               <a:t>设计窗口</a:t>
             </a:r>
-            <a:endParaRPr lang="zh-CN" sz="2800" dirty="0" smtClean="0">
-              <a:solidFill>
-                <a:schemeClr val="tx1"/>
-              </a:solidFill>
-              <a:sym typeface="+mn-ea"/>
-            </a:endParaRPr>
           </a:p>
         </p:txBody>
       </p:sp>
@@ -25243,7 +24634,7 @@
           <p:nvPr/>
         </p:nvPicPr>
         <p:blipFill>
-          <a:blip r:embed="rId1"/>
+          <a:blip r:embed="rId2"/>
           <a:stretch>
             <a:fillRect/>
           </a:stretch>
@@ -25499,6 +24890,7 @@
           </p:style>
           <p:txBody>
             <a:bodyPr rtlCol="0" anchor="ctr"/>
+            <a:lstStyle/>
             <a:p>
               <a:pPr algn="ctr"/>
               <a:endParaRPr lang="zh-CN" altLang="en-US"/>
@@ -25524,6 +24916,7 @@
             <a:bodyPr wrap="square">
               <a:spAutoFit/>
             </a:bodyPr>
+            <a:lstStyle/>
             <a:p>
               <a:r>
                 <a:rPr lang="en-US" altLang="zh-CN" sz="2000" b="1" dirty="0">
@@ -25541,11 +24934,6 @@
                 </a:rPr>
                 <a:t>Microsoft Office Visio是微软公司出品的软件，Office Visio 提供了各种模</a:t>
               </a:r>
-              <a:endParaRPr lang="zh-CN" altLang="en-US" sz="2000" b="1" dirty="0">
-                <a:solidFill>
-                  <a:schemeClr val="bg1"/>
-                </a:solidFill>
-              </a:endParaRPr>
             </a:p>
             <a:p>
               <a:r>
@@ -25572,11 +24960,6 @@
                 </a:rPr>
                 <a:t>，这些模板可用于可视化和简化业务流程、跟踪项目和资源、绘制组织结构图、映射网络、绘制建筑地图及优化系统。</a:t>
               </a:r>
-              <a:endParaRPr lang="zh-CN" altLang="en-US" sz="2000" b="1" dirty="0">
-                <a:solidFill>
-                  <a:schemeClr val="bg1"/>
-                </a:solidFill>
-              </a:endParaRPr>
             </a:p>
             <a:p>
               <a:endParaRPr lang="zh-CN" altLang="en-US" sz="2000" b="1" dirty="0">
@@ -25634,11 +25017,6 @@
                 </a:rPr>
                 <a:t>。Office Visio Standard 具备Office Visio Professional 包含的许多功能，但是Office Visio Professional还包含更多图表类型的模板以及若干项高级功能。</a:t>
               </a:r>
-              <a:endParaRPr lang="zh-CN" altLang="en-US" sz="2000" b="1" dirty="0">
-                <a:solidFill>
-                  <a:schemeClr val="bg1"/>
-                </a:solidFill>
-              </a:endParaRPr>
             </a:p>
             <a:p>
               <a:endParaRPr lang="zh-CN" altLang="en-US" sz="2000" b="1" dirty="0">
@@ -25664,11 +25042,6 @@
                 </a:rPr>
                 <a:t>Visio原来仅仅是一种画图工具，能够用来描述各种图形(从电路图到房屋结构图)，也是到Visio 2000才开始引进软件分析设计功能到代码生成的全部功能它可以说是目前最能够用图形方式来表达各种商业图形用途的工具(对软件开发中的UML支持仅仅是其中很少的一部分)。</a:t>
               </a:r>
-              <a:endParaRPr lang="zh-CN" altLang="en-US" sz="2000" b="1" dirty="0">
-                <a:solidFill>
-                  <a:schemeClr val="bg1"/>
-                </a:solidFill>
-              </a:endParaRPr>
             </a:p>
           </p:txBody>
         </p:sp>
@@ -25903,6 +25276,7 @@
           </p:style>
           <p:txBody>
             <a:bodyPr rtlCol="0" anchor="ctr"/>
+            <a:lstStyle/>
             <a:p>
               <a:pPr algn="ctr"/>
               <a:endParaRPr lang="zh-CN" altLang="en-US"/>
@@ -25928,6 +25302,7 @@
             <a:bodyPr wrap="square">
               <a:spAutoFit/>
             </a:bodyPr>
+            <a:lstStyle/>
             <a:p>
               <a:pPr algn="l"/>
               <a:r>
@@ -26087,11 +25462,6 @@
                 </a:rPr>
                 <a:t>pes符号和强大的搜索功能可以找到合适的形状，而无论该形状是保存在计算机上还是网站上。</a:t>
               </a:r>
-              <a:endParaRPr lang="zh-CN" altLang="en-US" sz="2000" b="1" dirty="0">
-                <a:solidFill>
-                  <a:schemeClr val="bg1"/>
-                </a:solidFill>
-              </a:endParaRPr>
             </a:p>
             <a:p>
               <a:pPr algn="l"/>
@@ -26111,11 +25481,6 @@
                 </a:rPr>
                 <a:t>通过浏览简化的模板类别和使用大模板预览，在新增的“入门”窗口中查找所需的模板。使用“入门”窗口中新增的“最近打开的模板”视图找到最近使用的模板。</a:t>
               </a:r>
-              <a:endParaRPr lang="zh-CN" altLang="en-US" sz="2000" b="1" dirty="0">
-                <a:solidFill>
-                  <a:schemeClr val="bg1"/>
-                </a:solidFill>
-              </a:endParaRPr>
             </a:p>
             <a:p>
               <a:pPr algn="l"/>
@@ -26135,11 +25500,6 @@
                 </a:rPr>
                 <a:t>在Office Visio Professional中，打开新的“入门”窗口和使用新的“示例”类别，可以更方便地查找新的示例图表。查看与数据集成的示例图表，为创建自己的图表获得思路，认识到数据为众多图表类型提供更多，上下文的方式，以及确定要使用的模板。</a:t>
               </a:r>
-              <a:endParaRPr lang="zh-CN" altLang="en-US" sz="2000" b="1" dirty="0">
-                <a:solidFill>
-                  <a:schemeClr val="bg1"/>
-                </a:solidFill>
-              </a:endParaRPr>
             </a:p>
             <a:p>
               <a:pPr algn="l"/>
@@ -26180,7 +25540,7 @@
 </file>
 
 <file path=ppt/tags/tag1.xml><?xml version="1.0" encoding="utf-8"?>
-<p:tagLst xmlns:p="http://schemas.openxmlformats.org/presentationml/2006/main">
+<p:tagLst xmlns:a="http://schemas.openxmlformats.org/drawingml/2006/main" xmlns:r="http://schemas.openxmlformats.org/officeDocument/2006/relationships" xmlns:p="http://schemas.openxmlformats.org/presentationml/2006/main">
   <p:tag name="KSO_WM_TEMPLATE_TOPIC_ID" val="2869567"/>
   <p:tag name="KSO_WM_TEMPLATE_OUTLINE_ID" val="6"/>
   <p:tag name="KSO_WM_TEMPLATE_SCENE_ID" val="1"/>
@@ -26190,7 +25550,7 @@
 </file>
 
 <file path=ppt/tags/tag2.xml><?xml version="1.0" encoding="utf-8"?>
-<p:tagLst xmlns:p="http://schemas.openxmlformats.org/presentationml/2006/main">
+<p:tagLst xmlns:a="http://schemas.openxmlformats.org/drawingml/2006/main" xmlns:r="http://schemas.openxmlformats.org/officeDocument/2006/relationships" xmlns:p="http://schemas.openxmlformats.org/presentationml/2006/main">
   <p:tag name="MH" val="20151230141854"/>
   <p:tag name="MH_LIBRARY" val="CONTENTS"/>
   <p:tag name="MH_TYPE" val="OTHERS"/>
@@ -26199,7 +25559,7 @@
 </file>
 
 <file path=ppt/tags/tag3.xml><?xml version="1.0" encoding="utf-8"?>
-<p:tagLst xmlns:p="http://schemas.openxmlformats.org/presentationml/2006/main">
+<p:tagLst xmlns:a="http://schemas.openxmlformats.org/drawingml/2006/main" xmlns:r="http://schemas.openxmlformats.org/officeDocument/2006/relationships" xmlns:p="http://schemas.openxmlformats.org/presentationml/2006/main">
   <p:tag name="MH" val="20151230141854"/>
   <p:tag name="MH_LIBRARY" val="CONTENTS"/>
   <p:tag name="MH_TYPE" val="OTHERS"/>
@@ -26208,7 +25568,7 @@
 </file>
 
 <file path=ppt/tags/tag4.xml><?xml version="1.0" encoding="utf-8"?>
-<p:tagLst xmlns:p="http://schemas.openxmlformats.org/presentationml/2006/main">
+<p:tagLst xmlns:a="http://schemas.openxmlformats.org/drawingml/2006/main" xmlns:r="http://schemas.openxmlformats.org/officeDocument/2006/relationships" xmlns:p="http://schemas.openxmlformats.org/presentationml/2006/main">
   <p:tag name="MH" val="20151230141854"/>
   <p:tag name="MH_LIBRARY" val="CONTENTS"/>
   <p:tag name="MH_TYPE" val="OTHERS"/>
@@ -26217,7 +25577,7 @@
 </file>
 
 <file path=ppt/tags/tag5.xml><?xml version="1.0" encoding="utf-8"?>
-<p:tagLst xmlns:p="http://schemas.openxmlformats.org/presentationml/2006/main">
+<p:tagLst xmlns:a="http://schemas.openxmlformats.org/drawingml/2006/main" xmlns:r="http://schemas.openxmlformats.org/officeDocument/2006/relationships" xmlns:p="http://schemas.openxmlformats.org/presentationml/2006/main">
   <p:tag name="MH" val="20151230141854"/>
   <p:tag name="MH_LIBRARY" val="CONTENTS"/>
   <p:tag name="MH_TYPE" val="OTHERS"/>
@@ -26226,7 +25586,7 @@
 </file>
 
 <file path=ppt/tags/tag6.xml><?xml version="1.0" encoding="utf-8"?>
-<p:tagLst xmlns:p="http://schemas.openxmlformats.org/presentationml/2006/main">
+<p:tagLst xmlns:a="http://schemas.openxmlformats.org/drawingml/2006/main" xmlns:r="http://schemas.openxmlformats.org/officeDocument/2006/relationships" xmlns:p="http://schemas.openxmlformats.org/presentationml/2006/main">
   <p:tag name="MH" val="20151230141854"/>
   <p:tag name="MH_LIBRARY" val="CONTENTS"/>
   <p:tag name="MH_TYPE" val="OTHERS"/>
@@ -26485,9 +25845,11 @@
       </a:bgFillStyleLst>
     </a:fmtScheme>
   </a:themeElements>
+  <a:objectDefaults/>
+  <a:extraClrSchemeLst/>
   <a:extLst>
     <a:ext uri="{05A4C25C-085E-4340-85A3-A5531E510DB2}">
-      <thm15:themeFamily xmlns:thm15="http://schemas.microsoft.com/office/thememl/2012/main" name="Office Theme" id="{62F939B6-93AF-4DB8-9C6B-D6C7DFDC589F}" vid="{4A3C46E8-61CC-4603-A589-7422A47A8E4A}"/>
+      <thm15:themeFamily xmlns:thm15="http://schemas.microsoft.com/office/thememl/2012/main" xmlns="" name="Office Theme" id="{62F939B6-93AF-4DB8-9C6B-D6C7DFDC589F}" vid="{4A3C46E8-61CC-4603-A589-7422A47A8E4A}"/>
     </a:ext>
   </a:extLst>
 </a:theme>
@@ -26744,9 +26106,11 @@
       </a:bgFillStyleLst>
     </a:fmtScheme>
   </a:themeElements>
+  <a:objectDefaults/>
+  <a:extraClrSchemeLst/>
   <a:extLst>
     <a:ext uri="{05A4C25C-085E-4340-85A3-A5531E510DB2}">
-      <thm15:themeFamily xmlns:thm15="http://schemas.microsoft.com/office/thememl/2012/main" name="Office Theme" id="{62F939B6-93AF-4DB8-9C6B-D6C7DFDC589F}" vid="{4A3C46E8-61CC-4603-A589-7422A47A8E4A}"/>
+      <thm15:themeFamily xmlns:thm15="http://schemas.microsoft.com/office/thememl/2012/main" xmlns="" name="Office Theme" id="{62F939B6-93AF-4DB8-9C6B-D6C7DFDC589F}" vid="{4A3C46E8-61CC-4603-A589-7422A47A8E4A}"/>
     </a:ext>
   </a:extLst>
 </a:theme>
